--- a/doc/slides/Robot-Arm-Kinematics-Theory.pptx
+++ b/doc/slides/Robot-Arm-Kinematics-Theory.pptx
@@ -14,13 +14,13 @@
     <p:sldId id="271" r:id="rId2"/>
     <p:sldId id="263" r:id="rId3"/>
     <p:sldId id="264" r:id="rId4"/>
-    <p:sldId id="265" r:id="rId5"/>
-    <p:sldId id="266" r:id="rId6"/>
+    <p:sldId id="266" r:id="rId5"/>
+    <p:sldId id="265" r:id="rId6"/>
     <p:sldId id="269" r:id="rId7"/>
     <p:sldId id="270" r:id="rId8"/>
     <p:sldId id="267" r:id="rId9"/>
   </p:sldIdLst>
-  <p:sldSz cx="9144000" cy="6858000" type="screen4x3"/>
+  <p:sldSz cx="12192000" cy="6858000"/>
   <p:notesSz cx="6858000" cy="9144000"/>
   <p:defaultTextStyle>
     <a:defPPr>
@@ -125,7 +125,7 @@
             <a:srgbClr val="A4A3A4"/>
           </p15:clr>
         </p15:guide>
-        <p15:guide id="2" pos="2880">
+        <p15:guide id="2" pos="3840" userDrawn="1">
           <p15:clr>
             <a:srgbClr val="A4A3A4"/>
           </p15:clr>
@@ -428,8 +428,8 @@
         </p:nvSpPr>
         <p:spPr>
           <a:xfrm>
-            <a:off x="1371600" y="1143000"/>
-            <a:ext cx="4114800" cy="3086100"/>
+            <a:off x="685800" y="1143000"/>
+            <a:ext cx="5486400" cy="3086100"/>
           </a:xfrm>
           <a:prstGeom prst="rect">
             <a:avLst/>
@@ -738,8 +738,8 @@
         </p:nvSpPr>
         <p:spPr>
           <a:xfrm>
-            <a:off x="685800" y="2130425"/>
-            <a:ext cx="7772400" cy="1470025"/>
+            <a:off x="914400" y="2130426"/>
+            <a:ext cx="10363200" cy="1470025"/>
           </a:xfrm>
         </p:spPr>
         <p:txBody>
@@ -770,8 +770,8 @@
         </p:nvSpPr>
         <p:spPr>
           <a:xfrm>
-            <a:off x="1371600" y="3886200"/>
-            <a:ext cx="6400800" cy="1752600"/>
+            <a:off x="1828800" y="3886200"/>
+            <a:ext cx="8534400" cy="1752600"/>
           </a:xfrm>
           <a:prstGeom prst="rect">
             <a:avLst/>
@@ -1013,8 +1013,8 @@
         </p:nvSpPr>
         <p:spPr>
           <a:xfrm>
-            <a:off x="457200" y="1600200"/>
-            <a:ext cx="8229600" cy="4525963"/>
+            <a:off x="609600" y="1600201"/>
+            <a:ext cx="10972800" cy="4525963"/>
           </a:xfrm>
           <a:prstGeom prst="rect">
             <a:avLst/>
@@ -1203,8 +1203,8 @@
         </p:nvSpPr>
         <p:spPr>
           <a:xfrm>
-            <a:off x="6629400" y="274638"/>
-            <a:ext cx="2057400" cy="5851525"/>
+            <a:off x="8839200" y="274639"/>
+            <a:ext cx="2743200" cy="5851525"/>
           </a:xfrm>
         </p:spPr>
         <p:txBody>
@@ -1230,8 +1230,8 @@
         </p:nvSpPr>
         <p:spPr>
           <a:xfrm>
-            <a:off x="457200" y="274638"/>
-            <a:ext cx="6019800" cy="5851525"/>
+            <a:off x="609600" y="274639"/>
+            <a:ext cx="8026400" cy="5851525"/>
           </a:xfrm>
           <a:prstGeom prst="rect">
             <a:avLst/>
@@ -1449,8 +1449,8 @@
         </p:nvSpPr>
         <p:spPr>
           <a:xfrm>
-            <a:off x="457200" y="1600200"/>
-            <a:ext cx="8229600" cy="4525963"/>
+            <a:off x="609600" y="1600201"/>
+            <a:ext cx="10972800" cy="4525963"/>
           </a:xfrm>
           <a:prstGeom prst="rect">
             <a:avLst/>
@@ -1656,8 +1656,8 @@
         </p:nvSpPr>
         <p:spPr>
           <a:xfrm>
-            <a:off x="722313" y="4406900"/>
-            <a:ext cx="7772400" cy="1362075"/>
+            <a:off x="963084" y="4406901"/>
+            <a:ext cx="10363200" cy="1362075"/>
           </a:xfrm>
         </p:spPr>
         <p:txBody>
@@ -1690,8 +1690,8 @@
         </p:nvSpPr>
         <p:spPr>
           <a:xfrm>
-            <a:off x="722313" y="2906713"/>
-            <a:ext cx="7772400" cy="1500187"/>
+            <a:off x="963084" y="2906713"/>
+            <a:ext cx="10363200" cy="1500187"/>
           </a:xfrm>
           <a:prstGeom prst="rect">
             <a:avLst/>
@@ -1934,8 +1934,8 @@
         </p:nvSpPr>
         <p:spPr>
           <a:xfrm>
-            <a:off x="457200" y="1600200"/>
-            <a:ext cx="4038600" cy="4525963"/>
+            <a:off x="609600" y="1600201"/>
+            <a:ext cx="5384800" cy="4525963"/>
           </a:xfrm>
           <a:prstGeom prst="rect">
             <a:avLst/>
@@ -2054,8 +2054,8 @@
         </p:nvSpPr>
         <p:spPr>
           <a:xfrm>
-            <a:off x="4648200" y="1600200"/>
-            <a:ext cx="4038600" cy="4525963"/>
+            <a:off x="6197600" y="1600201"/>
+            <a:ext cx="5384800" cy="4525963"/>
           </a:xfrm>
           <a:prstGeom prst="rect">
             <a:avLst/>
@@ -2299,8 +2299,8 @@
         </p:nvSpPr>
         <p:spPr>
           <a:xfrm>
-            <a:off x="457200" y="1535113"/>
-            <a:ext cx="4040188" cy="639762"/>
+            <a:off x="609600" y="1535113"/>
+            <a:ext cx="5386917" cy="639762"/>
           </a:xfrm>
           <a:prstGeom prst="rect">
             <a:avLst/>
@@ -2367,8 +2367,8 @@
         </p:nvSpPr>
         <p:spPr>
           <a:xfrm>
-            <a:off x="457200" y="2174875"/>
-            <a:ext cx="4040188" cy="3951288"/>
+            <a:off x="609600" y="2174875"/>
+            <a:ext cx="5386917" cy="3951288"/>
           </a:xfrm>
           <a:prstGeom prst="rect">
             <a:avLst/>
@@ -2487,8 +2487,8 @@
         </p:nvSpPr>
         <p:spPr>
           <a:xfrm>
-            <a:off x="4645025" y="1535113"/>
-            <a:ext cx="4041775" cy="639762"/>
+            <a:off x="6193368" y="1535113"/>
+            <a:ext cx="5389033" cy="639762"/>
           </a:xfrm>
           <a:prstGeom prst="rect">
             <a:avLst/>
@@ -2555,8 +2555,8 @@
         </p:nvSpPr>
         <p:spPr>
           <a:xfrm>
-            <a:off x="4645025" y="2174875"/>
-            <a:ext cx="4041775" cy="3951288"/>
+            <a:off x="6193368" y="2174875"/>
+            <a:ext cx="5389033" cy="3951288"/>
           </a:xfrm>
           <a:prstGeom prst="rect">
             <a:avLst/>
@@ -3001,8 +3001,8 @@
         </p:nvSpPr>
         <p:spPr>
           <a:xfrm>
-            <a:off x="457200" y="273050"/>
-            <a:ext cx="3008313" cy="1162050"/>
+            <a:off x="609601" y="273050"/>
+            <a:ext cx="4011084" cy="1162050"/>
           </a:xfrm>
         </p:spPr>
         <p:txBody>
@@ -3032,8 +3032,8 @@
         </p:nvSpPr>
         <p:spPr>
           <a:xfrm>
-            <a:off x="3575050" y="273050"/>
-            <a:ext cx="5111750" cy="5853113"/>
+            <a:off x="4766733" y="273051"/>
+            <a:ext cx="6815667" cy="5853113"/>
           </a:xfrm>
           <a:prstGeom prst="rect">
             <a:avLst/>
@@ -3151,8 +3151,8 @@
         </p:nvSpPr>
         <p:spPr>
           <a:xfrm>
-            <a:off x="457200" y="1435100"/>
-            <a:ext cx="3008313" cy="4691063"/>
+            <a:off x="609601" y="1435101"/>
+            <a:ext cx="4011084" cy="4691063"/>
           </a:xfrm>
           <a:prstGeom prst="rect">
             <a:avLst/>
@@ -3318,8 +3318,8 @@
         </p:nvSpPr>
         <p:spPr>
           <a:xfrm>
-            <a:off x="1792288" y="4800600"/>
-            <a:ext cx="5486400" cy="566738"/>
+            <a:off x="2389717" y="4800600"/>
+            <a:ext cx="7315200" cy="566738"/>
           </a:xfrm>
         </p:spPr>
         <p:txBody>
@@ -3349,8 +3349,8 @@
         </p:nvSpPr>
         <p:spPr>
           <a:xfrm>
-            <a:off x="1792288" y="612775"/>
-            <a:ext cx="5486400" cy="4114800"/>
+            <a:off x="2389717" y="612775"/>
+            <a:ext cx="7315200" cy="4114800"/>
           </a:xfrm>
           <a:prstGeom prst="rect">
             <a:avLst/>
@@ -3416,8 +3416,8 @@
         </p:nvSpPr>
         <p:spPr>
           <a:xfrm>
-            <a:off x="1792288" y="5367338"/>
-            <a:ext cx="5486400" cy="804862"/>
+            <a:off x="2389717" y="5367338"/>
+            <a:ext cx="7315200" cy="804862"/>
           </a:xfrm>
           <a:prstGeom prst="rect">
             <a:avLst/>
@@ -3588,8 +3588,8 @@
         </p:nvSpPr>
         <p:spPr>
           <a:xfrm>
-            <a:off x="457200" y="274638"/>
-            <a:ext cx="8229600" cy="1143000"/>
+            <a:off x="609600" y="274638"/>
+            <a:ext cx="10972800" cy="1143000"/>
           </a:xfrm>
           <a:prstGeom prst="rect">
             <a:avLst/>
@@ -3620,8 +3620,8 @@
         </p:nvSpPr>
         <p:spPr>
           <a:xfrm>
-            <a:off x="457200" y="1600200"/>
-            <a:ext cx="8229600" cy="4525963"/>
+            <a:off x="609600" y="1600201"/>
+            <a:ext cx="10972800" cy="4525963"/>
           </a:xfrm>
           <a:prstGeom prst="rect">
             <a:avLst/>
@@ -3713,8 +3713,8 @@
         </p:nvSpPr>
         <p:spPr>
           <a:xfrm>
-            <a:off x="457200" y="6356350"/>
-            <a:ext cx="1378496" cy="365125"/>
+            <a:off x="609600" y="6356351"/>
+            <a:ext cx="1837995" cy="365125"/>
           </a:xfrm>
           <a:prstGeom prst="rect">
             <a:avLst/>
@@ -3752,8 +3752,8 @@
         </p:nvSpPr>
         <p:spPr>
           <a:xfrm>
-            <a:off x="1907704" y="6356350"/>
-            <a:ext cx="5328592" cy="365125"/>
+            <a:off x="2543606" y="6356351"/>
+            <a:ext cx="7104789" cy="365125"/>
           </a:xfrm>
           <a:prstGeom prst="rect">
             <a:avLst/>
@@ -3791,8 +3791,8 @@
         </p:nvSpPr>
         <p:spPr>
           <a:xfrm>
-            <a:off x="7308304" y="6356350"/>
-            <a:ext cx="1378496" cy="365125"/>
+            <a:off x="9744405" y="6356351"/>
+            <a:ext cx="1837995" cy="365125"/>
           </a:xfrm>
           <a:prstGeom prst="rect">
             <a:avLst/>
@@ -3833,7 +3833,7 @@
         </p:nvSpPr>
         <p:spPr>
           <a:xfrm>
-            <a:off x="251520" y="2132856"/>
+            <a:off x="335361" y="2132857"/>
             <a:ext cx="184731" cy="461665"/>
           </a:xfrm>
           <a:prstGeom prst="rect">
@@ -3880,8 +3880,8 @@
         </p:blipFill>
         <p:spPr bwMode="auto">
           <a:xfrm>
-            <a:off x="467696" y="116632"/>
-            <a:ext cx="838200" cy="295275"/>
+            <a:off x="623595" y="116633"/>
+            <a:ext cx="1117600" cy="295275"/>
           </a:xfrm>
           <a:prstGeom prst="rect">
             <a:avLst/>
@@ -4316,7 +4316,7 @@
         </p:nvCxnSpPr>
         <p:spPr>
           <a:xfrm flipV="1">
-            <a:off x="971600" y="5013160"/>
+            <a:off x="2495600" y="5013160"/>
             <a:ext cx="1440160" cy="720096"/>
           </a:xfrm>
           <a:prstGeom prst="line">
@@ -4482,7 +4482,7 @@
         </p:nvCxnSpPr>
         <p:spPr>
           <a:xfrm>
-            <a:off x="539552" y="5733256"/>
+            <a:off x="2063552" y="5733256"/>
             <a:ext cx="4032448" cy="8570"/>
           </a:xfrm>
           <a:prstGeom prst="line">
@@ -4526,7 +4526,7 @@
         </p:nvCxnSpPr>
         <p:spPr>
           <a:xfrm flipV="1">
-            <a:off x="2411760" y="3573000"/>
+            <a:off x="3935760" y="3573000"/>
             <a:ext cx="720080" cy="1440160"/>
           </a:xfrm>
           <a:prstGeom prst="line">
@@ -4569,7 +4569,7 @@
         </p:nvCxnSpPr>
         <p:spPr>
           <a:xfrm flipH="1" flipV="1">
-            <a:off x="2411760" y="2132840"/>
+            <a:off x="3935760" y="2132840"/>
             <a:ext cx="720080" cy="1440160"/>
           </a:xfrm>
           <a:prstGeom prst="line">
@@ -4612,7 +4612,7 @@
         </p:nvCxnSpPr>
         <p:spPr>
           <a:xfrm flipV="1">
-            <a:off x="971600" y="4653120"/>
+            <a:off x="2495600" y="4653120"/>
             <a:ext cx="2160240" cy="1080136"/>
           </a:xfrm>
           <a:prstGeom prst="line">
@@ -4655,7 +4655,7 @@
         </p:nvCxnSpPr>
         <p:spPr>
           <a:xfrm flipV="1">
-            <a:off x="2411760" y="2564888"/>
+            <a:off x="3935760" y="2564888"/>
             <a:ext cx="1224136" cy="2448274"/>
           </a:xfrm>
           <a:prstGeom prst="line">
@@ -4698,7 +4698,7 @@
         </p:nvCxnSpPr>
         <p:spPr>
           <a:xfrm flipH="1" flipV="1">
-            <a:off x="2123728" y="1556776"/>
+            <a:off x="3647728" y="1556776"/>
             <a:ext cx="1008112" cy="2016224"/>
           </a:xfrm>
           <a:prstGeom prst="line">
@@ -4741,7 +4741,7 @@
         </p:nvSpPr>
         <p:spPr>
           <a:xfrm>
-            <a:off x="2987856" y="3429016"/>
+            <a:off x="4511856" y="3429016"/>
             <a:ext cx="288000" cy="288000"/>
           </a:xfrm>
           <a:prstGeom prst="ellipse">
@@ -4777,7 +4777,7 @@
           <a:lstStyle/>
           <a:p>
             <a:pPr algn="l"/>
-            <a:endParaRPr kumimoji="1" lang="ja-JP" altLang="en-US" dirty="0">
+            <a:endParaRPr lang="ja-JP" altLang="en-US" dirty="0">
               <a:solidFill>
                 <a:schemeClr val="tx1"/>
               </a:solidFill>
@@ -4801,7 +4801,7 @@
         </p:nvSpPr>
         <p:spPr>
           <a:xfrm>
-            <a:off x="2267744" y="4869144"/>
+            <a:off x="3791744" y="4869144"/>
             <a:ext cx="288000" cy="288000"/>
           </a:xfrm>
           <a:prstGeom prst="ellipse">
@@ -4837,7 +4837,7 @@
           <a:lstStyle/>
           <a:p>
             <a:pPr algn="l"/>
-            <a:endParaRPr kumimoji="1" lang="ja-JP" altLang="en-US" dirty="0">
+            <a:endParaRPr lang="ja-JP" altLang="en-US" dirty="0">
               <a:solidFill>
                 <a:schemeClr val="tx1"/>
               </a:solidFill>
@@ -4866,7 +4866,7 @@
           </p:nvPr>
         </p:nvGraphicFramePr>
         <p:xfrm>
-          <a:off x="1773728" y="5398926"/>
+          <a:off x="3297728" y="5398926"/>
           <a:ext cx="228420" cy="342900"/>
         </p:xfrm>
         <a:graphic>
@@ -4900,7 +4900,7 @@
                     </p:blipFill>
                     <p:spPr>
                       <a:xfrm>
-                        <a:off x="1773728" y="5398926"/>
+                        <a:off x="3297728" y="5398926"/>
                         <a:ext cx="228420" cy="342900"/>
                       </a:xfrm>
                       <a:prstGeom prst="rect">
@@ -4930,7 +4930,7 @@
         </p:nvSpPr>
         <p:spPr>
           <a:xfrm>
-            <a:off x="940656" y="5373296"/>
+            <a:off x="2464656" y="5373296"/>
             <a:ext cx="720000" cy="720000"/>
           </a:xfrm>
           <a:prstGeom prst="arc">
@@ -4966,7 +4966,7 @@
           <a:lstStyle/>
           <a:p>
             <a:pPr algn="ctr"/>
-            <a:endParaRPr kumimoji="1" lang="ja-JP" altLang="en-US"/>
+            <a:endParaRPr lang="ja-JP" altLang="en-US"/>
           </a:p>
         </p:txBody>
       </p:sp>
@@ -4986,7 +4986,7 @@
         </p:nvSpPr>
         <p:spPr>
           <a:xfrm>
-            <a:off x="2123728" y="4568153"/>
+            <a:off x="3647728" y="4568153"/>
             <a:ext cx="720000" cy="720000"/>
           </a:xfrm>
           <a:prstGeom prst="arc">
@@ -5022,7 +5022,7 @@
           <a:lstStyle/>
           <a:p>
             <a:pPr algn="ctr"/>
-            <a:endParaRPr kumimoji="1" lang="ja-JP" altLang="en-US"/>
+            <a:endParaRPr lang="ja-JP" altLang="en-US"/>
           </a:p>
         </p:txBody>
       </p:sp>
@@ -5047,7 +5047,7 @@
           </p:nvPr>
         </p:nvGraphicFramePr>
         <p:xfrm>
-          <a:off x="2833688" y="4356580"/>
+          <a:off x="4357688" y="4356580"/>
           <a:ext cx="247650" cy="342900"/>
         </p:xfrm>
         <a:graphic>
@@ -5081,7 +5081,7 @@
                     </p:blipFill>
                     <p:spPr>
                       <a:xfrm>
-                        <a:off x="2833688" y="4356580"/>
+                        <a:off x="4357688" y="4356580"/>
                         <a:ext cx="247650" cy="342900"/>
                       </a:xfrm>
                       <a:prstGeom prst="rect">
@@ -5116,7 +5116,7 @@
           </p:nvPr>
         </p:nvGraphicFramePr>
         <p:xfrm>
-          <a:off x="3063850" y="2761759"/>
+          <a:off x="4587850" y="2761759"/>
           <a:ext cx="247650" cy="342900"/>
         </p:xfrm>
         <a:graphic>
@@ -5150,7 +5150,7 @@
                     </p:blipFill>
                     <p:spPr>
                       <a:xfrm>
-                        <a:off x="3063850" y="2761759"/>
+                        <a:off x="4587850" y="2761759"/>
                         <a:ext cx="247650" cy="342900"/>
                       </a:xfrm>
                       <a:prstGeom prst="rect">
@@ -5180,7 +5180,7 @@
         </p:nvSpPr>
         <p:spPr>
           <a:xfrm>
-            <a:off x="2804393" y="3110179"/>
+            <a:off x="4328393" y="3110179"/>
             <a:ext cx="720000" cy="720000"/>
           </a:xfrm>
           <a:prstGeom prst="arc">
@@ -5216,7 +5216,7 @@
           <a:lstStyle/>
           <a:p>
             <a:pPr algn="ctr"/>
-            <a:endParaRPr kumimoji="1" lang="ja-JP" altLang="en-US"/>
+            <a:endParaRPr lang="ja-JP" altLang="en-US"/>
           </a:p>
         </p:txBody>
       </p:sp>
@@ -5236,7 +5236,7 @@
         </p:nvCxnSpPr>
         <p:spPr>
           <a:xfrm flipH="1">
-            <a:off x="1691680" y="2132840"/>
+            <a:off x="3215680" y="2132840"/>
             <a:ext cx="1440160" cy="0"/>
           </a:xfrm>
           <a:prstGeom prst="line">
@@ -5279,7 +5279,7 @@
         </p:nvSpPr>
         <p:spPr>
           <a:xfrm>
-            <a:off x="2267744" y="1988824"/>
+            <a:off x="3791744" y="1988824"/>
             <a:ext cx="288000" cy="288000"/>
           </a:xfrm>
           <a:prstGeom prst="ellipse">
@@ -5315,7 +5315,7 @@
           <a:lstStyle/>
           <a:p>
             <a:pPr algn="l"/>
-            <a:endParaRPr kumimoji="1" lang="ja-JP" altLang="en-US" dirty="0">
+            <a:endParaRPr lang="ja-JP" altLang="en-US" dirty="0">
               <a:solidFill>
                 <a:schemeClr val="tx1"/>
               </a:solidFill>
@@ -5344,7 +5344,7 @@
           </p:nvPr>
         </p:nvGraphicFramePr>
         <p:xfrm>
-          <a:off x="2738438" y="1542852"/>
+          <a:off x="4262438" y="1542852"/>
           <a:ext cx="190500" cy="266700"/>
         </p:xfrm>
         <a:graphic>
@@ -5378,7 +5378,7 @@
                     </p:blipFill>
                     <p:spPr>
                       <a:xfrm>
-                        <a:off x="2738438" y="1542852"/>
+                        <a:off x="4262438" y="1542852"/>
                         <a:ext cx="190500" cy="266700"/>
                       </a:xfrm>
                       <a:prstGeom prst="rect">
@@ -5408,7 +5408,7 @@
         </p:nvSpPr>
         <p:spPr>
           <a:xfrm>
-            <a:off x="2074987" y="1773071"/>
+            <a:off x="3598987" y="1773071"/>
             <a:ext cx="720000" cy="720000"/>
           </a:xfrm>
           <a:prstGeom prst="arc">
@@ -5444,7 +5444,7 @@
           <a:lstStyle/>
           <a:p>
             <a:pPr algn="ctr"/>
-            <a:endParaRPr kumimoji="1" lang="ja-JP" altLang="en-US"/>
+            <a:endParaRPr lang="ja-JP" altLang="en-US"/>
           </a:p>
         </p:txBody>
       </p:sp>
@@ -5469,7 +5469,7 @@
           </p:nvPr>
         </p:nvGraphicFramePr>
         <p:xfrm>
-          <a:off x="1941036" y="2217808"/>
+          <a:off x="3465036" y="2217808"/>
           <a:ext cx="419100" cy="647700"/>
         </p:xfrm>
         <a:graphic>
@@ -5503,7 +5503,7 @@
                     </p:blipFill>
                     <p:spPr>
                       <a:xfrm>
-                        <a:off x="1941036" y="2217808"/>
+                        <a:off x="3465036" y="2217808"/>
                         <a:ext cx="419100" cy="647700"/>
                       </a:xfrm>
                       <a:prstGeom prst="rect">
@@ -5533,7 +5533,7 @@
         </p:nvCxnSpPr>
         <p:spPr>
           <a:xfrm flipV="1">
-            <a:off x="971584" y="2132824"/>
+            <a:off x="2495584" y="2132824"/>
             <a:ext cx="0" cy="3960472"/>
           </a:xfrm>
           <a:prstGeom prst="line">
@@ -5582,7 +5582,7 @@
           </p:nvPr>
         </p:nvGraphicFramePr>
         <p:xfrm>
-          <a:off x="3101984" y="4452212"/>
+          <a:off x="4625984" y="4452212"/>
           <a:ext cx="5962650" cy="1027112"/>
         </p:xfrm>
         <a:graphic>
@@ -5616,7 +5616,7 @@
                     </p:blipFill>
                     <p:spPr>
                       <a:xfrm>
-                        <a:off x="3101984" y="4452212"/>
+                        <a:off x="4625984" y="4452212"/>
                         <a:ext cx="5962650" cy="1027112"/>
                       </a:xfrm>
                       <a:prstGeom prst="rect">
@@ -5651,7 +5651,7 @@
           </p:nvPr>
         </p:nvGraphicFramePr>
         <p:xfrm>
-          <a:off x="4211960" y="5818558"/>
+          <a:off x="5735960" y="5818558"/>
           <a:ext cx="190080" cy="209520"/>
         </p:xfrm>
         <a:graphic>
@@ -5679,7 +5679,7 @@
                     </p:blipFill>
                     <p:spPr>
                       <a:xfrm>
-                        <a:off x="4211960" y="5818558"/>
+                        <a:off x="5735960" y="5818558"/>
                         <a:ext cx="190080" cy="209520"/>
                       </a:xfrm>
                       <a:prstGeom prst="rect">
@@ -5714,7 +5714,7 @@
           </p:nvPr>
         </p:nvGraphicFramePr>
         <p:xfrm>
-          <a:off x="733425" y="2336800"/>
+          <a:off x="2257425" y="2336800"/>
           <a:ext cx="209550" cy="247650"/>
         </p:xfrm>
         <a:graphic>
@@ -5748,7 +5748,7 @@
                     </p:blipFill>
                     <p:spPr>
                       <a:xfrm>
-                        <a:off x="733425" y="2336800"/>
+                        <a:off x="2257425" y="2336800"/>
                         <a:ext cx="209550" cy="247650"/>
                       </a:xfrm>
                       <a:prstGeom prst="rect">
@@ -5783,7 +5783,7 @@
           </p:nvPr>
         </p:nvGraphicFramePr>
         <p:xfrm>
-          <a:off x="693620" y="5840196"/>
+          <a:off x="2217620" y="5840196"/>
           <a:ext cx="190500" cy="209550"/>
         </p:xfrm>
         <a:graphic>
@@ -5817,7 +5817,7 @@
                     </p:blipFill>
                     <p:spPr>
                       <a:xfrm>
-                        <a:off x="693620" y="5840196"/>
+                        <a:off x="2217620" y="5840196"/>
                         <a:ext cx="190500" cy="209550"/>
                       </a:xfrm>
                       <a:prstGeom prst="rect">
@@ -5847,7 +5847,7 @@
         </p:nvSpPr>
         <p:spPr>
           <a:xfrm>
-            <a:off x="827584" y="5589256"/>
+            <a:off x="2351584" y="5589256"/>
             <a:ext cx="288000" cy="288000"/>
           </a:xfrm>
           <a:prstGeom prst="ellipse">
@@ -5883,7 +5883,7 @@
           <a:lstStyle/>
           <a:p>
             <a:pPr algn="l"/>
-            <a:endParaRPr kumimoji="1" lang="ja-JP" altLang="en-US" dirty="0">
+            <a:endParaRPr lang="ja-JP" altLang="en-US" dirty="0">
               <a:solidFill>
                 <a:schemeClr val="tx1"/>
               </a:solidFill>
@@ -5905,7 +5905,7 @@
         </p:nvSpPr>
         <p:spPr>
           <a:xfrm>
-            <a:off x="3707856" y="1988840"/>
+            <a:off x="5231856" y="1988841"/>
             <a:ext cx="5184624" cy="2031325"/>
           </a:xfrm>
           <a:prstGeom prst="rect">
@@ -5920,10 +5920,10 @@
           <a:lstStyle/>
           <a:p>
             <a:r>
-              <a:rPr kumimoji="1" lang="ja-JP" altLang="en-US" dirty="0"/>
+              <a:rPr lang="ja-JP" altLang="en-US" dirty="0"/>
               <a:t>順運動学</a:t>
             </a:r>
-            <a:endParaRPr kumimoji="1" lang="en-US" altLang="ja-JP" dirty="0"/>
+            <a:endParaRPr lang="en-US" altLang="ja-JP" dirty="0"/>
           </a:p>
           <a:p>
             <a:pPr marL="285750" indent="-285750">
@@ -5945,11 +5945,11 @@
               <a:rPr lang="ja-JP" altLang="en-US" dirty="0"/>
               <a:t>閉じた形式の解が求められる</a:t>
             </a:r>
-            <a:endParaRPr kumimoji="1" lang="en-US" altLang="ja-JP" dirty="0"/>
-          </a:p>
-          <a:p>
-            <a:r>
-              <a:rPr kumimoji="1" lang="en-US" altLang="ja-JP" dirty="0"/>
+            <a:endParaRPr lang="en-US" altLang="ja-JP" dirty="0"/>
+          </a:p>
+          <a:p>
+            <a:r>
+              <a:rPr lang="en-US" altLang="ja-JP" dirty="0"/>
               <a:t>Forward kinematics</a:t>
             </a:r>
           </a:p>
@@ -5969,7 +5969,7 @@
               <a:buChar char="•"/>
             </a:pPr>
             <a:r>
-              <a:rPr kumimoji="1" lang="en-US" altLang="ja-JP" dirty="0"/>
+              <a:rPr lang="en-US" altLang="ja-JP" dirty="0"/>
               <a:t>Find:  A hand pose (position and orientation)</a:t>
             </a:r>
           </a:p>
@@ -5982,7 +5982,6 @@
               <a:rPr lang="en-US" altLang="ja-JP" dirty="0"/>
               <a:t>We can find a closed form solution </a:t>
             </a:r>
-            <a:endParaRPr kumimoji="1" lang="en-US" altLang="ja-JP" dirty="0"/>
           </a:p>
         </p:txBody>
       </p:sp>
@@ -6007,7 +6006,7 @@
           </p:nvPr>
         </p:nvGraphicFramePr>
         <p:xfrm>
-          <a:off x="2420341" y="2638581"/>
+          <a:off x="3944341" y="2638581"/>
           <a:ext cx="266220" cy="342900"/>
         </p:xfrm>
         <a:graphic>
@@ -6035,7 +6034,7 @@
                     </p:blipFill>
                     <p:spPr>
                       <a:xfrm>
-                        <a:off x="2420341" y="2638581"/>
+                        <a:off x="3944341" y="2638581"/>
                         <a:ext cx="266220" cy="342900"/>
                       </a:xfrm>
                       <a:prstGeom prst="rect">
@@ -6070,7 +6069,7 @@
           </p:nvPr>
         </p:nvGraphicFramePr>
         <p:xfrm>
-          <a:off x="2527267" y="3816681"/>
+          <a:off x="4051267" y="3816681"/>
           <a:ext cx="266220" cy="342900"/>
         </p:xfrm>
         <a:graphic>
@@ -6104,7 +6103,7 @@
                     </p:blipFill>
                     <p:spPr>
                       <a:xfrm>
-                        <a:off x="2527267" y="3816681"/>
+                        <a:off x="4051267" y="3816681"/>
                         <a:ext cx="266220" cy="342900"/>
                       </a:xfrm>
                       <a:prstGeom prst="rect">
@@ -6139,7 +6138,7 @@
           </p:nvPr>
         </p:nvGraphicFramePr>
         <p:xfrm>
-          <a:off x="1509713" y="4978400"/>
+          <a:off x="3033713" y="4978400"/>
           <a:ext cx="247650" cy="342900"/>
         </p:xfrm>
         <a:graphic>
@@ -6173,7 +6172,7 @@
                     </p:blipFill>
                     <p:spPr>
                       <a:xfrm>
-                        <a:off x="1509713" y="4978400"/>
+                        <a:off x="3033713" y="4978400"/>
                         <a:ext cx="247650" cy="342900"/>
                       </a:xfrm>
                       <a:prstGeom prst="rect">
@@ -6246,7 +6245,7 @@
               <a:rPr lang="en-US" altLang="ja-JP" dirty="0"/>
             </a:br>
             <a:r>
-              <a:rPr lang="en-US" altLang="ja-JP" sz="3200" dirty="0"/>
+              <a:rPr lang="en-US" altLang="ja-JP" sz="2400" dirty="0"/>
               <a:t>Inverse Kinematics of Robot Arm</a:t>
             </a:r>
             <a:endParaRPr kumimoji="1" lang="ja-JP" altLang="en-US" dirty="0"/>
@@ -6356,7 +6355,7 @@
         </p:nvCxnSpPr>
         <p:spPr>
           <a:xfrm flipV="1">
-            <a:off x="971600" y="5013160"/>
+            <a:off x="2495600" y="5013160"/>
             <a:ext cx="1440160" cy="720096"/>
           </a:xfrm>
           <a:prstGeom prst="line">
@@ -6399,7 +6398,7 @@
         </p:nvCxnSpPr>
         <p:spPr>
           <a:xfrm>
-            <a:off x="539552" y="5733256"/>
+            <a:off x="2063552" y="5733256"/>
             <a:ext cx="4032448" cy="8570"/>
           </a:xfrm>
           <a:prstGeom prst="line">
@@ -6443,7 +6442,7 @@
         </p:nvCxnSpPr>
         <p:spPr>
           <a:xfrm flipV="1">
-            <a:off x="2411760" y="3573000"/>
+            <a:off x="3935760" y="3573000"/>
             <a:ext cx="720080" cy="1440160"/>
           </a:xfrm>
           <a:prstGeom prst="line">
@@ -6486,7 +6485,7 @@
         </p:nvCxnSpPr>
         <p:spPr>
           <a:xfrm flipH="1" flipV="1">
-            <a:off x="2411760" y="2132840"/>
+            <a:off x="3935760" y="2132840"/>
             <a:ext cx="720080" cy="1440160"/>
           </a:xfrm>
           <a:prstGeom prst="line">
@@ -6529,7 +6528,7 @@
         </p:nvCxnSpPr>
         <p:spPr>
           <a:xfrm flipV="1">
-            <a:off x="971600" y="4653120"/>
+            <a:off x="2495600" y="4653120"/>
             <a:ext cx="2160240" cy="1080136"/>
           </a:xfrm>
           <a:prstGeom prst="line">
@@ -6572,7 +6571,7 @@
         </p:nvCxnSpPr>
         <p:spPr>
           <a:xfrm flipV="1">
-            <a:off x="2411760" y="2564888"/>
+            <a:off x="3935760" y="2564888"/>
             <a:ext cx="1224136" cy="2448274"/>
           </a:xfrm>
           <a:prstGeom prst="line">
@@ -6615,7 +6614,7 @@
         </p:nvCxnSpPr>
         <p:spPr>
           <a:xfrm flipH="1" flipV="1">
-            <a:off x="2123728" y="1556776"/>
+            <a:off x="3647728" y="1556776"/>
             <a:ext cx="1008112" cy="2016224"/>
           </a:xfrm>
           <a:prstGeom prst="line">
@@ -6658,7 +6657,7 @@
         </p:nvSpPr>
         <p:spPr>
           <a:xfrm>
-            <a:off x="2987856" y="3429016"/>
+            <a:off x="4511856" y="3429016"/>
             <a:ext cx="288000" cy="288000"/>
           </a:xfrm>
           <a:prstGeom prst="ellipse">
@@ -6694,7 +6693,7 @@
           <a:lstStyle/>
           <a:p>
             <a:pPr algn="l"/>
-            <a:endParaRPr kumimoji="1" lang="ja-JP" altLang="en-US" dirty="0">
+            <a:endParaRPr lang="ja-JP" altLang="en-US" dirty="0">
               <a:solidFill>
                 <a:schemeClr val="tx1"/>
               </a:solidFill>
@@ -6718,7 +6717,7 @@
         </p:nvSpPr>
         <p:spPr>
           <a:xfrm>
-            <a:off x="2267744" y="4869144"/>
+            <a:off x="3791744" y="4869144"/>
             <a:ext cx="288000" cy="288000"/>
           </a:xfrm>
           <a:prstGeom prst="ellipse">
@@ -6754,7 +6753,7 @@
           <a:lstStyle/>
           <a:p>
             <a:pPr algn="l"/>
-            <a:endParaRPr kumimoji="1" lang="ja-JP" altLang="en-US" dirty="0">
+            <a:endParaRPr lang="ja-JP" altLang="en-US" dirty="0">
               <a:solidFill>
                 <a:schemeClr val="tx1"/>
               </a:solidFill>
@@ -6783,7 +6782,7 @@
           </p:nvPr>
         </p:nvGraphicFramePr>
         <p:xfrm>
-          <a:off x="1773728" y="5398926"/>
+          <a:off x="3297728" y="5398926"/>
           <a:ext cx="228420" cy="342900"/>
         </p:xfrm>
         <a:graphic>
@@ -6817,7 +6816,7 @@
                     </p:blipFill>
                     <p:spPr>
                       <a:xfrm>
-                        <a:off x="1773728" y="5398926"/>
+                        <a:off x="3297728" y="5398926"/>
                         <a:ext cx="228420" cy="342900"/>
                       </a:xfrm>
                       <a:prstGeom prst="rect">
@@ -6847,7 +6846,7 @@
         </p:nvSpPr>
         <p:spPr>
           <a:xfrm>
-            <a:off x="940656" y="5373296"/>
+            <a:off x="2464656" y="5373296"/>
             <a:ext cx="720000" cy="720000"/>
           </a:xfrm>
           <a:prstGeom prst="arc">
@@ -6883,7 +6882,7 @@
           <a:lstStyle/>
           <a:p>
             <a:pPr algn="ctr"/>
-            <a:endParaRPr kumimoji="1" lang="ja-JP" altLang="en-US"/>
+            <a:endParaRPr lang="ja-JP" altLang="en-US"/>
           </a:p>
         </p:txBody>
       </p:sp>
@@ -6903,7 +6902,7 @@
         </p:nvSpPr>
         <p:spPr>
           <a:xfrm>
-            <a:off x="2123728" y="4568153"/>
+            <a:off x="3647728" y="4568153"/>
             <a:ext cx="720000" cy="720000"/>
           </a:xfrm>
           <a:prstGeom prst="arc">
@@ -6939,7 +6938,7 @@
           <a:lstStyle/>
           <a:p>
             <a:pPr algn="ctr"/>
-            <a:endParaRPr kumimoji="1" lang="ja-JP" altLang="en-US"/>
+            <a:endParaRPr lang="ja-JP" altLang="en-US"/>
           </a:p>
         </p:txBody>
       </p:sp>
@@ -6964,7 +6963,7 @@
           </p:nvPr>
         </p:nvGraphicFramePr>
         <p:xfrm>
-          <a:off x="2833688" y="4356580"/>
+          <a:off x="4357688" y="4356580"/>
           <a:ext cx="247650" cy="342900"/>
         </p:xfrm>
         <a:graphic>
@@ -6998,7 +6997,7 @@
                     </p:blipFill>
                     <p:spPr>
                       <a:xfrm>
-                        <a:off x="2833688" y="4356580"/>
+                        <a:off x="4357688" y="4356580"/>
                         <a:ext cx="247650" cy="342900"/>
                       </a:xfrm>
                       <a:prstGeom prst="rect">
@@ -7033,7 +7032,7 @@
           </p:nvPr>
         </p:nvGraphicFramePr>
         <p:xfrm>
-          <a:off x="3063850" y="2761759"/>
+          <a:off x="4587850" y="2761759"/>
           <a:ext cx="247650" cy="342900"/>
         </p:xfrm>
         <a:graphic>
@@ -7067,7 +7066,7 @@
                     </p:blipFill>
                     <p:spPr>
                       <a:xfrm>
-                        <a:off x="3063850" y="2761759"/>
+                        <a:off x="4587850" y="2761759"/>
                         <a:ext cx="247650" cy="342900"/>
                       </a:xfrm>
                       <a:prstGeom prst="rect">
@@ -7097,7 +7096,7 @@
         </p:nvSpPr>
         <p:spPr>
           <a:xfrm>
-            <a:off x="2804393" y="3110179"/>
+            <a:off x="4328393" y="3110179"/>
             <a:ext cx="720000" cy="720000"/>
           </a:xfrm>
           <a:prstGeom prst="arc">
@@ -7133,7 +7132,7 @@
           <a:lstStyle/>
           <a:p>
             <a:pPr algn="ctr"/>
-            <a:endParaRPr kumimoji="1" lang="ja-JP" altLang="en-US"/>
+            <a:endParaRPr lang="ja-JP" altLang="en-US"/>
           </a:p>
         </p:txBody>
       </p:sp>
@@ -7153,7 +7152,7 @@
         </p:nvCxnSpPr>
         <p:spPr>
           <a:xfrm flipH="1">
-            <a:off x="1691680" y="2132840"/>
+            <a:off x="3215680" y="2132840"/>
             <a:ext cx="1440160" cy="0"/>
           </a:xfrm>
           <a:prstGeom prst="line">
@@ -7196,7 +7195,7 @@
         </p:nvSpPr>
         <p:spPr>
           <a:xfrm>
-            <a:off x="2267744" y="1988824"/>
+            <a:off x="3791744" y="1988824"/>
             <a:ext cx="288000" cy="288000"/>
           </a:xfrm>
           <a:prstGeom prst="ellipse">
@@ -7232,7 +7231,7 @@
           <a:lstStyle/>
           <a:p>
             <a:pPr algn="l"/>
-            <a:endParaRPr kumimoji="1" lang="ja-JP" altLang="en-US" dirty="0">
+            <a:endParaRPr lang="ja-JP" altLang="en-US" dirty="0">
               <a:solidFill>
                 <a:schemeClr val="tx1"/>
               </a:solidFill>
@@ -7261,7 +7260,7 @@
           </p:nvPr>
         </p:nvGraphicFramePr>
         <p:xfrm>
-          <a:off x="2738438" y="1542852"/>
+          <a:off x="4262438" y="1542852"/>
           <a:ext cx="190500" cy="266700"/>
         </p:xfrm>
         <a:graphic>
@@ -7295,7 +7294,7 @@
                     </p:blipFill>
                     <p:spPr>
                       <a:xfrm>
-                        <a:off x="2738438" y="1542852"/>
+                        <a:off x="4262438" y="1542852"/>
                         <a:ext cx="190500" cy="266700"/>
                       </a:xfrm>
                       <a:prstGeom prst="rect">
@@ -7325,7 +7324,7 @@
         </p:nvSpPr>
         <p:spPr>
           <a:xfrm>
-            <a:off x="2074987" y="1773071"/>
+            <a:off x="3598987" y="1773071"/>
             <a:ext cx="720000" cy="720000"/>
           </a:xfrm>
           <a:prstGeom prst="arc">
@@ -7361,7 +7360,7 @@
           <a:lstStyle/>
           <a:p>
             <a:pPr algn="ctr"/>
-            <a:endParaRPr kumimoji="1" lang="ja-JP" altLang="en-US"/>
+            <a:endParaRPr lang="ja-JP" altLang="en-US"/>
           </a:p>
         </p:txBody>
       </p:sp>
@@ -7386,7 +7385,7 @@
           </p:nvPr>
         </p:nvGraphicFramePr>
         <p:xfrm>
-          <a:off x="1941036" y="2217808"/>
+          <a:off x="3465036" y="2217808"/>
           <a:ext cx="419100" cy="647700"/>
         </p:xfrm>
         <a:graphic>
@@ -7420,7 +7419,7 @@
                     </p:blipFill>
                     <p:spPr>
                       <a:xfrm>
-                        <a:off x="1941036" y="2217808"/>
+                        <a:off x="3465036" y="2217808"/>
                         <a:ext cx="419100" cy="647700"/>
                       </a:xfrm>
                       <a:prstGeom prst="rect">
@@ -7450,7 +7449,7 @@
         </p:nvCxnSpPr>
         <p:spPr>
           <a:xfrm flipV="1">
-            <a:off x="971584" y="2132824"/>
+            <a:off x="2495584" y="2132824"/>
             <a:ext cx="0" cy="3960472"/>
           </a:xfrm>
           <a:prstGeom prst="line">
@@ -7499,7 +7498,7 @@
           </p:nvPr>
         </p:nvGraphicFramePr>
         <p:xfrm>
-          <a:off x="5255096" y="4828481"/>
+          <a:off x="6779096" y="4828482"/>
           <a:ext cx="1981200" cy="912813"/>
         </p:xfrm>
         <a:graphic>
@@ -7533,7 +7532,7 @@
                     </p:blipFill>
                     <p:spPr>
                       <a:xfrm>
-                        <a:off x="5255096" y="4828481"/>
+                        <a:off x="6779096" y="4828482"/>
                         <a:ext cx="1981200" cy="912813"/>
                       </a:xfrm>
                       <a:prstGeom prst="rect">
@@ -7568,7 +7567,7 @@
           </p:nvPr>
         </p:nvGraphicFramePr>
         <p:xfrm>
-          <a:off x="4211960" y="5818558"/>
+          <a:off x="5735960" y="5818558"/>
           <a:ext cx="190080" cy="209520"/>
         </p:xfrm>
         <a:graphic>
@@ -7602,7 +7601,7 @@
                     </p:blipFill>
                     <p:spPr>
                       <a:xfrm>
-                        <a:off x="4211960" y="5818558"/>
+                        <a:off x="5735960" y="5818558"/>
                         <a:ext cx="190080" cy="209520"/>
                       </a:xfrm>
                       <a:prstGeom prst="rect">
@@ -7637,7 +7636,7 @@
           </p:nvPr>
         </p:nvGraphicFramePr>
         <p:xfrm>
-          <a:off x="733425" y="2336800"/>
+          <a:off x="2257425" y="2336800"/>
           <a:ext cx="209550" cy="247650"/>
         </p:xfrm>
         <a:graphic>
@@ -7671,7 +7670,7 @@
                     </p:blipFill>
                     <p:spPr>
                       <a:xfrm>
-                        <a:off x="733425" y="2336800"/>
+                        <a:off x="2257425" y="2336800"/>
                         <a:ext cx="209550" cy="247650"/>
                       </a:xfrm>
                       <a:prstGeom prst="rect">
@@ -7706,7 +7705,7 @@
           </p:nvPr>
         </p:nvGraphicFramePr>
         <p:xfrm>
-          <a:off x="693620" y="5840196"/>
+          <a:off x="2217620" y="5840196"/>
           <a:ext cx="190500" cy="209550"/>
         </p:xfrm>
         <a:graphic>
@@ -7740,7 +7739,7 @@
                     </p:blipFill>
                     <p:spPr>
                       <a:xfrm>
-                        <a:off x="693620" y="5840196"/>
+                        <a:off x="2217620" y="5840196"/>
                         <a:ext cx="190500" cy="209550"/>
                       </a:xfrm>
                       <a:prstGeom prst="rect">
@@ -7770,7 +7769,7 @@
         </p:nvSpPr>
         <p:spPr>
           <a:xfrm>
-            <a:off x="827584" y="5589256"/>
+            <a:off x="2351584" y="5589256"/>
             <a:ext cx="288000" cy="288000"/>
           </a:xfrm>
           <a:prstGeom prst="ellipse">
@@ -7806,7 +7805,7 @@
           <a:lstStyle/>
           <a:p>
             <a:pPr algn="l"/>
-            <a:endParaRPr kumimoji="1" lang="ja-JP" altLang="en-US" dirty="0">
+            <a:endParaRPr lang="ja-JP" altLang="en-US" dirty="0">
               <a:solidFill>
                 <a:schemeClr val="tx1"/>
               </a:solidFill>
@@ -7828,7 +7827,7 @@
         </p:nvSpPr>
         <p:spPr>
           <a:xfrm>
-            <a:off x="3851935" y="1988840"/>
+            <a:off x="5375935" y="1988840"/>
             <a:ext cx="4834866" cy="2862322"/>
           </a:xfrm>
           <a:prstGeom prst="rect">
@@ -7843,10 +7842,10 @@
           <a:lstStyle/>
           <a:p>
             <a:r>
-              <a:rPr kumimoji="1" lang="ja-JP" altLang="en-US" dirty="0"/>
+              <a:rPr lang="ja-JP" altLang="en-US" dirty="0"/>
               <a:t>逆運動学</a:t>
             </a:r>
-            <a:endParaRPr kumimoji="1" lang="en-US" altLang="ja-JP" dirty="0"/>
+            <a:endParaRPr lang="en-US" altLang="ja-JP" dirty="0"/>
           </a:p>
           <a:p>
             <a:pPr marL="285750" indent="-285750">
@@ -7872,7 +7871,7 @@
           </a:p>
           <a:p>
             <a:r>
-              <a:rPr kumimoji="1" lang="en-US" altLang="ja-JP" dirty="0"/>
+              <a:rPr lang="en-US" altLang="ja-JP" dirty="0"/>
               <a:t>Inverse kinematics</a:t>
             </a:r>
           </a:p>
@@ -7882,7 +7881,7 @@
               <a:buChar char="•"/>
             </a:pPr>
             <a:r>
-              <a:rPr kumimoji="1" lang="en-US" altLang="ja-JP" dirty="0"/>
+              <a:rPr lang="en-US" altLang="ja-JP" dirty="0"/>
               <a:t>Given:  A hand position and orientation</a:t>
             </a:r>
           </a:p>
@@ -7905,7 +7904,6 @@
               <a:rPr lang="en-US" altLang="ja-JP" dirty="0"/>
               <a:t>In general, we cannot find a closed form solution. We solve it by iterative computations </a:t>
             </a:r>
-            <a:endParaRPr kumimoji="1" lang="en-US" altLang="ja-JP" dirty="0"/>
           </a:p>
         </p:txBody>
       </p:sp>
@@ -7930,7 +7928,7 @@
           </p:nvPr>
         </p:nvGraphicFramePr>
         <p:xfrm>
-          <a:off x="2420341" y="2638581"/>
+          <a:off x="3944341" y="2638581"/>
           <a:ext cx="266220" cy="342900"/>
         </p:xfrm>
         <a:graphic>
@@ -7964,7 +7962,7 @@
                     </p:blipFill>
                     <p:spPr>
                       <a:xfrm>
-                        <a:off x="2420341" y="2638581"/>
+                        <a:off x="3944341" y="2638581"/>
                         <a:ext cx="266220" cy="342900"/>
                       </a:xfrm>
                       <a:prstGeom prst="rect">
@@ -7999,7 +7997,7 @@
           </p:nvPr>
         </p:nvGraphicFramePr>
         <p:xfrm>
-          <a:off x="2527267" y="3816681"/>
+          <a:off x="4051267" y="3816681"/>
           <a:ext cx="266220" cy="342900"/>
         </p:xfrm>
         <a:graphic>
@@ -8033,7 +8031,7 @@
                     </p:blipFill>
                     <p:spPr>
                       <a:xfrm>
-                        <a:off x="2527267" y="3816681"/>
+                        <a:off x="4051267" y="3816681"/>
                         <a:ext cx="266220" cy="342900"/>
                       </a:xfrm>
                       <a:prstGeom prst="rect">
@@ -8068,7 +8066,7 @@
           </p:nvPr>
         </p:nvGraphicFramePr>
         <p:xfrm>
-          <a:off x="1509713" y="4978400"/>
+          <a:off x="3033713" y="4978400"/>
           <a:ext cx="247650" cy="342900"/>
         </p:xfrm>
         <a:graphic>
@@ -8102,7 +8100,7 @@
                     </p:blipFill>
                     <p:spPr>
                       <a:xfrm>
-                        <a:off x="1509713" y="4978400"/>
+                        <a:off x="3033713" y="4978400"/>
                         <a:ext cx="247650" cy="342900"/>
                       </a:xfrm>
                       <a:prstGeom prst="rect">
@@ -8132,7 +8130,7 @@
         </p:nvSpPr>
         <p:spPr>
           <a:xfrm>
-            <a:off x="3201730" y="2269020"/>
+            <a:off x="4725730" y="2269020"/>
             <a:ext cx="288000" cy="288000"/>
           </a:xfrm>
           <a:prstGeom prst="ellipse">
@@ -8168,7 +8166,7 @@
           <a:lstStyle/>
           <a:p>
             <a:pPr algn="l"/>
-            <a:endParaRPr kumimoji="1" lang="ja-JP" altLang="en-US" dirty="0">
+            <a:endParaRPr lang="ja-JP" altLang="en-US" dirty="0">
               <a:solidFill>
                 <a:schemeClr val="tx1"/>
               </a:solidFill>
@@ -8197,7 +8195,7 @@
           </p:nvPr>
         </p:nvGraphicFramePr>
         <p:xfrm>
-          <a:off x="3371240" y="2030533"/>
+          <a:off x="4895240" y="2030533"/>
           <a:ext cx="533400" cy="647700"/>
         </p:xfrm>
         <a:graphic>
@@ -8231,7 +8229,7 @@
                     </p:blipFill>
                     <p:spPr>
                       <a:xfrm>
-                        <a:off x="3371240" y="2030533"/>
+                        <a:off x="4895240" y="2030533"/>
                         <a:ext cx="533400" cy="647700"/>
                       </a:xfrm>
                       <a:prstGeom prst="rect">
@@ -8261,7 +8259,7 @@
         </p:nvCxnSpPr>
         <p:spPr>
           <a:xfrm>
-            <a:off x="2408877" y="2132824"/>
+            <a:off x="3932877" y="2132825"/>
             <a:ext cx="778798" cy="277465"/>
           </a:xfrm>
           <a:prstGeom prst="straightConnector1">
@@ -8305,7 +8303,7 @@
         </p:nvCxnSpPr>
         <p:spPr>
           <a:xfrm flipH="1" flipV="1">
-            <a:off x="3123671" y="1709581"/>
+            <a:off x="4647672" y="1709582"/>
             <a:ext cx="222059" cy="679647"/>
           </a:xfrm>
           <a:prstGeom prst="straightConnector1">
@@ -8354,7 +8352,7 @@
           </p:nvPr>
         </p:nvGraphicFramePr>
         <p:xfrm>
-          <a:off x="3270783" y="1758328"/>
+          <a:off x="4794783" y="1758328"/>
           <a:ext cx="266700" cy="342900"/>
         </p:xfrm>
         <a:graphic>
@@ -8388,7 +8386,7 @@
                     </p:blipFill>
                     <p:spPr>
                       <a:xfrm>
-                        <a:off x="3270783" y="1758328"/>
+                        <a:off x="4794783" y="1758328"/>
                         <a:ext cx="266700" cy="342900"/>
                       </a:xfrm>
                       <a:prstGeom prst="rect">
@@ -8437,7 +8435,7 @@
           <p:cNvPr id="2" name="タイトル 1">
             <a:extLst>
               <a:ext uri="{FF2B5EF4-FFF2-40B4-BE49-F238E27FC236}">
-                <a16:creationId xmlns:a16="http://schemas.microsoft.com/office/drawing/2014/main" id="{87B88EF5-7F58-4C80-A7BC-C3C11FC91FAA}"/>
+                <a16:creationId xmlns:a16="http://schemas.microsoft.com/office/drawing/2014/main" id="{B85A3A5B-17D9-4423-B0BE-129E0E8191DB}"/>
               </a:ext>
             </a:extLst>
           </p:cNvPr>
@@ -8446,6 +8444,44 @@
           </p:cNvSpPr>
           <p:nvPr>
             <p:ph type="title"/>
+          </p:nvPr>
+        </p:nvSpPr>
+        <p:spPr/>
+        <p:txBody>
+          <a:bodyPr>
+            <a:noAutofit/>
+          </a:bodyPr>
+          <a:lstStyle/>
+          <a:p>
+            <a:r>
+              <a:rPr lang="ja-JP" altLang="en-US" dirty="0"/>
+              <a:t>繰り返し計算による逆運動学解法</a:t>
+            </a:r>
+            <a:br>
+              <a:rPr lang="en-US" altLang="ja-JP" dirty="0"/>
+            </a:br>
+            <a:r>
+              <a:rPr lang="en-US" altLang="ja-JP" sz="2400" dirty="0"/>
+              <a:t>Inverse Kinematics Solution by Iterative Computation</a:t>
+            </a:r>
+            <a:endParaRPr kumimoji="1" lang="ja-JP" altLang="en-US" dirty="0"/>
+          </a:p>
+        </p:txBody>
+      </p:sp>
+      <p:sp>
+        <p:nvSpPr>
+          <p:cNvPr id="3" name="日付プレースホルダー 2">
+            <a:extLst>
+              <a:ext uri="{FF2B5EF4-FFF2-40B4-BE49-F238E27FC236}">
+                <a16:creationId xmlns:a16="http://schemas.microsoft.com/office/drawing/2014/main" id="{D0CA6070-F87A-4808-85F2-E49DEE57981E}"/>
+              </a:ext>
+            </a:extLst>
+          </p:cNvPr>
+          <p:cNvSpPr>
+            <a:spLocks noGrp="1"/>
+          </p:cNvSpPr>
+          <p:nvPr>
+            <p:ph type="dt" sz="half" idx="10"/>
           </p:nvPr>
         </p:nvSpPr>
         <p:spPr/>
@@ -8454,6 +8490,2081 @@
           <a:lstStyle/>
           <a:p>
             <a:r>
+              <a:rPr kumimoji="1" lang="en-US" altLang="ja-JP"/>
+              <a:t>2021-03-12</a:t>
+            </a:r>
+            <a:endParaRPr kumimoji="1" lang="ja-JP" altLang="en-US"/>
+          </a:p>
+        </p:txBody>
+      </p:sp>
+      <p:sp>
+        <p:nvSpPr>
+          <p:cNvPr id="4" name="フッター プレースホルダー 3">
+            <a:extLst>
+              <a:ext uri="{FF2B5EF4-FFF2-40B4-BE49-F238E27FC236}">
+                <a16:creationId xmlns:a16="http://schemas.microsoft.com/office/drawing/2014/main" id="{8D1456EB-2B9F-43FC-9EFD-775C2604BF21}"/>
+              </a:ext>
+            </a:extLst>
+          </p:cNvPr>
+          <p:cNvSpPr>
+            <a:spLocks noGrp="1"/>
+          </p:cNvSpPr>
+          <p:nvPr>
+            <p:ph type="ftr" sz="quarter" idx="11"/>
+          </p:nvPr>
+        </p:nvSpPr>
+        <p:spPr/>
+        <p:txBody>
+          <a:bodyPr/>
+          <a:lstStyle/>
+          <a:p>
+            <a:r>
+              <a:rPr kumimoji="1" lang="en-US" altLang="ja-JP"/>
+              <a:t>K.Naruse(UAizu) Robot Arm Kinematics: Theory</a:t>
+            </a:r>
+            <a:endParaRPr kumimoji="1" lang="ja-JP" altLang="en-US"/>
+          </a:p>
+        </p:txBody>
+      </p:sp>
+      <p:sp>
+        <p:nvSpPr>
+          <p:cNvPr id="5" name="スライド番号プレースホルダー 4">
+            <a:extLst>
+              <a:ext uri="{FF2B5EF4-FFF2-40B4-BE49-F238E27FC236}">
+                <a16:creationId xmlns:a16="http://schemas.microsoft.com/office/drawing/2014/main" id="{AD9A84FC-A5B8-40B1-820F-92B334340544}"/>
+              </a:ext>
+            </a:extLst>
+          </p:cNvPr>
+          <p:cNvSpPr>
+            <a:spLocks noGrp="1"/>
+          </p:cNvSpPr>
+          <p:nvPr>
+            <p:ph type="sldNum" sz="quarter" idx="12"/>
+          </p:nvPr>
+        </p:nvSpPr>
+        <p:spPr/>
+        <p:txBody>
+          <a:bodyPr/>
+          <a:lstStyle/>
+          <a:p>
+            <a:fld id="{CCD68D70-93DA-4EE4-9A1A-18650286EF01}" type="slidenum">
+              <a:rPr kumimoji="1" lang="ja-JP" altLang="en-US" smtClean="0"/>
+              <a:t>4</a:t>
+            </a:fld>
+            <a:endParaRPr kumimoji="1" lang="ja-JP" altLang="en-US"/>
+          </a:p>
+        </p:txBody>
+      </p:sp>
+      <p:cxnSp>
+        <p:nvCxnSpPr>
+          <p:cNvPr id="6" name="直線コネクタ 5">
+            <a:extLst>
+              <a:ext uri="{FF2B5EF4-FFF2-40B4-BE49-F238E27FC236}">
+                <a16:creationId xmlns:a16="http://schemas.microsoft.com/office/drawing/2014/main" id="{519B5C23-0004-4DF5-BB93-169CDCBE5FF0}"/>
+              </a:ext>
+            </a:extLst>
+          </p:cNvPr>
+          <p:cNvCxnSpPr>
+            <a:cxnSpLocks/>
+          </p:cNvCxnSpPr>
+          <p:nvPr/>
+        </p:nvCxnSpPr>
+        <p:spPr>
+          <a:xfrm flipV="1">
+            <a:off x="2495600" y="5013160"/>
+            <a:ext cx="1440160" cy="720096"/>
+          </a:xfrm>
+          <a:prstGeom prst="line">
+            <a:avLst/>
+          </a:prstGeom>
+          <a:ln>
+            <a:solidFill>
+              <a:schemeClr val="tx1"/>
+            </a:solidFill>
+          </a:ln>
+        </p:spPr>
+        <p:style>
+          <a:lnRef idx="1">
+            <a:schemeClr val="accent1"/>
+          </a:lnRef>
+          <a:fillRef idx="0">
+            <a:schemeClr val="accent1"/>
+          </a:fillRef>
+          <a:effectRef idx="0">
+            <a:schemeClr val="accent1"/>
+          </a:effectRef>
+          <a:fontRef idx="minor">
+            <a:schemeClr val="tx1"/>
+          </a:fontRef>
+        </p:style>
+      </p:cxnSp>
+      <p:cxnSp>
+        <p:nvCxnSpPr>
+          <p:cNvPr id="7" name="直線コネクタ 6">
+            <a:extLst>
+              <a:ext uri="{FF2B5EF4-FFF2-40B4-BE49-F238E27FC236}">
+                <a16:creationId xmlns:a16="http://schemas.microsoft.com/office/drawing/2014/main" id="{BE4277F7-EAC2-4C29-8D2A-7941C45749B9}"/>
+              </a:ext>
+            </a:extLst>
+          </p:cNvPr>
+          <p:cNvCxnSpPr>
+            <a:cxnSpLocks/>
+          </p:cNvCxnSpPr>
+          <p:nvPr/>
+        </p:nvCxnSpPr>
+        <p:spPr>
+          <a:xfrm>
+            <a:off x="2063552" y="5733256"/>
+            <a:ext cx="4032448" cy="8570"/>
+          </a:xfrm>
+          <a:prstGeom prst="line">
+            <a:avLst/>
+          </a:prstGeom>
+          <a:ln w="3175">
+            <a:solidFill>
+              <a:schemeClr val="tx1"/>
+            </a:solidFill>
+            <a:tailEnd type="triangle" w="lg" len="lg"/>
+          </a:ln>
+        </p:spPr>
+        <p:style>
+          <a:lnRef idx="1">
+            <a:schemeClr val="accent1"/>
+          </a:lnRef>
+          <a:fillRef idx="0">
+            <a:schemeClr val="accent1"/>
+          </a:fillRef>
+          <a:effectRef idx="0">
+            <a:schemeClr val="accent1"/>
+          </a:effectRef>
+          <a:fontRef idx="minor">
+            <a:schemeClr val="tx1"/>
+          </a:fontRef>
+        </p:style>
+      </p:cxnSp>
+      <p:cxnSp>
+        <p:nvCxnSpPr>
+          <p:cNvPr id="8" name="直線コネクタ 7">
+            <a:extLst>
+              <a:ext uri="{FF2B5EF4-FFF2-40B4-BE49-F238E27FC236}">
+                <a16:creationId xmlns:a16="http://schemas.microsoft.com/office/drawing/2014/main" id="{9567C460-8CC7-4843-8DED-AF6A94980795}"/>
+              </a:ext>
+            </a:extLst>
+          </p:cNvPr>
+          <p:cNvCxnSpPr>
+            <a:cxnSpLocks/>
+          </p:cNvCxnSpPr>
+          <p:nvPr/>
+        </p:nvCxnSpPr>
+        <p:spPr>
+          <a:xfrm flipV="1">
+            <a:off x="3935760" y="3573000"/>
+            <a:ext cx="720080" cy="1440160"/>
+          </a:xfrm>
+          <a:prstGeom prst="line">
+            <a:avLst/>
+          </a:prstGeom>
+          <a:ln>
+            <a:solidFill>
+              <a:schemeClr val="tx1"/>
+            </a:solidFill>
+          </a:ln>
+        </p:spPr>
+        <p:style>
+          <a:lnRef idx="1">
+            <a:schemeClr val="accent1"/>
+          </a:lnRef>
+          <a:fillRef idx="0">
+            <a:schemeClr val="accent1"/>
+          </a:fillRef>
+          <a:effectRef idx="0">
+            <a:schemeClr val="accent1"/>
+          </a:effectRef>
+          <a:fontRef idx="minor">
+            <a:schemeClr val="tx1"/>
+          </a:fontRef>
+        </p:style>
+      </p:cxnSp>
+      <p:cxnSp>
+        <p:nvCxnSpPr>
+          <p:cNvPr id="9" name="直線コネクタ 8">
+            <a:extLst>
+              <a:ext uri="{FF2B5EF4-FFF2-40B4-BE49-F238E27FC236}">
+                <a16:creationId xmlns:a16="http://schemas.microsoft.com/office/drawing/2014/main" id="{BC3A33F9-3959-4CA7-9530-FEBBBFF03077}"/>
+              </a:ext>
+            </a:extLst>
+          </p:cNvPr>
+          <p:cNvCxnSpPr>
+            <a:cxnSpLocks/>
+          </p:cNvCxnSpPr>
+          <p:nvPr/>
+        </p:nvCxnSpPr>
+        <p:spPr>
+          <a:xfrm flipH="1" flipV="1">
+            <a:off x="3935760" y="2132840"/>
+            <a:ext cx="720080" cy="1440160"/>
+          </a:xfrm>
+          <a:prstGeom prst="line">
+            <a:avLst/>
+          </a:prstGeom>
+          <a:ln>
+            <a:solidFill>
+              <a:schemeClr val="tx1"/>
+            </a:solidFill>
+          </a:ln>
+        </p:spPr>
+        <p:style>
+          <a:lnRef idx="1">
+            <a:schemeClr val="accent1"/>
+          </a:lnRef>
+          <a:fillRef idx="0">
+            <a:schemeClr val="accent1"/>
+          </a:fillRef>
+          <a:effectRef idx="0">
+            <a:schemeClr val="accent1"/>
+          </a:effectRef>
+          <a:fontRef idx="minor">
+            <a:schemeClr val="tx1"/>
+          </a:fontRef>
+        </p:style>
+      </p:cxnSp>
+      <p:cxnSp>
+        <p:nvCxnSpPr>
+          <p:cNvPr id="10" name="直線コネクタ 9">
+            <a:extLst>
+              <a:ext uri="{FF2B5EF4-FFF2-40B4-BE49-F238E27FC236}">
+                <a16:creationId xmlns:a16="http://schemas.microsoft.com/office/drawing/2014/main" id="{537672F8-FF09-43F5-9F65-F11111CB1713}"/>
+              </a:ext>
+            </a:extLst>
+          </p:cNvPr>
+          <p:cNvCxnSpPr>
+            <a:cxnSpLocks/>
+          </p:cNvCxnSpPr>
+          <p:nvPr/>
+        </p:nvCxnSpPr>
+        <p:spPr>
+          <a:xfrm flipV="1">
+            <a:off x="2495600" y="4653120"/>
+            <a:ext cx="2160240" cy="1080136"/>
+          </a:xfrm>
+          <a:prstGeom prst="line">
+            <a:avLst/>
+          </a:prstGeom>
+          <a:ln w="3175">
+            <a:solidFill>
+              <a:schemeClr val="tx1"/>
+            </a:solidFill>
+          </a:ln>
+        </p:spPr>
+        <p:style>
+          <a:lnRef idx="1">
+            <a:schemeClr val="accent1"/>
+          </a:lnRef>
+          <a:fillRef idx="0">
+            <a:schemeClr val="accent1"/>
+          </a:fillRef>
+          <a:effectRef idx="0">
+            <a:schemeClr val="accent1"/>
+          </a:effectRef>
+          <a:fontRef idx="minor">
+            <a:schemeClr val="tx1"/>
+          </a:fontRef>
+        </p:style>
+      </p:cxnSp>
+      <p:cxnSp>
+        <p:nvCxnSpPr>
+          <p:cNvPr id="11" name="直線コネクタ 10">
+            <a:extLst>
+              <a:ext uri="{FF2B5EF4-FFF2-40B4-BE49-F238E27FC236}">
+                <a16:creationId xmlns:a16="http://schemas.microsoft.com/office/drawing/2014/main" id="{BEEFDB96-3F09-4F95-858D-14DC734B859A}"/>
+              </a:ext>
+            </a:extLst>
+          </p:cNvPr>
+          <p:cNvCxnSpPr>
+            <a:cxnSpLocks/>
+          </p:cNvCxnSpPr>
+          <p:nvPr/>
+        </p:nvCxnSpPr>
+        <p:spPr>
+          <a:xfrm flipV="1">
+            <a:off x="3935760" y="2564888"/>
+            <a:ext cx="1224136" cy="2448274"/>
+          </a:xfrm>
+          <a:prstGeom prst="line">
+            <a:avLst/>
+          </a:prstGeom>
+          <a:ln w="3175">
+            <a:solidFill>
+              <a:schemeClr val="tx1"/>
+            </a:solidFill>
+          </a:ln>
+        </p:spPr>
+        <p:style>
+          <a:lnRef idx="1">
+            <a:schemeClr val="accent1"/>
+          </a:lnRef>
+          <a:fillRef idx="0">
+            <a:schemeClr val="accent1"/>
+          </a:fillRef>
+          <a:effectRef idx="0">
+            <a:schemeClr val="accent1"/>
+          </a:effectRef>
+          <a:fontRef idx="minor">
+            <a:schemeClr val="tx1"/>
+          </a:fontRef>
+        </p:style>
+      </p:cxnSp>
+      <p:cxnSp>
+        <p:nvCxnSpPr>
+          <p:cNvPr id="12" name="直線コネクタ 11">
+            <a:extLst>
+              <a:ext uri="{FF2B5EF4-FFF2-40B4-BE49-F238E27FC236}">
+                <a16:creationId xmlns:a16="http://schemas.microsoft.com/office/drawing/2014/main" id="{1D16C6BE-6FEA-40B6-990C-84B5AF31CEE3}"/>
+              </a:ext>
+            </a:extLst>
+          </p:cNvPr>
+          <p:cNvCxnSpPr>
+            <a:cxnSpLocks/>
+          </p:cNvCxnSpPr>
+          <p:nvPr/>
+        </p:nvCxnSpPr>
+        <p:spPr>
+          <a:xfrm flipH="1" flipV="1">
+            <a:off x="3647728" y="1556776"/>
+            <a:ext cx="1008112" cy="2016224"/>
+          </a:xfrm>
+          <a:prstGeom prst="line">
+            <a:avLst/>
+          </a:prstGeom>
+          <a:ln w="3175">
+            <a:solidFill>
+              <a:schemeClr val="tx1"/>
+            </a:solidFill>
+          </a:ln>
+        </p:spPr>
+        <p:style>
+          <a:lnRef idx="1">
+            <a:schemeClr val="accent1"/>
+          </a:lnRef>
+          <a:fillRef idx="0">
+            <a:schemeClr val="accent1"/>
+          </a:fillRef>
+          <a:effectRef idx="0">
+            <a:schemeClr val="accent1"/>
+          </a:effectRef>
+          <a:fontRef idx="minor">
+            <a:schemeClr val="tx1"/>
+          </a:fontRef>
+        </p:style>
+      </p:cxnSp>
+      <p:sp>
+        <p:nvSpPr>
+          <p:cNvPr id="13" name="楕円 12">
+            <a:extLst>
+              <a:ext uri="{FF2B5EF4-FFF2-40B4-BE49-F238E27FC236}">
+                <a16:creationId xmlns:a16="http://schemas.microsoft.com/office/drawing/2014/main" id="{7690F2E3-38A2-40FA-B41B-A5045BDC9ED9}"/>
+              </a:ext>
+            </a:extLst>
+          </p:cNvPr>
+          <p:cNvSpPr>
+            <a:spLocks noChangeAspect="1"/>
+          </p:cNvSpPr>
+          <p:nvPr/>
+        </p:nvSpPr>
+        <p:spPr>
+          <a:xfrm>
+            <a:off x="4511856" y="3429016"/>
+            <a:ext cx="288000" cy="288000"/>
+          </a:xfrm>
+          <a:prstGeom prst="ellipse">
+            <a:avLst/>
+          </a:prstGeom>
+          <a:solidFill>
+            <a:schemeClr val="bg1"/>
+          </a:solidFill>
+          <a:ln w="9525">
+            <a:solidFill>
+              <a:schemeClr val="tx1"/>
+            </a:solidFill>
+          </a:ln>
+        </p:spPr>
+        <p:style>
+          <a:lnRef idx="2">
+            <a:schemeClr val="accent1">
+              <a:shade val="50000"/>
+            </a:schemeClr>
+          </a:lnRef>
+          <a:fillRef idx="1">
+            <a:schemeClr val="accent1"/>
+          </a:fillRef>
+          <a:effectRef idx="0">
+            <a:schemeClr val="accent1"/>
+          </a:effectRef>
+          <a:fontRef idx="minor">
+            <a:schemeClr val="lt1"/>
+          </a:fontRef>
+        </p:style>
+        <p:txBody>
+          <a:bodyPr rtlCol="0" anchor="t"/>
+          <a:lstStyle/>
+          <a:p>
+            <a:pPr algn="l"/>
+            <a:endParaRPr lang="ja-JP" altLang="en-US" dirty="0">
+              <a:solidFill>
+                <a:schemeClr val="tx1"/>
+              </a:solidFill>
+            </a:endParaRPr>
+          </a:p>
+        </p:txBody>
+      </p:sp>
+      <p:sp>
+        <p:nvSpPr>
+          <p:cNvPr id="14" name="楕円 13">
+            <a:extLst>
+              <a:ext uri="{FF2B5EF4-FFF2-40B4-BE49-F238E27FC236}">
+                <a16:creationId xmlns:a16="http://schemas.microsoft.com/office/drawing/2014/main" id="{C85CED5D-08C8-47B1-BA2E-EC3F1D953315}"/>
+              </a:ext>
+            </a:extLst>
+          </p:cNvPr>
+          <p:cNvSpPr>
+            <a:spLocks noChangeAspect="1"/>
+          </p:cNvSpPr>
+          <p:nvPr/>
+        </p:nvSpPr>
+        <p:spPr>
+          <a:xfrm>
+            <a:off x="3791744" y="4869144"/>
+            <a:ext cx="288000" cy="288000"/>
+          </a:xfrm>
+          <a:prstGeom prst="ellipse">
+            <a:avLst/>
+          </a:prstGeom>
+          <a:solidFill>
+            <a:schemeClr val="bg1"/>
+          </a:solidFill>
+          <a:ln w="9525">
+            <a:solidFill>
+              <a:schemeClr val="tx1"/>
+            </a:solidFill>
+          </a:ln>
+        </p:spPr>
+        <p:style>
+          <a:lnRef idx="2">
+            <a:schemeClr val="accent1">
+              <a:shade val="50000"/>
+            </a:schemeClr>
+          </a:lnRef>
+          <a:fillRef idx="1">
+            <a:schemeClr val="accent1"/>
+          </a:fillRef>
+          <a:effectRef idx="0">
+            <a:schemeClr val="accent1"/>
+          </a:effectRef>
+          <a:fontRef idx="minor">
+            <a:schemeClr val="lt1"/>
+          </a:fontRef>
+        </p:style>
+        <p:txBody>
+          <a:bodyPr rtlCol="0" anchor="t"/>
+          <a:lstStyle/>
+          <a:p>
+            <a:pPr algn="l"/>
+            <a:endParaRPr lang="ja-JP" altLang="en-US" dirty="0">
+              <a:solidFill>
+                <a:schemeClr val="tx1"/>
+              </a:solidFill>
+            </a:endParaRPr>
+          </a:p>
+        </p:txBody>
+      </p:sp>
+      <p:graphicFrame>
+        <p:nvGraphicFramePr>
+          <p:cNvPr id="15" name="オブジェクト 14">
+            <a:extLst>
+              <a:ext uri="{FF2B5EF4-FFF2-40B4-BE49-F238E27FC236}">
+                <a16:creationId xmlns:a16="http://schemas.microsoft.com/office/drawing/2014/main" id="{232AD542-E518-4520-9772-D68F295B919F}"/>
+              </a:ext>
+            </a:extLst>
+          </p:cNvPr>
+          <p:cNvGraphicFramePr>
+            <a:graphicFrameLocks noChangeAspect="1"/>
+          </p:cNvGraphicFramePr>
+          <p:nvPr>
+            <p:extLst>
+              <p:ext uri="{D42A27DB-BD31-4B8C-83A1-F6EECF244321}">
+                <p14:modId xmlns:p14="http://schemas.microsoft.com/office/powerpoint/2010/main" val="3133367673"/>
+              </p:ext>
+            </p:extLst>
+          </p:nvPr>
+        </p:nvGraphicFramePr>
+        <p:xfrm>
+          <a:off x="3297238" y="5389563"/>
+          <a:ext cx="228600" cy="361950"/>
+        </p:xfrm>
+        <a:graphic>
+          <a:graphicData uri="http://schemas.openxmlformats.org/presentationml/2006/ole">
+            <mc:AlternateContent xmlns:mc="http://schemas.openxmlformats.org/markup-compatibility/2006">
+              <mc:Choice xmlns:v="urn:schemas-microsoft-com:vml" Requires="v">
+                <p:oleObj name="Equation" r:id="rId2" imgW="152280" imgH="241200" progId="Equation.DSMT4">
+                  <p:embed/>
+                </p:oleObj>
+              </mc:Choice>
+              <mc:Fallback>
+                <p:oleObj name="Equation" r:id="rId2" imgW="152280" imgH="241200" progId="Equation.DSMT4">
+                  <p:embed/>
+                  <p:pic>
+                    <p:nvPicPr>
+                      <p:cNvPr id="15" name="オブジェクト 14">
+                        <a:extLst>
+                          <a:ext uri="{FF2B5EF4-FFF2-40B4-BE49-F238E27FC236}">
+                            <a16:creationId xmlns:a16="http://schemas.microsoft.com/office/drawing/2014/main" id="{660447B4-A47A-4D84-96C1-D72E5B8C58DA}"/>
+                          </a:ext>
+                        </a:extLst>
+                      </p:cNvPr>
+                      <p:cNvPicPr/>
+                      <p:nvPr/>
+                    </p:nvPicPr>
+                    <p:blipFill>
+                      <a:blip r:embed="rId3"/>
+                      <a:stretch>
+                        <a:fillRect/>
+                      </a:stretch>
+                    </p:blipFill>
+                    <p:spPr>
+                      <a:xfrm>
+                        <a:off x="3297238" y="5389563"/>
+                        <a:ext cx="228600" cy="361950"/>
+                      </a:xfrm>
+                      <a:prstGeom prst="rect">
+                        <a:avLst/>
+                      </a:prstGeom>
+                    </p:spPr>
+                  </p:pic>
+                </p:oleObj>
+              </mc:Fallback>
+            </mc:AlternateContent>
+          </a:graphicData>
+        </a:graphic>
+      </p:graphicFrame>
+      <p:sp>
+        <p:nvSpPr>
+          <p:cNvPr id="16" name="円弧 15">
+            <a:extLst>
+              <a:ext uri="{FF2B5EF4-FFF2-40B4-BE49-F238E27FC236}">
+                <a16:creationId xmlns:a16="http://schemas.microsoft.com/office/drawing/2014/main" id="{AF0B673C-E996-48F5-B580-90368EEA941A}"/>
+              </a:ext>
+            </a:extLst>
+          </p:cNvPr>
+          <p:cNvSpPr>
+            <a:spLocks noChangeAspect="1"/>
+          </p:cNvSpPr>
+          <p:nvPr/>
+        </p:nvSpPr>
+        <p:spPr>
+          <a:xfrm>
+            <a:off x="2464656" y="5373296"/>
+            <a:ext cx="720000" cy="720000"/>
+          </a:xfrm>
+          <a:prstGeom prst="arc">
+            <a:avLst>
+              <a:gd name="adj1" fmla="val 18723435"/>
+              <a:gd name="adj2" fmla="val 0"/>
+            </a:avLst>
+          </a:prstGeom>
+          <a:ln>
+            <a:solidFill>
+              <a:srgbClr val="FF0000"/>
+            </a:solidFill>
+            <a:headEnd type="none" w="lg" len="lg"/>
+            <a:tailEnd type="triangle" w="lg" len="lg"/>
+          </a:ln>
+        </p:spPr>
+        <p:style>
+          <a:lnRef idx="1">
+            <a:schemeClr val="accent1"/>
+          </a:lnRef>
+          <a:fillRef idx="0">
+            <a:schemeClr val="accent1"/>
+          </a:fillRef>
+          <a:effectRef idx="0">
+            <a:schemeClr val="accent1"/>
+          </a:effectRef>
+          <a:fontRef idx="minor">
+            <a:schemeClr val="tx1"/>
+          </a:fontRef>
+        </p:style>
+        <p:txBody>
+          <a:bodyPr rtlCol="0" anchor="ctr"/>
+          <a:lstStyle/>
+          <a:p>
+            <a:pPr algn="ctr"/>
+            <a:endParaRPr lang="ja-JP" altLang="en-US"/>
+          </a:p>
+        </p:txBody>
+      </p:sp>
+      <p:sp>
+        <p:nvSpPr>
+          <p:cNvPr id="17" name="円弧 16">
+            <a:extLst>
+              <a:ext uri="{FF2B5EF4-FFF2-40B4-BE49-F238E27FC236}">
+                <a16:creationId xmlns:a16="http://schemas.microsoft.com/office/drawing/2014/main" id="{6230D43F-B358-4ACA-8BDB-4BB59F0A13BE}"/>
+              </a:ext>
+            </a:extLst>
+          </p:cNvPr>
+          <p:cNvSpPr>
+            <a:spLocks noChangeAspect="1"/>
+          </p:cNvSpPr>
+          <p:nvPr/>
+        </p:nvSpPr>
+        <p:spPr>
+          <a:xfrm>
+            <a:off x="3647728" y="4568153"/>
+            <a:ext cx="720000" cy="720000"/>
+          </a:xfrm>
+          <a:prstGeom prst="arc">
+            <a:avLst>
+              <a:gd name="adj1" fmla="val 17612764"/>
+              <a:gd name="adj2" fmla="val 20360500"/>
+            </a:avLst>
+          </a:prstGeom>
+          <a:ln>
+            <a:solidFill>
+              <a:srgbClr val="FF0000"/>
+            </a:solidFill>
+            <a:headEnd type="none" w="lg" len="lg"/>
+            <a:tailEnd type="triangle" w="lg" len="lg"/>
+          </a:ln>
+        </p:spPr>
+        <p:style>
+          <a:lnRef idx="1">
+            <a:schemeClr val="accent1"/>
+          </a:lnRef>
+          <a:fillRef idx="0">
+            <a:schemeClr val="accent1"/>
+          </a:fillRef>
+          <a:effectRef idx="0">
+            <a:schemeClr val="accent1"/>
+          </a:effectRef>
+          <a:fontRef idx="minor">
+            <a:schemeClr val="tx1"/>
+          </a:fontRef>
+        </p:style>
+        <p:txBody>
+          <a:bodyPr rtlCol="0" anchor="ctr"/>
+          <a:lstStyle/>
+          <a:p>
+            <a:pPr algn="ctr"/>
+            <a:endParaRPr lang="ja-JP" altLang="en-US"/>
+          </a:p>
+        </p:txBody>
+      </p:sp>
+      <p:graphicFrame>
+        <p:nvGraphicFramePr>
+          <p:cNvPr id="18" name="オブジェクト 17">
+            <a:extLst>
+              <a:ext uri="{FF2B5EF4-FFF2-40B4-BE49-F238E27FC236}">
+                <a16:creationId xmlns:a16="http://schemas.microsoft.com/office/drawing/2014/main" id="{024B1882-00CB-4647-880B-53954E2FADE8}"/>
+              </a:ext>
+            </a:extLst>
+          </p:cNvPr>
+          <p:cNvGraphicFramePr>
+            <a:graphicFrameLocks noChangeAspect="1"/>
+          </p:cNvGraphicFramePr>
+          <p:nvPr>
+            <p:extLst>
+              <p:ext uri="{D42A27DB-BD31-4B8C-83A1-F6EECF244321}">
+                <p14:modId xmlns:p14="http://schemas.microsoft.com/office/powerpoint/2010/main" val="1290613679"/>
+              </p:ext>
+            </p:extLst>
+          </p:nvPr>
+        </p:nvGraphicFramePr>
+        <p:xfrm>
+          <a:off x="4357688" y="4346575"/>
+          <a:ext cx="247650" cy="361950"/>
+        </p:xfrm>
+        <a:graphic>
+          <a:graphicData uri="http://schemas.openxmlformats.org/presentationml/2006/ole">
+            <mc:AlternateContent xmlns:mc="http://schemas.openxmlformats.org/markup-compatibility/2006">
+              <mc:Choice xmlns:v="urn:schemas-microsoft-com:vml" Requires="v">
+                <p:oleObj name="Equation" r:id="rId4" imgW="164880" imgH="241200" progId="Equation.DSMT4">
+                  <p:embed/>
+                </p:oleObj>
+              </mc:Choice>
+              <mc:Fallback>
+                <p:oleObj name="Equation" r:id="rId4" imgW="164880" imgH="241200" progId="Equation.DSMT4">
+                  <p:embed/>
+                  <p:pic>
+                    <p:nvPicPr>
+                      <p:cNvPr id="18" name="オブジェクト 17">
+                        <a:extLst>
+                          <a:ext uri="{FF2B5EF4-FFF2-40B4-BE49-F238E27FC236}">
+                            <a16:creationId xmlns:a16="http://schemas.microsoft.com/office/drawing/2014/main" id="{0911BA82-0CB2-4D74-B8D8-A677AA024954}"/>
+                          </a:ext>
+                        </a:extLst>
+                      </p:cNvPr>
+                      <p:cNvPicPr/>
+                      <p:nvPr/>
+                    </p:nvPicPr>
+                    <p:blipFill>
+                      <a:blip r:embed="rId5"/>
+                      <a:stretch>
+                        <a:fillRect/>
+                      </a:stretch>
+                    </p:blipFill>
+                    <p:spPr>
+                      <a:xfrm>
+                        <a:off x="4357688" y="4346575"/>
+                        <a:ext cx="247650" cy="361950"/>
+                      </a:xfrm>
+                      <a:prstGeom prst="rect">
+                        <a:avLst/>
+                      </a:prstGeom>
+                    </p:spPr>
+                  </p:pic>
+                </p:oleObj>
+              </mc:Fallback>
+            </mc:AlternateContent>
+          </a:graphicData>
+        </a:graphic>
+      </p:graphicFrame>
+      <p:graphicFrame>
+        <p:nvGraphicFramePr>
+          <p:cNvPr id="19" name="オブジェクト 18">
+            <a:extLst>
+              <a:ext uri="{FF2B5EF4-FFF2-40B4-BE49-F238E27FC236}">
+                <a16:creationId xmlns:a16="http://schemas.microsoft.com/office/drawing/2014/main" id="{E2B5CA62-EE8A-4675-9673-C373CEAFD608}"/>
+              </a:ext>
+            </a:extLst>
+          </p:cNvPr>
+          <p:cNvGraphicFramePr>
+            <a:graphicFrameLocks noChangeAspect="1"/>
+          </p:cNvGraphicFramePr>
+          <p:nvPr>
+            <p:extLst>
+              <p:ext uri="{D42A27DB-BD31-4B8C-83A1-F6EECF244321}">
+                <p14:modId xmlns:p14="http://schemas.microsoft.com/office/powerpoint/2010/main" val="3087595289"/>
+              </p:ext>
+            </p:extLst>
+          </p:nvPr>
+        </p:nvGraphicFramePr>
+        <p:xfrm>
+          <a:off x="4587875" y="2752725"/>
+          <a:ext cx="247650" cy="361950"/>
+        </p:xfrm>
+        <a:graphic>
+          <a:graphicData uri="http://schemas.openxmlformats.org/presentationml/2006/ole">
+            <mc:AlternateContent xmlns:mc="http://schemas.openxmlformats.org/markup-compatibility/2006">
+              <mc:Choice xmlns:v="urn:schemas-microsoft-com:vml" Requires="v">
+                <p:oleObj name="Equation" r:id="rId6" imgW="164880" imgH="241200" progId="Equation.DSMT4">
+                  <p:embed/>
+                </p:oleObj>
+              </mc:Choice>
+              <mc:Fallback>
+                <p:oleObj name="Equation" r:id="rId6" imgW="164880" imgH="241200" progId="Equation.DSMT4">
+                  <p:embed/>
+                  <p:pic>
+                    <p:nvPicPr>
+                      <p:cNvPr id="19" name="オブジェクト 18">
+                        <a:extLst>
+                          <a:ext uri="{FF2B5EF4-FFF2-40B4-BE49-F238E27FC236}">
+                            <a16:creationId xmlns:a16="http://schemas.microsoft.com/office/drawing/2014/main" id="{83C96FCA-4C06-455F-A3B8-641EF19C2FA6}"/>
+                          </a:ext>
+                        </a:extLst>
+                      </p:cNvPr>
+                      <p:cNvPicPr/>
+                      <p:nvPr/>
+                    </p:nvPicPr>
+                    <p:blipFill>
+                      <a:blip r:embed="rId7"/>
+                      <a:stretch>
+                        <a:fillRect/>
+                      </a:stretch>
+                    </p:blipFill>
+                    <p:spPr>
+                      <a:xfrm>
+                        <a:off x="4587875" y="2752725"/>
+                        <a:ext cx="247650" cy="361950"/>
+                      </a:xfrm>
+                      <a:prstGeom prst="rect">
+                        <a:avLst/>
+                      </a:prstGeom>
+                    </p:spPr>
+                  </p:pic>
+                </p:oleObj>
+              </mc:Fallback>
+            </mc:AlternateContent>
+          </a:graphicData>
+        </a:graphic>
+      </p:graphicFrame>
+      <p:sp>
+        <p:nvSpPr>
+          <p:cNvPr id="20" name="円弧 19">
+            <a:extLst>
+              <a:ext uri="{FF2B5EF4-FFF2-40B4-BE49-F238E27FC236}">
+                <a16:creationId xmlns:a16="http://schemas.microsoft.com/office/drawing/2014/main" id="{499D056E-A2DE-41E9-830E-2DA16E0BBEE9}"/>
+              </a:ext>
+            </a:extLst>
+          </p:cNvPr>
+          <p:cNvSpPr>
+            <a:spLocks noChangeAspect="1"/>
+          </p:cNvSpPr>
+          <p:nvPr/>
+        </p:nvSpPr>
+        <p:spPr>
+          <a:xfrm>
+            <a:off x="4328393" y="3110179"/>
+            <a:ext cx="720000" cy="720000"/>
+          </a:xfrm>
+          <a:prstGeom prst="arc">
+            <a:avLst>
+              <a:gd name="adj1" fmla="val 14315737"/>
+              <a:gd name="adj2" fmla="val 17979227"/>
+            </a:avLst>
+          </a:prstGeom>
+          <a:ln>
+            <a:solidFill>
+              <a:srgbClr val="FF0000"/>
+            </a:solidFill>
+            <a:headEnd type="none" w="lg" len="lg"/>
+            <a:tailEnd type="triangle" w="lg" len="lg"/>
+          </a:ln>
+        </p:spPr>
+        <p:style>
+          <a:lnRef idx="1">
+            <a:schemeClr val="accent1"/>
+          </a:lnRef>
+          <a:fillRef idx="0">
+            <a:schemeClr val="accent1"/>
+          </a:fillRef>
+          <a:effectRef idx="0">
+            <a:schemeClr val="accent1"/>
+          </a:effectRef>
+          <a:fontRef idx="minor">
+            <a:schemeClr val="tx1"/>
+          </a:fontRef>
+        </p:style>
+        <p:txBody>
+          <a:bodyPr rtlCol="0" anchor="ctr"/>
+          <a:lstStyle/>
+          <a:p>
+            <a:pPr algn="ctr"/>
+            <a:endParaRPr lang="ja-JP" altLang="en-US"/>
+          </a:p>
+        </p:txBody>
+      </p:sp>
+      <p:cxnSp>
+        <p:nvCxnSpPr>
+          <p:cNvPr id="21" name="直線コネクタ 20">
+            <a:extLst>
+              <a:ext uri="{FF2B5EF4-FFF2-40B4-BE49-F238E27FC236}">
+                <a16:creationId xmlns:a16="http://schemas.microsoft.com/office/drawing/2014/main" id="{88ED69BA-06D4-4C66-BC59-D187476C6950}"/>
+              </a:ext>
+            </a:extLst>
+          </p:cNvPr>
+          <p:cNvCxnSpPr>
+            <a:cxnSpLocks/>
+          </p:cNvCxnSpPr>
+          <p:nvPr/>
+        </p:nvCxnSpPr>
+        <p:spPr>
+          <a:xfrm flipH="1">
+            <a:off x="3215680" y="2132840"/>
+            <a:ext cx="1440160" cy="0"/>
+          </a:xfrm>
+          <a:prstGeom prst="line">
+            <a:avLst/>
+          </a:prstGeom>
+          <a:ln w="3175">
+            <a:solidFill>
+              <a:schemeClr val="tx1"/>
+            </a:solidFill>
+          </a:ln>
+        </p:spPr>
+        <p:style>
+          <a:lnRef idx="1">
+            <a:schemeClr val="accent1"/>
+          </a:lnRef>
+          <a:fillRef idx="0">
+            <a:schemeClr val="accent1"/>
+          </a:fillRef>
+          <a:effectRef idx="0">
+            <a:schemeClr val="accent1"/>
+          </a:effectRef>
+          <a:fontRef idx="minor">
+            <a:schemeClr val="tx1"/>
+          </a:fontRef>
+        </p:style>
+      </p:cxnSp>
+      <p:sp>
+        <p:nvSpPr>
+          <p:cNvPr id="22" name="楕円 21">
+            <a:extLst>
+              <a:ext uri="{FF2B5EF4-FFF2-40B4-BE49-F238E27FC236}">
+                <a16:creationId xmlns:a16="http://schemas.microsoft.com/office/drawing/2014/main" id="{7BCAE748-3A40-48AB-972D-3D4D9F448C1A}"/>
+              </a:ext>
+            </a:extLst>
+          </p:cNvPr>
+          <p:cNvSpPr>
+            <a:spLocks noChangeAspect="1"/>
+          </p:cNvSpPr>
+          <p:nvPr/>
+        </p:nvSpPr>
+        <p:spPr>
+          <a:xfrm>
+            <a:off x="3791744" y="1988824"/>
+            <a:ext cx="288000" cy="288000"/>
+          </a:xfrm>
+          <a:prstGeom prst="ellipse">
+            <a:avLst/>
+          </a:prstGeom>
+          <a:solidFill>
+            <a:schemeClr val="bg1"/>
+          </a:solidFill>
+          <a:ln w="9525">
+            <a:solidFill>
+              <a:schemeClr val="tx1"/>
+            </a:solidFill>
+          </a:ln>
+        </p:spPr>
+        <p:style>
+          <a:lnRef idx="2">
+            <a:schemeClr val="accent1">
+              <a:shade val="50000"/>
+            </a:schemeClr>
+          </a:lnRef>
+          <a:fillRef idx="1">
+            <a:schemeClr val="accent1"/>
+          </a:fillRef>
+          <a:effectRef idx="0">
+            <a:schemeClr val="accent1"/>
+          </a:effectRef>
+          <a:fontRef idx="minor">
+            <a:schemeClr val="lt1"/>
+          </a:fontRef>
+        </p:style>
+        <p:txBody>
+          <a:bodyPr rtlCol="0" anchor="t"/>
+          <a:lstStyle/>
+          <a:p>
+            <a:pPr algn="l"/>
+            <a:endParaRPr lang="ja-JP" altLang="en-US" dirty="0">
+              <a:solidFill>
+                <a:schemeClr val="tx1"/>
+              </a:solidFill>
+            </a:endParaRPr>
+          </a:p>
+        </p:txBody>
+      </p:sp>
+      <p:graphicFrame>
+        <p:nvGraphicFramePr>
+          <p:cNvPr id="23" name="オブジェクト 22">
+            <a:extLst>
+              <a:ext uri="{FF2B5EF4-FFF2-40B4-BE49-F238E27FC236}">
+                <a16:creationId xmlns:a16="http://schemas.microsoft.com/office/drawing/2014/main" id="{C7C66C22-3B70-4712-9705-DB2C3B0534EA}"/>
+              </a:ext>
+            </a:extLst>
+          </p:cNvPr>
+          <p:cNvGraphicFramePr>
+            <a:graphicFrameLocks noChangeAspect="1"/>
+          </p:cNvGraphicFramePr>
+          <p:nvPr>
+            <p:extLst>
+              <p:ext uri="{D42A27DB-BD31-4B8C-83A1-F6EECF244321}">
+                <p14:modId xmlns:p14="http://schemas.microsoft.com/office/powerpoint/2010/main" val="4142903359"/>
+              </p:ext>
+            </p:extLst>
+          </p:nvPr>
+        </p:nvGraphicFramePr>
+        <p:xfrm>
+          <a:off x="4262438" y="1524000"/>
+          <a:ext cx="190500" cy="304800"/>
+        </p:xfrm>
+        <a:graphic>
+          <a:graphicData uri="http://schemas.openxmlformats.org/presentationml/2006/ole">
+            <mc:AlternateContent xmlns:mc="http://schemas.openxmlformats.org/markup-compatibility/2006">
+              <mc:Choice xmlns:v="urn:schemas-microsoft-com:vml" Requires="v">
+                <p:oleObj name="Equation" r:id="rId8" imgW="126720" imgH="203040" progId="Equation.DSMT4">
+                  <p:embed/>
+                </p:oleObj>
+              </mc:Choice>
+              <mc:Fallback>
+                <p:oleObj name="Equation" r:id="rId8" imgW="126720" imgH="203040" progId="Equation.DSMT4">
+                  <p:embed/>
+                  <p:pic>
+                    <p:nvPicPr>
+                      <p:cNvPr id="23" name="オブジェクト 22">
+                        <a:extLst>
+                          <a:ext uri="{FF2B5EF4-FFF2-40B4-BE49-F238E27FC236}">
+                            <a16:creationId xmlns:a16="http://schemas.microsoft.com/office/drawing/2014/main" id="{BAE35A59-F83B-42E8-81A5-80DB041A4FF2}"/>
+                          </a:ext>
+                        </a:extLst>
+                      </p:cNvPr>
+                      <p:cNvPicPr/>
+                      <p:nvPr/>
+                    </p:nvPicPr>
+                    <p:blipFill>
+                      <a:blip r:embed="rId9"/>
+                      <a:stretch>
+                        <a:fillRect/>
+                      </a:stretch>
+                    </p:blipFill>
+                    <p:spPr>
+                      <a:xfrm>
+                        <a:off x="4262438" y="1524000"/>
+                        <a:ext cx="190500" cy="304800"/>
+                      </a:xfrm>
+                      <a:prstGeom prst="rect">
+                        <a:avLst/>
+                      </a:prstGeom>
+                    </p:spPr>
+                  </p:pic>
+                </p:oleObj>
+              </mc:Fallback>
+            </mc:AlternateContent>
+          </a:graphicData>
+        </a:graphic>
+      </p:graphicFrame>
+      <p:sp>
+        <p:nvSpPr>
+          <p:cNvPr id="24" name="円弧 23">
+            <a:extLst>
+              <a:ext uri="{FF2B5EF4-FFF2-40B4-BE49-F238E27FC236}">
+                <a16:creationId xmlns:a16="http://schemas.microsoft.com/office/drawing/2014/main" id="{582EE0ED-0678-429B-989B-623A3F6F81D1}"/>
+              </a:ext>
+            </a:extLst>
+          </p:cNvPr>
+          <p:cNvSpPr>
+            <a:spLocks noChangeAspect="1"/>
+          </p:cNvSpPr>
+          <p:nvPr/>
+        </p:nvSpPr>
+        <p:spPr>
+          <a:xfrm>
+            <a:off x="3598987" y="1773071"/>
+            <a:ext cx="720000" cy="720000"/>
+          </a:xfrm>
+          <a:prstGeom prst="arc">
+            <a:avLst>
+              <a:gd name="adj1" fmla="val 14431860"/>
+              <a:gd name="adj2" fmla="val 19540950"/>
+            </a:avLst>
+          </a:prstGeom>
+          <a:ln>
+            <a:solidFill>
+              <a:srgbClr val="FF0000"/>
+            </a:solidFill>
+            <a:headEnd type="none" w="lg" len="lg"/>
+            <a:tailEnd type="triangle" w="lg" len="lg"/>
+          </a:ln>
+        </p:spPr>
+        <p:style>
+          <a:lnRef idx="1">
+            <a:schemeClr val="accent1"/>
+          </a:lnRef>
+          <a:fillRef idx="0">
+            <a:schemeClr val="accent1"/>
+          </a:fillRef>
+          <a:effectRef idx="0">
+            <a:schemeClr val="accent1"/>
+          </a:effectRef>
+          <a:fontRef idx="minor">
+            <a:schemeClr val="tx1"/>
+          </a:fontRef>
+        </p:style>
+        <p:txBody>
+          <a:bodyPr rtlCol="0" anchor="ctr"/>
+          <a:lstStyle/>
+          <a:p>
+            <a:pPr algn="ctr"/>
+            <a:endParaRPr lang="ja-JP" altLang="en-US"/>
+          </a:p>
+        </p:txBody>
+      </p:sp>
+      <p:graphicFrame>
+        <p:nvGraphicFramePr>
+          <p:cNvPr id="25" name="オブジェクト 24">
+            <a:extLst>
+              <a:ext uri="{FF2B5EF4-FFF2-40B4-BE49-F238E27FC236}">
+                <a16:creationId xmlns:a16="http://schemas.microsoft.com/office/drawing/2014/main" id="{3DF3A1C6-FCB5-43C2-8937-8839A9D0FA23}"/>
+              </a:ext>
+            </a:extLst>
+          </p:cNvPr>
+          <p:cNvGraphicFramePr>
+            <a:graphicFrameLocks noChangeAspect="1"/>
+          </p:cNvGraphicFramePr>
+          <p:nvPr>
+            <p:extLst>
+              <p:ext uri="{D42A27DB-BD31-4B8C-83A1-F6EECF244321}">
+                <p14:modId xmlns:p14="http://schemas.microsoft.com/office/powerpoint/2010/main" val="2169826330"/>
+              </p:ext>
+            </p:extLst>
+          </p:nvPr>
+        </p:nvGraphicFramePr>
+        <p:xfrm>
+          <a:off x="2631180" y="2664703"/>
+          <a:ext cx="1600200" cy="952500"/>
+        </p:xfrm>
+        <a:graphic>
+          <a:graphicData uri="http://schemas.openxmlformats.org/presentationml/2006/ole">
+            <mc:AlternateContent xmlns:mc="http://schemas.openxmlformats.org/markup-compatibility/2006">
+              <mc:Choice xmlns:v="urn:schemas-microsoft-com:vml" Requires="v">
+                <p:oleObj name="Equation" r:id="rId10" imgW="1066680" imgH="634680" progId="Equation.DSMT4">
+                  <p:embed/>
+                </p:oleObj>
+              </mc:Choice>
+              <mc:Fallback>
+                <p:oleObj name="Equation" r:id="rId10" imgW="1066680" imgH="634680" progId="Equation.DSMT4">
+                  <p:embed/>
+                  <p:pic>
+                    <p:nvPicPr>
+                      <p:cNvPr id="25" name="オブジェクト 24">
+                        <a:extLst>
+                          <a:ext uri="{FF2B5EF4-FFF2-40B4-BE49-F238E27FC236}">
+                            <a16:creationId xmlns:a16="http://schemas.microsoft.com/office/drawing/2014/main" id="{66EA3D5D-0188-4D5E-9052-00160AAEF9EA}"/>
+                          </a:ext>
+                        </a:extLst>
+                      </p:cNvPr>
+                      <p:cNvPicPr/>
+                      <p:nvPr/>
+                    </p:nvPicPr>
+                    <p:blipFill>
+                      <a:blip r:embed="rId11"/>
+                      <a:stretch>
+                        <a:fillRect/>
+                      </a:stretch>
+                    </p:blipFill>
+                    <p:spPr>
+                      <a:xfrm>
+                        <a:off x="2631180" y="2664703"/>
+                        <a:ext cx="1600200" cy="952500"/>
+                      </a:xfrm>
+                      <a:prstGeom prst="rect">
+                        <a:avLst/>
+                      </a:prstGeom>
+                    </p:spPr>
+                  </p:pic>
+                </p:oleObj>
+              </mc:Fallback>
+            </mc:AlternateContent>
+          </a:graphicData>
+        </a:graphic>
+      </p:graphicFrame>
+      <p:cxnSp>
+        <p:nvCxnSpPr>
+          <p:cNvPr id="26" name="直線コネクタ 25">
+            <a:extLst>
+              <a:ext uri="{FF2B5EF4-FFF2-40B4-BE49-F238E27FC236}">
+                <a16:creationId xmlns:a16="http://schemas.microsoft.com/office/drawing/2014/main" id="{687A541A-1658-4636-9C6F-71C8D5B14356}"/>
+              </a:ext>
+            </a:extLst>
+          </p:cNvPr>
+          <p:cNvCxnSpPr>
+            <a:cxnSpLocks/>
+          </p:cNvCxnSpPr>
+          <p:nvPr/>
+        </p:nvCxnSpPr>
+        <p:spPr>
+          <a:xfrm flipV="1">
+            <a:off x="2495584" y="2132824"/>
+            <a:ext cx="0" cy="3960472"/>
+          </a:xfrm>
+          <a:prstGeom prst="line">
+            <a:avLst/>
+          </a:prstGeom>
+          <a:ln w="3175">
+            <a:solidFill>
+              <a:schemeClr val="tx1"/>
+            </a:solidFill>
+            <a:tailEnd type="triangle" w="lg" len="lg"/>
+          </a:ln>
+        </p:spPr>
+        <p:style>
+          <a:lnRef idx="1">
+            <a:schemeClr val="accent1"/>
+          </a:lnRef>
+          <a:fillRef idx="0">
+            <a:schemeClr val="accent1"/>
+          </a:fillRef>
+          <a:effectRef idx="0">
+            <a:schemeClr val="accent1"/>
+          </a:effectRef>
+          <a:fontRef idx="minor">
+            <a:schemeClr val="tx1"/>
+          </a:fontRef>
+        </p:style>
+      </p:cxnSp>
+      <p:graphicFrame>
+        <p:nvGraphicFramePr>
+          <p:cNvPr id="28" name="オブジェクト 27">
+            <a:extLst>
+              <a:ext uri="{FF2B5EF4-FFF2-40B4-BE49-F238E27FC236}">
+                <a16:creationId xmlns:a16="http://schemas.microsoft.com/office/drawing/2014/main" id="{CA99702F-D56F-49CA-93BD-E1B6F7337AC2}"/>
+              </a:ext>
+            </a:extLst>
+          </p:cNvPr>
+          <p:cNvGraphicFramePr>
+            <a:graphicFrameLocks noChangeAspect="1"/>
+          </p:cNvGraphicFramePr>
+          <p:nvPr>
+            <p:extLst>
+              <p:ext uri="{D42A27DB-BD31-4B8C-83A1-F6EECF244321}">
+                <p14:modId xmlns:p14="http://schemas.microsoft.com/office/powerpoint/2010/main" val="1295869297"/>
+              </p:ext>
+            </p:extLst>
+          </p:nvPr>
+        </p:nvGraphicFramePr>
+        <p:xfrm>
+          <a:off x="5735960" y="5818558"/>
+          <a:ext cx="190080" cy="209520"/>
+        </p:xfrm>
+        <a:graphic>
+          <a:graphicData uri="http://schemas.openxmlformats.org/presentationml/2006/ole">
+            <mc:AlternateContent xmlns:mc="http://schemas.openxmlformats.org/markup-compatibility/2006">
+              <mc:Choice xmlns:v="urn:schemas-microsoft-com:vml" Requires="v">
+                <p:oleObj name="Equation" r:id="rId12" imgW="126720" imgH="139680" progId="Equation.DSMT4">
+                  <p:embed/>
+                </p:oleObj>
+              </mc:Choice>
+              <mc:Fallback>
+                <p:oleObj name="Equation" r:id="rId12" imgW="126720" imgH="139680" progId="Equation.DSMT4">
+                  <p:embed/>
+                  <p:pic>
+                    <p:nvPicPr>
+                      <p:cNvPr id="28" name="オブジェクト 27">
+                        <a:extLst>
+                          <a:ext uri="{FF2B5EF4-FFF2-40B4-BE49-F238E27FC236}">
+                            <a16:creationId xmlns:a16="http://schemas.microsoft.com/office/drawing/2014/main" id="{B9C778BF-360E-49BD-92F0-5BC5BE17D116}"/>
+                          </a:ext>
+                        </a:extLst>
+                      </p:cNvPr>
+                      <p:cNvPicPr/>
+                      <p:nvPr/>
+                    </p:nvPicPr>
+                    <p:blipFill>
+                      <a:blip r:embed="rId13"/>
+                      <a:stretch>
+                        <a:fillRect/>
+                      </a:stretch>
+                    </p:blipFill>
+                    <p:spPr>
+                      <a:xfrm>
+                        <a:off x="5735960" y="5818558"/>
+                        <a:ext cx="190080" cy="209520"/>
+                      </a:xfrm>
+                      <a:prstGeom prst="rect">
+                        <a:avLst/>
+                      </a:prstGeom>
+                    </p:spPr>
+                  </p:pic>
+                </p:oleObj>
+              </mc:Fallback>
+            </mc:AlternateContent>
+          </a:graphicData>
+        </a:graphic>
+      </p:graphicFrame>
+      <p:graphicFrame>
+        <p:nvGraphicFramePr>
+          <p:cNvPr id="29" name="オブジェクト 28">
+            <a:extLst>
+              <a:ext uri="{FF2B5EF4-FFF2-40B4-BE49-F238E27FC236}">
+                <a16:creationId xmlns:a16="http://schemas.microsoft.com/office/drawing/2014/main" id="{68A0FD7D-B394-47B4-B9B3-D72E368989E1}"/>
+              </a:ext>
+            </a:extLst>
+          </p:cNvPr>
+          <p:cNvGraphicFramePr>
+            <a:graphicFrameLocks noChangeAspect="1"/>
+          </p:cNvGraphicFramePr>
+          <p:nvPr>
+            <p:extLst>
+              <p:ext uri="{D42A27DB-BD31-4B8C-83A1-F6EECF244321}">
+                <p14:modId xmlns:p14="http://schemas.microsoft.com/office/powerpoint/2010/main" val="3345958788"/>
+              </p:ext>
+            </p:extLst>
+          </p:nvPr>
+        </p:nvGraphicFramePr>
+        <p:xfrm>
+          <a:off x="2257425" y="2336800"/>
+          <a:ext cx="209550" cy="247650"/>
+        </p:xfrm>
+        <a:graphic>
+          <a:graphicData uri="http://schemas.openxmlformats.org/presentationml/2006/ole">
+            <mc:AlternateContent xmlns:mc="http://schemas.openxmlformats.org/markup-compatibility/2006">
+              <mc:Choice xmlns:v="urn:schemas-microsoft-com:vml" Requires="v">
+                <p:oleObj name="Equation" r:id="rId14" imgW="139680" imgH="164880" progId="Equation.DSMT4">
+                  <p:embed/>
+                </p:oleObj>
+              </mc:Choice>
+              <mc:Fallback>
+                <p:oleObj name="Equation" r:id="rId14" imgW="139680" imgH="164880" progId="Equation.DSMT4">
+                  <p:embed/>
+                  <p:pic>
+                    <p:nvPicPr>
+                      <p:cNvPr id="29" name="オブジェクト 28">
+                        <a:extLst>
+                          <a:ext uri="{FF2B5EF4-FFF2-40B4-BE49-F238E27FC236}">
+                            <a16:creationId xmlns:a16="http://schemas.microsoft.com/office/drawing/2014/main" id="{78C73209-BB39-4033-BC58-1B89CBAA69A8}"/>
+                          </a:ext>
+                        </a:extLst>
+                      </p:cNvPr>
+                      <p:cNvPicPr/>
+                      <p:nvPr/>
+                    </p:nvPicPr>
+                    <p:blipFill>
+                      <a:blip r:embed="rId15"/>
+                      <a:stretch>
+                        <a:fillRect/>
+                      </a:stretch>
+                    </p:blipFill>
+                    <p:spPr>
+                      <a:xfrm>
+                        <a:off x="2257425" y="2336800"/>
+                        <a:ext cx="209550" cy="247650"/>
+                      </a:xfrm>
+                      <a:prstGeom prst="rect">
+                        <a:avLst/>
+                      </a:prstGeom>
+                    </p:spPr>
+                  </p:pic>
+                </p:oleObj>
+              </mc:Fallback>
+            </mc:AlternateContent>
+          </a:graphicData>
+        </a:graphic>
+      </p:graphicFrame>
+      <p:graphicFrame>
+        <p:nvGraphicFramePr>
+          <p:cNvPr id="30" name="オブジェクト 29">
+            <a:extLst>
+              <a:ext uri="{FF2B5EF4-FFF2-40B4-BE49-F238E27FC236}">
+                <a16:creationId xmlns:a16="http://schemas.microsoft.com/office/drawing/2014/main" id="{BE62F4AB-96F1-4123-B1C6-C7CC3633169E}"/>
+              </a:ext>
+            </a:extLst>
+          </p:cNvPr>
+          <p:cNvGraphicFramePr>
+            <a:graphicFrameLocks noChangeAspect="1"/>
+          </p:cNvGraphicFramePr>
+          <p:nvPr>
+            <p:extLst>
+              <p:ext uri="{D42A27DB-BD31-4B8C-83A1-F6EECF244321}">
+                <p14:modId xmlns:p14="http://schemas.microsoft.com/office/powerpoint/2010/main" val="3934519017"/>
+              </p:ext>
+            </p:extLst>
+          </p:nvPr>
+        </p:nvGraphicFramePr>
+        <p:xfrm>
+          <a:off x="2217620" y="5840196"/>
+          <a:ext cx="190500" cy="209550"/>
+        </p:xfrm>
+        <a:graphic>
+          <a:graphicData uri="http://schemas.openxmlformats.org/presentationml/2006/ole">
+            <mc:AlternateContent xmlns:mc="http://schemas.openxmlformats.org/markup-compatibility/2006">
+              <mc:Choice xmlns:v="urn:schemas-microsoft-com:vml" Requires="v">
+                <p:oleObj name="Equation" r:id="rId16" imgW="126720" imgH="139680" progId="Equation.DSMT4">
+                  <p:embed/>
+                </p:oleObj>
+              </mc:Choice>
+              <mc:Fallback>
+                <p:oleObj name="Equation" r:id="rId16" imgW="126720" imgH="139680" progId="Equation.DSMT4">
+                  <p:embed/>
+                  <p:pic>
+                    <p:nvPicPr>
+                      <p:cNvPr id="30" name="オブジェクト 29">
+                        <a:extLst>
+                          <a:ext uri="{FF2B5EF4-FFF2-40B4-BE49-F238E27FC236}">
+                            <a16:creationId xmlns:a16="http://schemas.microsoft.com/office/drawing/2014/main" id="{CC63375A-2603-463E-B029-98F7E48F1D84}"/>
+                          </a:ext>
+                        </a:extLst>
+                      </p:cNvPr>
+                      <p:cNvPicPr/>
+                      <p:nvPr/>
+                    </p:nvPicPr>
+                    <p:blipFill>
+                      <a:blip r:embed="rId17"/>
+                      <a:stretch>
+                        <a:fillRect/>
+                      </a:stretch>
+                    </p:blipFill>
+                    <p:spPr>
+                      <a:xfrm>
+                        <a:off x="2217620" y="5840196"/>
+                        <a:ext cx="190500" cy="209550"/>
+                      </a:xfrm>
+                      <a:prstGeom prst="rect">
+                        <a:avLst/>
+                      </a:prstGeom>
+                    </p:spPr>
+                  </p:pic>
+                </p:oleObj>
+              </mc:Fallback>
+            </mc:AlternateContent>
+          </a:graphicData>
+        </a:graphic>
+      </p:graphicFrame>
+      <p:sp>
+        <p:nvSpPr>
+          <p:cNvPr id="31" name="楕円 30">
+            <a:extLst>
+              <a:ext uri="{FF2B5EF4-FFF2-40B4-BE49-F238E27FC236}">
+                <a16:creationId xmlns:a16="http://schemas.microsoft.com/office/drawing/2014/main" id="{B4AEAA7C-5F11-4E1E-99AF-1E3F04F5BF32}"/>
+              </a:ext>
+            </a:extLst>
+          </p:cNvPr>
+          <p:cNvSpPr>
+            <a:spLocks noChangeAspect="1"/>
+          </p:cNvSpPr>
+          <p:nvPr/>
+        </p:nvSpPr>
+        <p:spPr>
+          <a:xfrm>
+            <a:off x="2351584" y="5589256"/>
+            <a:ext cx="288000" cy="288000"/>
+          </a:xfrm>
+          <a:prstGeom prst="ellipse">
+            <a:avLst/>
+          </a:prstGeom>
+          <a:solidFill>
+            <a:schemeClr val="bg1"/>
+          </a:solidFill>
+          <a:ln w="9525">
+            <a:solidFill>
+              <a:schemeClr val="tx1"/>
+            </a:solidFill>
+          </a:ln>
+        </p:spPr>
+        <p:style>
+          <a:lnRef idx="2">
+            <a:schemeClr val="accent1">
+              <a:shade val="50000"/>
+            </a:schemeClr>
+          </a:lnRef>
+          <a:fillRef idx="1">
+            <a:schemeClr val="accent1"/>
+          </a:fillRef>
+          <a:effectRef idx="0">
+            <a:schemeClr val="accent1"/>
+          </a:effectRef>
+          <a:fontRef idx="minor">
+            <a:schemeClr val="lt1"/>
+          </a:fontRef>
+        </p:style>
+        <p:txBody>
+          <a:bodyPr rtlCol="0" anchor="t"/>
+          <a:lstStyle/>
+          <a:p>
+            <a:pPr algn="l"/>
+            <a:endParaRPr lang="ja-JP" altLang="en-US" dirty="0">
+              <a:solidFill>
+                <a:schemeClr val="tx1"/>
+              </a:solidFill>
+            </a:endParaRPr>
+          </a:p>
+        </p:txBody>
+      </p:sp>
+      <p:sp>
+        <p:nvSpPr>
+          <p:cNvPr id="32" name="テキスト ボックス 31">
+            <a:extLst>
+              <a:ext uri="{FF2B5EF4-FFF2-40B4-BE49-F238E27FC236}">
+                <a16:creationId xmlns:a16="http://schemas.microsoft.com/office/drawing/2014/main" id="{C81F758E-2668-4251-AABB-4EB5E1D36DDB}"/>
+              </a:ext>
+            </a:extLst>
+          </p:cNvPr>
+          <p:cNvSpPr txBox="1"/>
+          <p:nvPr/>
+        </p:nvSpPr>
+        <p:spPr>
+          <a:xfrm>
+            <a:off x="5407119" y="1439443"/>
+            <a:ext cx="4834866" cy="3693319"/>
+          </a:xfrm>
+          <a:prstGeom prst="rect">
+            <a:avLst/>
+          </a:prstGeom>
+          <a:noFill/>
+        </p:spPr>
+        <p:txBody>
+          <a:bodyPr wrap="square" rtlCol="0">
+            <a:spAutoFit/>
+          </a:bodyPr>
+          <a:lstStyle/>
+          <a:p>
+            <a:r>
+              <a:rPr lang="ja-JP" altLang="en-US" dirty="0"/>
+              <a:t>繰り返し計算による逆運動学解法</a:t>
+            </a:r>
+            <a:endParaRPr lang="en-US" altLang="ja-JP" dirty="0"/>
+          </a:p>
+          <a:p>
+            <a:pPr marL="285750" indent="-285750">
+              <a:buFont typeface="Arial" panose="020B0604020202020204" pitchFamily="34" charset="0"/>
+              <a:buChar char="•"/>
+            </a:pPr>
+            <a:r>
+              <a:rPr lang="ja-JP" altLang="en-US" dirty="0"/>
+              <a:t>手先を動かしたい方向，すなわち手先速度が分かれば，それを実現する関節速度が求められる</a:t>
+            </a:r>
+            <a:endParaRPr lang="en-US" altLang="ja-JP" dirty="0"/>
+          </a:p>
+          <a:p>
+            <a:pPr marL="285750" indent="-285750">
+              <a:buFont typeface="Arial" panose="020B0604020202020204" pitchFamily="34" charset="0"/>
+              <a:buChar char="•"/>
+            </a:pPr>
+            <a:r>
+              <a:rPr lang="ja-JP" altLang="en-US" dirty="0"/>
+              <a:t>これの繰り返しにより，手先の目標位置に到達させることができる</a:t>
+            </a:r>
+            <a:endParaRPr lang="en-US" altLang="ja-JP" dirty="0"/>
+          </a:p>
+          <a:p>
+            <a:r>
+              <a:rPr lang="en-US" altLang="ja-JP" dirty="0"/>
+              <a:t>Inverse kinematics solution by iterative computation</a:t>
+            </a:r>
+          </a:p>
+          <a:p>
+            <a:pPr marL="285750" indent="-285750">
+              <a:buFont typeface="Arial" panose="020B0604020202020204" pitchFamily="34" charset="0"/>
+              <a:buChar char="•"/>
+            </a:pPr>
+            <a:r>
+              <a:rPr lang="en-US" altLang="ja-JP" dirty="0"/>
+              <a:t>If we know a hand direction to move, we can interpret it as a hand velocity, and can find joint angle velocity</a:t>
+            </a:r>
+          </a:p>
+          <a:p>
+            <a:pPr marL="285750" indent="-285750">
+              <a:buFont typeface="Arial" panose="020B0604020202020204" pitchFamily="34" charset="0"/>
+              <a:buChar char="•"/>
+            </a:pPr>
+            <a:r>
+              <a:rPr lang="en-US" altLang="ja-JP" dirty="0"/>
+              <a:t>Iterating it, a hand can be reached a target eventually</a:t>
+            </a:r>
+          </a:p>
+        </p:txBody>
+      </p:sp>
+      <p:cxnSp>
+        <p:nvCxnSpPr>
+          <p:cNvPr id="34" name="直線矢印コネクタ 33">
+            <a:extLst>
+              <a:ext uri="{FF2B5EF4-FFF2-40B4-BE49-F238E27FC236}">
+                <a16:creationId xmlns:a16="http://schemas.microsoft.com/office/drawing/2014/main" id="{517A09B2-9FCA-4598-BC8F-A3EEF137EA48}"/>
+              </a:ext>
+            </a:extLst>
+          </p:cNvPr>
+          <p:cNvCxnSpPr>
+            <a:cxnSpLocks/>
+          </p:cNvCxnSpPr>
+          <p:nvPr/>
+        </p:nvCxnSpPr>
+        <p:spPr>
+          <a:xfrm>
+            <a:off x="3932877" y="2132825"/>
+            <a:ext cx="778798" cy="277465"/>
+          </a:xfrm>
+          <a:prstGeom prst="straightConnector1">
+            <a:avLst/>
+          </a:prstGeom>
+          <a:ln>
+            <a:solidFill>
+              <a:srgbClr val="FF0000"/>
+            </a:solidFill>
+            <a:tailEnd type="triangle" w="lg" len="lg"/>
+          </a:ln>
+        </p:spPr>
+        <p:style>
+          <a:lnRef idx="1">
+            <a:schemeClr val="accent1"/>
+          </a:lnRef>
+          <a:fillRef idx="0">
+            <a:schemeClr val="accent1"/>
+          </a:fillRef>
+          <a:effectRef idx="0">
+            <a:schemeClr val="accent1"/>
+          </a:effectRef>
+          <a:fontRef idx="minor">
+            <a:schemeClr val="tx1"/>
+          </a:fontRef>
+        </p:style>
+      </p:cxnSp>
+      <p:sp>
+        <p:nvSpPr>
+          <p:cNvPr id="41" name="楕円 40">
+            <a:extLst>
+              <a:ext uri="{FF2B5EF4-FFF2-40B4-BE49-F238E27FC236}">
+                <a16:creationId xmlns:a16="http://schemas.microsoft.com/office/drawing/2014/main" id="{831C3DC2-FDA8-45B4-A488-B44CB409CF1A}"/>
+              </a:ext>
+            </a:extLst>
+          </p:cNvPr>
+          <p:cNvSpPr>
+            <a:spLocks noChangeAspect="1"/>
+          </p:cNvSpPr>
+          <p:nvPr/>
+        </p:nvSpPr>
+        <p:spPr>
+          <a:xfrm>
+            <a:off x="4725730" y="2269020"/>
+            <a:ext cx="288000" cy="288000"/>
+          </a:xfrm>
+          <a:prstGeom prst="ellipse">
+            <a:avLst/>
+          </a:prstGeom>
+          <a:solidFill>
+            <a:schemeClr val="bg1"/>
+          </a:solidFill>
+          <a:ln w="9525">
+            <a:solidFill>
+              <a:srgbClr val="0070C0"/>
+            </a:solidFill>
+          </a:ln>
+        </p:spPr>
+        <p:style>
+          <a:lnRef idx="2">
+            <a:schemeClr val="accent1">
+              <a:shade val="50000"/>
+            </a:schemeClr>
+          </a:lnRef>
+          <a:fillRef idx="1">
+            <a:schemeClr val="accent1"/>
+          </a:fillRef>
+          <a:effectRef idx="0">
+            <a:schemeClr val="accent1"/>
+          </a:effectRef>
+          <a:fontRef idx="minor">
+            <a:schemeClr val="lt1"/>
+          </a:fontRef>
+        </p:style>
+        <p:txBody>
+          <a:bodyPr rtlCol="0" anchor="t"/>
+          <a:lstStyle/>
+          <a:p>
+            <a:pPr algn="l"/>
+            <a:endParaRPr lang="ja-JP" altLang="en-US" dirty="0">
+              <a:solidFill>
+                <a:schemeClr val="tx1"/>
+              </a:solidFill>
+            </a:endParaRPr>
+          </a:p>
+        </p:txBody>
+      </p:sp>
+      <p:graphicFrame>
+        <p:nvGraphicFramePr>
+          <p:cNvPr id="42" name="オブジェクト 41">
+            <a:extLst>
+              <a:ext uri="{FF2B5EF4-FFF2-40B4-BE49-F238E27FC236}">
+                <a16:creationId xmlns:a16="http://schemas.microsoft.com/office/drawing/2014/main" id="{C85F5B82-7B0A-4B1C-9D01-5A486B5FCC2C}"/>
+              </a:ext>
+            </a:extLst>
+          </p:cNvPr>
+          <p:cNvGraphicFramePr>
+            <a:graphicFrameLocks noChangeAspect="1"/>
+          </p:cNvGraphicFramePr>
+          <p:nvPr>
+            <p:extLst>
+              <p:ext uri="{D42A27DB-BD31-4B8C-83A1-F6EECF244321}">
+                <p14:modId xmlns:p14="http://schemas.microsoft.com/office/powerpoint/2010/main" val="3685700212"/>
+              </p:ext>
+            </p:extLst>
+          </p:nvPr>
+        </p:nvGraphicFramePr>
+        <p:xfrm>
+          <a:off x="4895240" y="2030533"/>
+          <a:ext cx="533400" cy="647700"/>
+        </p:xfrm>
+        <a:graphic>
+          <a:graphicData uri="http://schemas.openxmlformats.org/presentationml/2006/ole">
+            <mc:AlternateContent xmlns:mc="http://schemas.openxmlformats.org/markup-compatibility/2006">
+              <mc:Choice xmlns:v="urn:schemas-microsoft-com:vml" Requires="v">
+                <p:oleObj name="Equation" r:id="rId18" imgW="355320" imgH="431640" progId="Equation.DSMT4">
+                  <p:embed/>
+                </p:oleObj>
+              </mc:Choice>
+              <mc:Fallback>
+                <p:oleObj name="Equation" r:id="rId18" imgW="355320" imgH="431640" progId="Equation.DSMT4">
+                  <p:embed/>
+                  <p:pic>
+                    <p:nvPicPr>
+                      <p:cNvPr id="37" name="オブジェクト 36">
+                        <a:extLst>
+                          <a:ext uri="{FF2B5EF4-FFF2-40B4-BE49-F238E27FC236}">
+                            <a16:creationId xmlns:a16="http://schemas.microsoft.com/office/drawing/2014/main" id="{5EB13CD5-F4A4-44C3-B542-845B82CDC91B}"/>
+                          </a:ext>
+                        </a:extLst>
+                      </p:cNvPr>
+                      <p:cNvPicPr/>
+                      <p:nvPr/>
+                    </p:nvPicPr>
+                    <p:blipFill>
+                      <a:blip r:embed="rId19"/>
+                      <a:stretch>
+                        <a:fillRect/>
+                      </a:stretch>
+                    </p:blipFill>
+                    <p:spPr>
+                      <a:xfrm>
+                        <a:off x="4895240" y="2030533"/>
+                        <a:ext cx="533400" cy="647700"/>
+                      </a:xfrm>
+                      <a:prstGeom prst="rect">
+                        <a:avLst/>
+                      </a:prstGeom>
+                    </p:spPr>
+                  </p:pic>
+                </p:oleObj>
+              </mc:Fallback>
+            </mc:AlternateContent>
+          </a:graphicData>
+        </a:graphic>
+      </p:graphicFrame>
+      <p:cxnSp>
+        <p:nvCxnSpPr>
+          <p:cNvPr id="43" name="直線矢印コネクタ 42">
+            <a:extLst>
+              <a:ext uri="{FF2B5EF4-FFF2-40B4-BE49-F238E27FC236}">
+                <a16:creationId xmlns:a16="http://schemas.microsoft.com/office/drawing/2014/main" id="{EC78A306-F215-4604-8A50-3BE386BD098D}"/>
+              </a:ext>
+            </a:extLst>
+          </p:cNvPr>
+          <p:cNvCxnSpPr>
+            <a:cxnSpLocks/>
+          </p:cNvCxnSpPr>
+          <p:nvPr/>
+        </p:nvCxnSpPr>
+        <p:spPr>
+          <a:xfrm flipH="1" flipV="1">
+            <a:off x="4647672" y="1709582"/>
+            <a:ext cx="222059" cy="679647"/>
+          </a:xfrm>
+          <a:prstGeom prst="straightConnector1">
+            <a:avLst/>
+          </a:prstGeom>
+          <a:ln>
+            <a:solidFill>
+              <a:srgbClr val="0070C0"/>
+            </a:solidFill>
+            <a:tailEnd type="triangle" w="lg" len="lg"/>
+          </a:ln>
+        </p:spPr>
+        <p:style>
+          <a:lnRef idx="1">
+            <a:schemeClr val="accent1"/>
+          </a:lnRef>
+          <a:fillRef idx="0">
+            <a:schemeClr val="accent1"/>
+          </a:fillRef>
+          <a:effectRef idx="0">
+            <a:schemeClr val="accent1"/>
+          </a:effectRef>
+          <a:fontRef idx="minor">
+            <a:schemeClr val="tx1"/>
+          </a:fontRef>
+        </p:style>
+      </p:cxnSp>
+      <p:graphicFrame>
+        <p:nvGraphicFramePr>
+          <p:cNvPr id="44" name="オブジェクト 43">
+            <a:extLst>
+              <a:ext uri="{FF2B5EF4-FFF2-40B4-BE49-F238E27FC236}">
+                <a16:creationId xmlns:a16="http://schemas.microsoft.com/office/drawing/2014/main" id="{DBF6BEE9-F2B7-4908-B978-6C1E04B8EA88}"/>
+              </a:ext>
+            </a:extLst>
+          </p:cNvPr>
+          <p:cNvGraphicFramePr>
+            <a:graphicFrameLocks noChangeAspect="1"/>
+          </p:cNvGraphicFramePr>
+          <p:nvPr>
+            <p:extLst>
+              <p:ext uri="{D42A27DB-BD31-4B8C-83A1-F6EECF244321}">
+                <p14:modId xmlns:p14="http://schemas.microsoft.com/office/powerpoint/2010/main" val="1180418142"/>
+              </p:ext>
+            </p:extLst>
+          </p:nvPr>
+        </p:nvGraphicFramePr>
+        <p:xfrm>
+          <a:off x="4794783" y="1758328"/>
+          <a:ext cx="266700" cy="342900"/>
+        </p:xfrm>
+        <a:graphic>
+          <a:graphicData uri="http://schemas.openxmlformats.org/presentationml/2006/ole">
+            <mc:AlternateContent xmlns:mc="http://schemas.openxmlformats.org/markup-compatibility/2006">
+              <mc:Choice xmlns:v="urn:schemas-microsoft-com:vml" Requires="v">
+                <p:oleObj name="Equation" r:id="rId20" imgW="177480" imgH="228600" progId="Equation.DSMT4">
+                  <p:embed/>
+                </p:oleObj>
+              </mc:Choice>
+              <mc:Fallback>
+                <p:oleObj name="Equation" r:id="rId20" imgW="177480" imgH="228600" progId="Equation.DSMT4">
+                  <p:embed/>
+                  <p:pic>
+                    <p:nvPicPr>
+                      <p:cNvPr id="43" name="オブジェクト 42">
+                        <a:extLst>
+                          <a:ext uri="{FF2B5EF4-FFF2-40B4-BE49-F238E27FC236}">
+                            <a16:creationId xmlns:a16="http://schemas.microsoft.com/office/drawing/2014/main" id="{D4646105-BF55-4A10-A80F-D40F6975E529}"/>
+                          </a:ext>
+                        </a:extLst>
+                      </p:cNvPr>
+                      <p:cNvPicPr/>
+                      <p:nvPr/>
+                    </p:nvPicPr>
+                    <p:blipFill>
+                      <a:blip r:embed="rId21"/>
+                      <a:stretch>
+                        <a:fillRect/>
+                      </a:stretch>
+                    </p:blipFill>
+                    <p:spPr>
+                      <a:xfrm>
+                        <a:off x="4794783" y="1758328"/>
+                        <a:ext cx="266700" cy="342900"/>
+                      </a:xfrm>
+                      <a:prstGeom prst="rect">
+                        <a:avLst/>
+                      </a:prstGeom>
+                    </p:spPr>
+                  </p:pic>
+                </p:oleObj>
+              </mc:Fallback>
+            </mc:AlternateContent>
+          </a:graphicData>
+        </a:graphic>
+      </p:graphicFrame>
+      <p:graphicFrame>
+        <p:nvGraphicFramePr>
+          <p:cNvPr id="45" name="オブジェクト 44">
+            <a:extLst>
+              <a:ext uri="{FF2B5EF4-FFF2-40B4-BE49-F238E27FC236}">
+                <a16:creationId xmlns:a16="http://schemas.microsoft.com/office/drawing/2014/main" id="{C25C75A1-D19B-40E3-BCF4-4936B945C91F}"/>
+              </a:ext>
+            </a:extLst>
+          </p:cNvPr>
+          <p:cNvGraphicFramePr>
+            <a:graphicFrameLocks noChangeAspect="1"/>
+          </p:cNvGraphicFramePr>
+          <p:nvPr>
+            <p:extLst>
+              <p:ext uri="{D42A27DB-BD31-4B8C-83A1-F6EECF244321}">
+                <p14:modId xmlns:p14="http://schemas.microsoft.com/office/powerpoint/2010/main" val="3684613623"/>
+              </p:ext>
+            </p:extLst>
+          </p:nvPr>
+        </p:nvGraphicFramePr>
+        <p:xfrm>
+          <a:off x="8368354" y="5108595"/>
+          <a:ext cx="1409700" cy="1066800"/>
+        </p:xfrm>
+        <a:graphic>
+          <a:graphicData uri="http://schemas.openxmlformats.org/presentationml/2006/ole">
+            <mc:AlternateContent xmlns:mc="http://schemas.openxmlformats.org/markup-compatibility/2006">
+              <mc:Choice xmlns:v="urn:schemas-microsoft-com:vml" Requires="v">
+                <p:oleObj name="Equation" r:id="rId22" imgW="939600" imgH="711000" progId="Equation.DSMT4">
+                  <p:embed/>
+                </p:oleObj>
+              </mc:Choice>
+              <mc:Fallback>
+                <p:oleObj name="Equation" r:id="rId22" imgW="939600" imgH="711000" progId="Equation.DSMT4">
+                  <p:embed/>
+                  <p:pic>
+                    <p:nvPicPr>
+                      <p:cNvPr id="25" name="オブジェクト 24">
+                        <a:extLst>
+                          <a:ext uri="{FF2B5EF4-FFF2-40B4-BE49-F238E27FC236}">
+                            <a16:creationId xmlns:a16="http://schemas.microsoft.com/office/drawing/2014/main" id="{3DF3A1C6-FCB5-43C2-8937-8839A9D0FA23}"/>
+                          </a:ext>
+                        </a:extLst>
+                      </p:cNvPr>
+                      <p:cNvPicPr/>
+                      <p:nvPr/>
+                    </p:nvPicPr>
+                    <p:blipFill>
+                      <a:blip r:embed="rId23"/>
+                      <a:stretch>
+                        <a:fillRect/>
+                      </a:stretch>
+                    </p:blipFill>
+                    <p:spPr>
+                      <a:xfrm>
+                        <a:off x="8368354" y="5108595"/>
+                        <a:ext cx="1409700" cy="1066800"/>
+                      </a:xfrm>
+                      <a:prstGeom prst="rect">
+                        <a:avLst/>
+                      </a:prstGeom>
+                    </p:spPr>
+                  </p:pic>
+                </p:oleObj>
+              </mc:Fallback>
+            </mc:AlternateContent>
+          </a:graphicData>
+        </a:graphic>
+      </p:graphicFrame>
+      <p:graphicFrame>
+        <p:nvGraphicFramePr>
+          <p:cNvPr id="46" name="オブジェクト 45">
+            <a:extLst>
+              <a:ext uri="{FF2B5EF4-FFF2-40B4-BE49-F238E27FC236}">
+                <a16:creationId xmlns:a16="http://schemas.microsoft.com/office/drawing/2014/main" id="{4AE65AF8-848B-4F2A-9505-431A070BA182}"/>
+              </a:ext>
+            </a:extLst>
+          </p:cNvPr>
+          <p:cNvGraphicFramePr>
+            <a:graphicFrameLocks noChangeAspect="1"/>
+          </p:cNvGraphicFramePr>
+          <p:nvPr>
+            <p:extLst>
+              <p:ext uri="{D42A27DB-BD31-4B8C-83A1-F6EECF244321}">
+                <p14:modId xmlns:p14="http://schemas.microsoft.com/office/powerpoint/2010/main" val="2199152090"/>
+              </p:ext>
+            </p:extLst>
+          </p:nvPr>
+        </p:nvGraphicFramePr>
+        <p:xfrm>
+          <a:off x="6417148" y="5108595"/>
+          <a:ext cx="1257300" cy="1066800"/>
+        </p:xfrm>
+        <a:graphic>
+          <a:graphicData uri="http://schemas.openxmlformats.org/presentationml/2006/ole">
+            <mc:AlternateContent xmlns:mc="http://schemas.openxmlformats.org/markup-compatibility/2006">
+              <mc:Choice xmlns:v="urn:schemas-microsoft-com:vml" Requires="v">
+                <p:oleObj name="Equation" r:id="rId24" imgW="838080" imgH="711000" progId="Equation.DSMT4">
+                  <p:embed/>
+                </p:oleObj>
+              </mc:Choice>
+              <mc:Fallback>
+                <p:oleObj name="Equation" r:id="rId24" imgW="838080" imgH="711000" progId="Equation.DSMT4">
+                  <p:embed/>
+                  <p:pic>
+                    <p:nvPicPr>
+                      <p:cNvPr id="8" name="オブジェクト 7">
+                        <a:extLst>
+                          <a:ext uri="{FF2B5EF4-FFF2-40B4-BE49-F238E27FC236}">
+                            <a16:creationId xmlns:a16="http://schemas.microsoft.com/office/drawing/2014/main" id="{39BD2F04-30C1-4093-9ED5-C47BFCF1894B}"/>
+                          </a:ext>
+                        </a:extLst>
+                      </p:cNvPr>
+                      <p:cNvPicPr/>
+                      <p:nvPr/>
+                    </p:nvPicPr>
+                    <p:blipFill>
+                      <a:blip r:embed="rId25"/>
+                      <a:stretch>
+                        <a:fillRect/>
+                      </a:stretch>
+                    </p:blipFill>
+                    <p:spPr>
+                      <a:xfrm>
+                        <a:off x="6417148" y="5108595"/>
+                        <a:ext cx="1257300" cy="1066800"/>
+                      </a:xfrm>
+                      <a:prstGeom prst="rect">
+                        <a:avLst/>
+                      </a:prstGeom>
+                    </p:spPr>
+                  </p:pic>
+                </p:oleObj>
+              </mc:Fallback>
+            </mc:AlternateContent>
+          </a:graphicData>
+        </a:graphic>
+      </p:graphicFrame>
+      <p:cxnSp>
+        <p:nvCxnSpPr>
+          <p:cNvPr id="48" name="直線矢印コネクタ 47">
+            <a:extLst>
+              <a:ext uri="{FF2B5EF4-FFF2-40B4-BE49-F238E27FC236}">
+                <a16:creationId xmlns:a16="http://schemas.microsoft.com/office/drawing/2014/main" id="{A094EDF2-492C-466D-9BAF-9B00ACC819C5}"/>
+              </a:ext>
+            </a:extLst>
+          </p:cNvPr>
+          <p:cNvCxnSpPr>
+            <a:cxnSpLocks/>
+            <a:stCxn id="46" idx="3"/>
+          </p:cNvCxnSpPr>
+          <p:nvPr/>
+        </p:nvCxnSpPr>
+        <p:spPr>
+          <a:xfrm>
+            <a:off x="7674448" y="5641995"/>
+            <a:ext cx="693906" cy="0"/>
+          </a:xfrm>
+          <a:prstGeom prst="straightConnector1">
+            <a:avLst/>
+          </a:prstGeom>
+          <a:ln>
+            <a:solidFill>
+              <a:schemeClr val="tx1"/>
+            </a:solidFill>
+            <a:tailEnd type="triangle" w="lg" len="lg"/>
+          </a:ln>
+        </p:spPr>
+        <p:style>
+          <a:lnRef idx="1">
+            <a:schemeClr val="accent1"/>
+          </a:lnRef>
+          <a:fillRef idx="0">
+            <a:schemeClr val="accent1"/>
+          </a:fillRef>
+          <a:effectRef idx="0">
+            <a:schemeClr val="accent1"/>
+          </a:effectRef>
+          <a:fontRef idx="minor">
+            <a:schemeClr val="tx1"/>
+          </a:fontRef>
+        </p:style>
+      </p:cxnSp>
+    </p:spTree>
+    <p:extLst>
+      <p:ext uri="{BB962C8B-B14F-4D97-AF65-F5344CB8AC3E}">
+        <p14:creationId xmlns:p14="http://schemas.microsoft.com/office/powerpoint/2010/main" val="2532663539"/>
+      </p:ext>
+    </p:extLst>
+  </p:cSld>
+  <p:clrMapOvr>
+    <a:masterClrMapping/>
+  </p:clrMapOvr>
+</p:sld>
+</file>
+
+<file path=ppt/slides/slide5.xml><?xml version="1.0" encoding="utf-8"?>
+<p:sld xmlns:a="http://schemas.openxmlformats.org/drawingml/2006/main" xmlns:r="http://schemas.openxmlformats.org/officeDocument/2006/relationships" xmlns:p="http://schemas.openxmlformats.org/presentationml/2006/main">
+  <p:cSld>
+    <p:spTree>
+      <p:nvGrpSpPr>
+        <p:cNvPr id="1" name=""/>
+        <p:cNvGrpSpPr/>
+        <p:nvPr/>
+      </p:nvGrpSpPr>
+      <p:grpSpPr>
+        <a:xfrm>
+          <a:off x="0" y="0"/>
+          <a:ext cx="0" cy="0"/>
+          <a:chOff x="0" y="0"/>
+          <a:chExt cx="0" cy="0"/>
+        </a:xfrm>
+      </p:grpSpPr>
+      <p:sp>
+        <p:nvSpPr>
+          <p:cNvPr id="2" name="タイトル 1">
+            <a:extLst>
+              <a:ext uri="{FF2B5EF4-FFF2-40B4-BE49-F238E27FC236}">
+                <a16:creationId xmlns:a16="http://schemas.microsoft.com/office/drawing/2014/main" id="{87B88EF5-7F58-4C80-A7BC-C3C11FC91FAA}"/>
+              </a:ext>
+            </a:extLst>
+          </p:cNvPr>
+          <p:cNvSpPr>
+            <a:spLocks noGrp="1"/>
+          </p:cNvSpPr>
+          <p:nvPr>
+            <p:ph type="title"/>
+          </p:nvPr>
+        </p:nvSpPr>
+        <p:spPr/>
+        <p:txBody>
+          <a:bodyPr/>
+          <a:lstStyle/>
+          <a:p>
+            <a:r>
               <a:rPr lang="ja-JP" altLang="en-US" dirty="0"/>
               <a:t>手先速度と関節</a:t>
             </a:r>
@@ -8553,7 +10664,7 @@
           <a:p>
             <a:fld id="{CCD68D70-93DA-4EE4-9A1A-18650286EF01}" type="slidenum">
               <a:rPr kumimoji="1" lang="ja-JP" altLang="en-US" smtClean="0"/>
-              <a:t>4</a:t>
+              <a:t>5</a:t>
             </a:fld>
             <a:endParaRPr kumimoji="1" lang="ja-JP" altLang="en-US"/>
           </a:p>
@@ -8580,7 +10691,7 @@
           </p:nvPr>
         </p:nvGraphicFramePr>
         <p:xfrm>
-          <a:off x="827584" y="3162194"/>
+          <a:off x="2351584" y="3162194"/>
           <a:ext cx="3238500" cy="1866900"/>
         </p:xfrm>
         <a:graphic>
@@ -8614,7 +10725,7 @@
                     </p:blipFill>
                     <p:spPr>
                       <a:xfrm>
-                        <a:off x="827584" y="3162194"/>
+                        <a:off x="2351584" y="3162194"/>
                         <a:ext cx="3238500" cy="1866900"/>
                       </a:xfrm>
                       <a:prstGeom prst="rect">
@@ -8642,7 +10753,7 @@
         </p:nvSpPr>
         <p:spPr>
           <a:xfrm>
-            <a:off x="457200" y="2342931"/>
+            <a:off x="1981200" y="2342932"/>
             <a:ext cx="6336704" cy="646331"/>
           </a:xfrm>
           <a:prstGeom prst="rect">
@@ -8664,7 +10775,7 @@
           </a:p>
           <a:p>
             <a:r>
-              <a:rPr kumimoji="1" lang="en-US" altLang="ja-JP" dirty="0"/>
+              <a:rPr lang="en-US" altLang="ja-JP" dirty="0"/>
               <a:t>From the principle of total derivative, the following holds</a:t>
             </a:r>
           </a:p>
@@ -8691,7 +10802,7 @@
           </p:nvPr>
         </p:nvGraphicFramePr>
         <p:xfrm>
-          <a:off x="4811216" y="3061289"/>
+          <a:off x="6335216" y="3061289"/>
           <a:ext cx="3505200" cy="1943100"/>
         </p:xfrm>
         <a:graphic>
@@ -8725,7 +10836,7 @@
                     </p:blipFill>
                     <p:spPr>
                       <a:xfrm>
-                        <a:off x="4811216" y="3061289"/>
+                        <a:off x="6335216" y="3061289"/>
                         <a:ext cx="3505200" cy="1943100"/>
                       </a:xfrm>
                       <a:prstGeom prst="rect">
@@ -8753,7 +10864,7 @@
         </p:nvSpPr>
         <p:spPr>
           <a:xfrm>
-            <a:off x="539552" y="5369556"/>
+            <a:off x="2063552" y="5369557"/>
             <a:ext cx="8147246" cy="646331"/>
           </a:xfrm>
           <a:prstGeom prst="rect">
@@ -8791,7 +10902,7 @@
           </a:p>
           <a:p>
             <a:r>
-              <a:rPr kumimoji="1" lang="en-US" altLang="ja-JP" dirty="0"/>
+              <a:rPr lang="en-US" altLang="ja-JP" dirty="0"/>
               <a:t>Now,</a:t>
             </a:r>
             <a:r>
@@ -8800,11 +10911,7 @@
             </a:r>
             <a:r>
               <a:rPr lang="en-US" altLang="ja-JP" dirty="0"/>
-              <a:t>hand and joint velocity is associated with </a:t>
-            </a:r>
-            <a:r>
-              <a:rPr kumimoji="1" lang="en-US" altLang="ja-JP" dirty="0"/>
-              <a:t>J, which is called Jacobian</a:t>
+              <a:t>hand and joint velocity is associated with J, which is called Jacobian</a:t>
             </a:r>
           </a:p>
         </p:txBody>
@@ -8823,7 +10930,7 @@
         </p:nvSpPr>
         <p:spPr>
           <a:xfrm>
-            <a:off x="457199" y="1521291"/>
+            <a:off x="1981200" y="1521292"/>
             <a:ext cx="8229599" cy="646331"/>
           </a:xfrm>
           <a:prstGeom prst="rect">
@@ -8867,2127 +10974,6 @@
     <p:extLst>
       <p:ext uri="{BB962C8B-B14F-4D97-AF65-F5344CB8AC3E}">
         <p14:creationId xmlns:p14="http://schemas.microsoft.com/office/powerpoint/2010/main" val="749519092"/>
-      </p:ext>
-    </p:extLst>
-  </p:cSld>
-  <p:clrMapOvr>
-    <a:masterClrMapping/>
-  </p:clrMapOvr>
-</p:sld>
-</file>
-
-<file path=ppt/slides/slide5.xml><?xml version="1.0" encoding="utf-8"?>
-<p:sld xmlns:a="http://schemas.openxmlformats.org/drawingml/2006/main" xmlns:r="http://schemas.openxmlformats.org/officeDocument/2006/relationships" xmlns:p="http://schemas.openxmlformats.org/presentationml/2006/main">
-  <p:cSld>
-    <p:spTree>
-      <p:nvGrpSpPr>
-        <p:cNvPr id="1" name=""/>
-        <p:cNvGrpSpPr/>
-        <p:nvPr/>
-      </p:nvGrpSpPr>
-      <p:grpSpPr>
-        <a:xfrm>
-          <a:off x="0" y="0"/>
-          <a:ext cx="0" cy="0"/>
-          <a:chOff x="0" y="0"/>
-          <a:chExt cx="0" cy="0"/>
-        </a:xfrm>
-      </p:grpSpPr>
-      <p:sp>
-        <p:nvSpPr>
-          <p:cNvPr id="2" name="タイトル 1">
-            <a:extLst>
-              <a:ext uri="{FF2B5EF4-FFF2-40B4-BE49-F238E27FC236}">
-                <a16:creationId xmlns:a16="http://schemas.microsoft.com/office/drawing/2014/main" id="{B85A3A5B-17D9-4423-B0BE-129E0E8191DB}"/>
-              </a:ext>
-            </a:extLst>
-          </p:cNvPr>
-          <p:cNvSpPr>
-            <a:spLocks noGrp="1"/>
-          </p:cNvSpPr>
-          <p:nvPr>
-            <p:ph type="title"/>
-          </p:nvPr>
-        </p:nvSpPr>
-        <p:spPr/>
-        <p:txBody>
-          <a:bodyPr>
-            <a:noAutofit/>
-          </a:bodyPr>
-          <a:lstStyle/>
-          <a:p>
-            <a:r>
-              <a:rPr lang="ja-JP" altLang="en-US" dirty="0"/>
-              <a:t>繰り返し計算による逆運動学解法</a:t>
-            </a:r>
-            <a:br>
-              <a:rPr lang="en-US" altLang="ja-JP" dirty="0"/>
-            </a:br>
-            <a:r>
-              <a:rPr lang="en-US" altLang="ja-JP" sz="2400" dirty="0"/>
-              <a:t>Inverse Kinematics Solution by Iterative Computation</a:t>
-            </a:r>
-            <a:endParaRPr kumimoji="1" lang="ja-JP" altLang="en-US" dirty="0"/>
-          </a:p>
-        </p:txBody>
-      </p:sp>
-      <p:sp>
-        <p:nvSpPr>
-          <p:cNvPr id="3" name="日付プレースホルダー 2">
-            <a:extLst>
-              <a:ext uri="{FF2B5EF4-FFF2-40B4-BE49-F238E27FC236}">
-                <a16:creationId xmlns:a16="http://schemas.microsoft.com/office/drawing/2014/main" id="{D0CA6070-F87A-4808-85F2-E49DEE57981E}"/>
-              </a:ext>
-            </a:extLst>
-          </p:cNvPr>
-          <p:cNvSpPr>
-            <a:spLocks noGrp="1"/>
-          </p:cNvSpPr>
-          <p:nvPr>
-            <p:ph type="dt" sz="half" idx="10"/>
-          </p:nvPr>
-        </p:nvSpPr>
-        <p:spPr/>
-        <p:txBody>
-          <a:bodyPr/>
-          <a:lstStyle/>
-          <a:p>
-            <a:r>
-              <a:rPr kumimoji="1" lang="en-US" altLang="ja-JP"/>
-              <a:t>2021-03-12</a:t>
-            </a:r>
-            <a:endParaRPr kumimoji="1" lang="ja-JP" altLang="en-US"/>
-          </a:p>
-        </p:txBody>
-      </p:sp>
-      <p:sp>
-        <p:nvSpPr>
-          <p:cNvPr id="4" name="フッター プレースホルダー 3">
-            <a:extLst>
-              <a:ext uri="{FF2B5EF4-FFF2-40B4-BE49-F238E27FC236}">
-                <a16:creationId xmlns:a16="http://schemas.microsoft.com/office/drawing/2014/main" id="{8D1456EB-2B9F-43FC-9EFD-775C2604BF21}"/>
-              </a:ext>
-            </a:extLst>
-          </p:cNvPr>
-          <p:cNvSpPr>
-            <a:spLocks noGrp="1"/>
-          </p:cNvSpPr>
-          <p:nvPr>
-            <p:ph type="ftr" sz="quarter" idx="11"/>
-          </p:nvPr>
-        </p:nvSpPr>
-        <p:spPr/>
-        <p:txBody>
-          <a:bodyPr/>
-          <a:lstStyle/>
-          <a:p>
-            <a:r>
-              <a:rPr kumimoji="1" lang="en-US" altLang="ja-JP"/>
-              <a:t>K.Naruse(UAizu) Robot Arm Kinematics: Theory</a:t>
-            </a:r>
-            <a:endParaRPr kumimoji="1" lang="ja-JP" altLang="en-US"/>
-          </a:p>
-        </p:txBody>
-      </p:sp>
-      <p:sp>
-        <p:nvSpPr>
-          <p:cNvPr id="5" name="スライド番号プレースホルダー 4">
-            <a:extLst>
-              <a:ext uri="{FF2B5EF4-FFF2-40B4-BE49-F238E27FC236}">
-                <a16:creationId xmlns:a16="http://schemas.microsoft.com/office/drawing/2014/main" id="{AD9A84FC-A5B8-40B1-820F-92B334340544}"/>
-              </a:ext>
-            </a:extLst>
-          </p:cNvPr>
-          <p:cNvSpPr>
-            <a:spLocks noGrp="1"/>
-          </p:cNvSpPr>
-          <p:nvPr>
-            <p:ph type="sldNum" sz="quarter" idx="12"/>
-          </p:nvPr>
-        </p:nvSpPr>
-        <p:spPr/>
-        <p:txBody>
-          <a:bodyPr/>
-          <a:lstStyle/>
-          <a:p>
-            <a:fld id="{CCD68D70-93DA-4EE4-9A1A-18650286EF01}" type="slidenum">
-              <a:rPr kumimoji="1" lang="ja-JP" altLang="en-US" smtClean="0"/>
-              <a:t>5</a:t>
-            </a:fld>
-            <a:endParaRPr kumimoji="1" lang="ja-JP" altLang="en-US"/>
-          </a:p>
-        </p:txBody>
-      </p:sp>
-      <p:cxnSp>
-        <p:nvCxnSpPr>
-          <p:cNvPr id="6" name="直線コネクタ 5">
-            <a:extLst>
-              <a:ext uri="{FF2B5EF4-FFF2-40B4-BE49-F238E27FC236}">
-                <a16:creationId xmlns:a16="http://schemas.microsoft.com/office/drawing/2014/main" id="{519B5C23-0004-4DF5-BB93-169CDCBE5FF0}"/>
-              </a:ext>
-            </a:extLst>
-          </p:cNvPr>
-          <p:cNvCxnSpPr>
-            <a:cxnSpLocks/>
-          </p:cNvCxnSpPr>
-          <p:nvPr/>
-        </p:nvCxnSpPr>
-        <p:spPr>
-          <a:xfrm flipV="1">
-            <a:off x="971600" y="5013160"/>
-            <a:ext cx="1440160" cy="720096"/>
-          </a:xfrm>
-          <a:prstGeom prst="line">
-            <a:avLst/>
-          </a:prstGeom>
-          <a:ln>
-            <a:solidFill>
-              <a:schemeClr val="tx1"/>
-            </a:solidFill>
-          </a:ln>
-        </p:spPr>
-        <p:style>
-          <a:lnRef idx="1">
-            <a:schemeClr val="accent1"/>
-          </a:lnRef>
-          <a:fillRef idx="0">
-            <a:schemeClr val="accent1"/>
-          </a:fillRef>
-          <a:effectRef idx="0">
-            <a:schemeClr val="accent1"/>
-          </a:effectRef>
-          <a:fontRef idx="minor">
-            <a:schemeClr val="tx1"/>
-          </a:fontRef>
-        </p:style>
-      </p:cxnSp>
-      <p:cxnSp>
-        <p:nvCxnSpPr>
-          <p:cNvPr id="7" name="直線コネクタ 6">
-            <a:extLst>
-              <a:ext uri="{FF2B5EF4-FFF2-40B4-BE49-F238E27FC236}">
-                <a16:creationId xmlns:a16="http://schemas.microsoft.com/office/drawing/2014/main" id="{BE4277F7-EAC2-4C29-8D2A-7941C45749B9}"/>
-              </a:ext>
-            </a:extLst>
-          </p:cNvPr>
-          <p:cNvCxnSpPr>
-            <a:cxnSpLocks/>
-          </p:cNvCxnSpPr>
-          <p:nvPr/>
-        </p:nvCxnSpPr>
-        <p:spPr>
-          <a:xfrm>
-            <a:off x="539552" y="5733256"/>
-            <a:ext cx="4032448" cy="8570"/>
-          </a:xfrm>
-          <a:prstGeom prst="line">
-            <a:avLst/>
-          </a:prstGeom>
-          <a:ln w="3175">
-            <a:solidFill>
-              <a:schemeClr val="tx1"/>
-            </a:solidFill>
-            <a:tailEnd type="triangle" w="lg" len="lg"/>
-          </a:ln>
-        </p:spPr>
-        <p:style>
-          <a:lnRef idx="1">
-            <a:schemeClr val="accent1"/>
-          </a:lnRef>
-          <a:fillRef idx="0">
-            <a:schemeClr val="accent1"/>
-          </a:fillRef>
-          <a:effectRef idx="0">
-            <a:schemeClr val="accent1"/>
-          </a:effectRef>
-          <a:fontRef idx="minor">
-            <a:schemeClr val="tx1"/>
-          </a:fontRef>
-        </p:style>
-      </p:cxnSp>
-      <p:cxnSp>
-        <p:nvCxnSpPr>
-          <p:cNvPr id="8" name="直線コネクタ 7">
-            <a:extLst>
-              <a:ext uri="{FF2B5EF4-FFF2-40B4-BE49-F238E27FC236}">
-                <a16:creationId xmlns:a16="http://schemas.microsoft.com/office/drawing/2014/main" id="{9567C460-8CC7-4843-8DED-AF6A94980795}"/>
-              </a:ext>
-            </a:extLst>
-          </p:cNvPr>
-          <p:cNvCxnSpPr>
-            <a:cxnSpLocks/>
-          </p:cNvCxnSpPr>
-          <p:nvPr/>
-        </p:nvCxnSpPr>
-        <p:spPr>
-          <a:xfrm flipV="1">
-            <a:off x="2411760" y="3573000"/>
-            <a:ext cx="720080" cy="1440160"/>
-          </a:xfrm>
-          <a:prstGeom prst="line">
-            <a:avLst/>
-          </a:prstGeom>
-          <a:ln>
-            <a:solidFill>
-              <a:schemeClr val="tx1"/>
-            </a:solidFill>
-          </a:ln>
-        </p:spPr>
-        <p:style>
-          <a:lnRef idx="1">
-            <a:schemeClr val="accent1"/>
-          </a:lnRef>
-          <a:fillRef idx="0">
-            <a:schemeClr val="accent1"/>
-          </a:fillRef>
-          <a:effectRef idx="0">
-            <a:schemeClr val="accent1"/>
-          </a:effectRef>
-          <a:fontRef idx="minor">
-            <a:schemeClr val="tx1"/>
-          </a:fontRef>
-        </p:style>
-      </p:cxnSp>
-      <p:cxnSp>
-        <p:nvCxnSpPr>
-          <p:cNvPr id="9" name="直線コネクタ 8">
-            <a:extLst>
-              <a:ext uri="{FF2B5EF4-FFF2-40B4-BE49-F238E27FC236}">
-                <a16:creationId xmlns:a16="http://schemas.microsoft.com/office/drawing/2014/main" id="{BC3A33F9-3959-4CA7-9530-FEBBBFF03077}"/>
-              </a:ext>
-            </a:extLst>
-          </p:cNvPr>
-          <p:cNvCxnSpPr>
-            <a:cxnSpLocks/>
-          </p:cNvCxnSpPr>
-          <p:nvPr/>
-        </p:nvCxnSpPr>
-        <p:spPr>
-          <a:xfrm flipH="1" flipV="1">
-            <a:off x="2411760" y="2132840"/>
-            <a:ext cx="720080" cy="1440160"/>
-          </a:xfrm>
-          <a:prstGeom prst="line">
-            <a:avLst/>
-          </a:prstGeom>
-          <a:ln>
-            <a:solidFill>
-              <a:schemeClr val="tx1"/>
-            </a:solidFill>
-          </a:ln>
-        </p:spPr>
-        <p:style>
-          <a:lnRef idx="1">
-            <a:schemeClr val="accent1"/>
-          </a:lnRef>
-          <a:fillRef idx="0">
-            <a:schemeClr val="accent1"/>
-          </a:fillRef>
-          <a:effectRef idx="0">
-            <a:schemeClr val="accent1"/>
-          </a:effectRef>
-          <a:fontRef idx="minor">
-            <a:schemeClr val="tx1"/>
-          </a:fontRef>
-        </p:style>
-      </p:cxnSp>
-      <p:cxnSp>
-        <p:nvCxnSpPr>
-          <p:cNvPr id="10" name="直線コネクタ 9">
-            <a:extLst>
-              <a:ext uri="{FF2B5EF4-FFF2-40B4-BE49-F238E27FC236}">
-                <a16:creationId xmlns:a16="http://schemas.microsoft.com/office/drawing/2014/main" id="{537672F8-FF09-43F5-9F65-F11111CB1713}"/>
-              </a:ext>
-            </a:extLst>
-          </p:cNvPr>
-          <p:cNvCxnSpPr>
-            <a:cxnSpLocks/>
-          </p:cNvCxnSpPr>
-          <p:nvPr/>
-        </p:nvCxnSpPr>
-        <p:spPr>
-          <a:xfrm flipV="1">
-            <a:off x="971600" y="4653120"/>
-            <a:ext cx="2160240" cy="1080136"/>
-          </a:xfrm>
-          <a:prstGeom prst="line">
-            <a:avLst/>
-          </a:prstGeom>
-          <a:ln w="3175">
-            <a:solidFill>
-              <a:schemeClr val="tx1"/>
-            </a:solidFill>
-          </a:ln>
-        </p:spPr>
-        <p:style>
-          <a:lnRef idx="1">
-            <a:schemeClr val="accent1"/>
-          </a:lnRef>
-          <a:fillRef idx="0">
-            <a:schemeClr val="accent1"/>
-          </a:fillRef>
-          <a:effectRef idx="0">
-            <a:schemeClr val="accent1"/>
-          </a:effectRef>
-          <a:fontRef idx="minor">
-            <a:schemeClr val="tx1"/>
-          </a:fontRef>
-        </p:style>
-      </p:cxnSp>
-      <p:cxnSp>
-        <p:nvCxnSpPr>
-          <p:cNvPr id="11" name="直線コネクタ 10">
-            <a:extLst>
-              <a:ext uri="{FF2B5EF4-FFF2-40B4-BE49-F238E27FC236}">
-                <a16:creationId xmlns:a16="http://schemas.microsoft.com/office/drawing/2014/main" id="{BEEFDB96-3F09-4F95-858D-14DC734B859A}"/>
-              </a:ext>
-            </a:extLst>
-          </p:cNvPr>
-          <p:cNvCxnSpPr>
-            <a:cxnSpLocks/>
-          </p:cNvCxnSpPr>
-          <p:nvPr/>
-        </p:nvCxnSpPr>
-        <p:spPr>
-          <a:xfrm flipV="1">
-            <a:off x="2411760" y="2564888"/>
-            <a:ext cx="1224136" cy="2448274"/>
-          </a:xfrm>
-          <a:prstGeom prst="line">
-            <a:avLst/>
-          </a:prstGeom>
-          <a:ln w="3175">
-            <a:solidFill>
-              <a:schemeClr val="tx1"/>
-            </a:solidFill>
-          </a:ln>
-        </p:spPr>
-        <p:style>
-          <a:lnRef idx="1">
-            <a:schemeClr val="accent1"/>
-          </a:lnRef>
-          <a:fillRef idx="0">
-            <a:schemeClr val="accent1"/>
-          </a:fillRef>
-          <a:effectRef idx="0">
-            <a:schemeClr val="accent1"/>
-          </a:effectRef>
-          <a:fontRef idx="minor">
-            <a:schemeClr val="tx1"/>
-          </a:fontRef>
-        </p:style>
-      </p:cxnSp>
-      <p:cxnSp>
-        <p:nvCxnSpPr>
-          <p:cNvPr id="12" name="直線コネクタ 11">
-            <a:extLst>
-              <a:ext uri="{FF2B5EF4-FFF2-40B4-BE49-F238E27FC236}">
-                <a16:creationId xmlns:a16="http://schemas.microsoft.com/office/drawing/2014/main" id="{1D16C6BE-6FEA-40B6-990C-84B5AF31CEE3}"/>
-              </a:ext>
-            </a:extLst>
-          </p:cNvPr>
-          <p:cNvCxnSpPr>
-            <a:cxnSpLocks/>
-          </p:cNvCxnSpPr>
-          <p:nvPr/>
-        </p:nvCxnSpPr>
-        <p:spPr>
-          <a:xfrm flipH="1" flipV="1">
-            <a:off x="2123728" y="1556776"/>
-            <a:ext cx="1008112" cy="2016224"/>
-          </a:xfrm>
-          <a:prstGeom prst="line">
-            <a:avLst/>
-          </a:prstGeom>
-          <a:ln w="3175">
-            <a:solidFill>
-              <a:schemeClr val="tx1"/>
-            </a:solidFill>
-          </a:ln>
-        </p:spPr>
-        <p:style>
-          <a:lnRef idx="1">
-            <a:schemeClr val="accent1"/>
-          </a:lnRef>
-          <a:fillRef idx="0">
-            <a:schemeClr val="accent1"/>
-          </a:fillRef>
-          <a:effectRef idx="0">
-            <a:schemeClr val="accent1"/>
-          </a:effectRef>
-          <a:fontRef idx="minor">
-            <a:schemeClr val="tx1"/>
-          </a:fontRef>
-        </p:style>
-      </p:cxnSp>
-      <p:sp>
-        <p:nvSpPr>
-          <p:cNvPr id="13" name="楕円 12">
-            <a:extLst>
-              <a:ext uri="{FF2B5EF4-FFF2-40B4-BE49-F238E27FC236}">
-                <a16:creationId xmlns:a16="http://schemas.microsoft.com/office/drawing/2014/main" id="{7690F2E3-38A2-40FA-B41B-A5045BDC9ED9}"/>
-              </a:ext>
-            </a:extLst>
-          </p:cNvPr>
-          <p:cNvSpPr>
-            <a:spLocks noChangeAspect="1"/>
-          </p:cNvSpPr>
-          <p:nvPr/>
-        </p:nvSpPr>
-        <p:spPr>
-          <a:xfrm>
-            <a:off x="2987856" y="3429016"/>
-            <a:ext cx="288000" cy="288000"/>
-          </a:xfrm>
-          <a:prstGeom prst="ellipse">
-            <a:avLst/>
-          </a:prstGeom>
-          <a:solidFill>
-            <a:schemeClr val="bg1"/>
-          </a:solidFill>
-          <a:ln w="9525">
-            <a:solidFill>
-              <a:schemeClr val="tx1"/>
-            </a:solidFill>
-          </a:ln>
-        </p:spPr>
-        <p:style>
-          <a:lnRef idx="2">
-            <a:schemeClr val="accent1">
-              <a:shade val="50000"/>
-            </a:schemeClr>
-          </a:lnRef>
-          <a:fillRef idx="1">
-            <a:schemeClr val="accent1"/>
-          </a:fillRef>
-          <a:effectRef idx="0">
-            <a:schemeClr val="accent1"/>
-          </a:effectRef>
-          <a:fontRef idx="minor">
-            <a:schemeClr val="lt1"/>
-          </a:fontRef>
-        </p:style>
-        <p:txBody>
-          <a:bodyPr rtlCol="0" anchor="t"/>
-          <a:lstStyle/>
-          <a:p>
-            <a:pPr algn="l"/>
-            <a:endParaRPr kumimoji="1" lang="ja-JP" altLang="en-US" dirty="0">
-              <a:solidFill>
-                <a:schemeClr val="tx1"/>
-              </a:solidFill>
-            </a:endParaRPr>
-          </a:p>
-        </p:txBody>
-      </p:sp>
-      <p:sp>
-        <p:nvSpPr>
-          <p:cNvPr id="14" name="楕円 13">
-            <a:extLst>
-              <a:ext uri="{FF2B5EF4-FFF2-40B4-BE49-F238E27FC236}">
-                <a16:creationId xmlns:a16="http://schemas.microsoft.com/office/drawing/2014/main" id="{C85CED5D-08C8-47B1-BA2E-EC3F1D953315}"/>
-              </a:ext>
-            </a:extLst>
-          </p:cNvPr>
-          <p:cNvSpPr>
-            <a:spLocks noChangeAspect="1"/>
-          </p:cNvSpPr>
-          <p:nvPr/>
-        </p:nvSpPr>
-        <p:spPr>
-          <a:xfrm>
-            <a:off x="2267744" y="4869144"/>
-            <a:ext cx="288000" cy="288000"/>
-          </a:xfrm>
-          <a:prstGeom prst="ellipse">
-            <a:avLst/>
-          </a:prstGeom>
-          <a:solidFill>
-            <a:schemeClr val="bg1"/>
-          </a:solidFill>
-          <a:ln w="9525">
-            <a:solidFill>
-              <a:schemeClr val="tx1"/>
-            </a:solidFill>
-          </a:ln>
-        </p:spPr>
-        <p:style>
-          <a:lnRef idx="2">
-            <a:schemeClr val="accent1">
-              <a:shade val="50000"/>
-            </a:schemeClr>
-          </a:lnRef>
-          <a:fillRef idx="1">
-            <a:schemeClr val="accent1"/>
-          </a:fillRef>
-          <a:effectRef idx="0">
-            <a:schemeClr val="accent1"/>
-          </a:effectRef>
-          <a:fontRef idx="minor">
-            <a:schemeClr val="lt1"/>
-          </a:fontRef>
-        </p:style>
-        <p:txBody>
-          <a:bodyPr rtlCol="0" anchor="t"/>
-          <a:lstStyle/>
-          <a:p>
-            <a:pPr algn="l"/>
-            <a:endParaRPr kumimoji="1" lang="ja-JP" altLang="en-US" dirty="0">
-              <a:solidFill>
-                <a:schemeClr val="tx1"/>
-              </a:solidFill>
-            </a:endParaRPr>
-          </a:p>
-        </p:txBody>
-      </p:sp>
-      <p:graphicFrame>
-        <p:nvGraphicFramePr>
-          <p:cNvPr id="15" name="オブジェクト 14">
-            <a:extLst>
-              <a:ext uri="{FF2B5EF4-FFF2-40B4-BE49-F238E27FC236}">
-                <a16:creationId xmlns:a16="http://schemas.microsoft.com/office/drawing/2014/main" id="{232AD542-E518-4520-9772-D68F295B919F}"/>
-              </a:ext>
-            </a:extLst>
-          </p:cNvPr>
-          <p:cNvGraphicFramePr>
-            <a:graphicFrameLocks noChangeAspect="1"/>
-          </p:cNvGraphicFramePr>
-          <p:nvPr>
-            <p:extLst>
-              <p:ext uri="{D42A27DB-BD31-4B8C-83A1-F6EECF244321}">
-                <p14:modId xmlns:p14="http://schemas.microsoft.com/office/powerpoint/2010/main" val="3133367673"/>
-              </p:ext>
-            </p:extLst>
-          </p:nvPr>
-        </p:nvGraphicFramePr>
-        <p:xfrm>
-          <a:off x="1773238" y="5389563"/>
-          <a:ext cx="228600" cy="361950"/>
-        </p:xfrm>
-        <a:graphic>
-          <a:graphicData uri="http://schemas.openxmlformats.org/presentationml/2006/ole">
-            <mc:AlternateContent xmlns:mc="http://schemas.openxmlformats.org/markup-compatibility/2006">
-              <mc:Choice xmlns:v="urn:schemas-microsoft-com:vml" Requires="v">
-                <p:oleObj name="Equation" r:id="rId2" imgW="152280" imgH="241200" progId="Equation.DSMT4">
-                  <p:embed/>
-                </p:oleObj>
-              </mc:Choice>
-              <mc:Fallback>
-                <p:oleObj name="Equation" r:id="rId2" imgW="152280" imgH="241200" progId="Equation.DSMT4">
-                  <p:embed/>
-                  <p:pic>
-                    <p:nvPicPr>
-                      <p:cNvPr id="15" name="オブジェクト 14">
-                        <a:extLst>
-                          <a:ext uri="{FF2B5EF4-FFF2-40B4-BE49-F238E27FC236}">
-                            <a16:creationId xmlns:a16="http://schemas.microsoft.com/office/drawing/2014/main" id="{660447B4-A47A-4D84-96C1-D72E5B8C58DA}"/>
-                          </a:ext>
-                        </a:extLst>
-                      </p:cNvPr>
-                      <p:cNvPicPr/>
-                      <p:nvPr/>
-                    </p:nvPicPr>
-                    <p:blipFill>
-                      <a:blip r:embed="rId3"/>
-                      <a:stretch>
-                        <a:fillRect/>
-                      </a:stretch>
-                    </p:blipFill>
-                    <p:spPr>
-                      <a:xfrm>
-                        <a:off x="1773238" y="5389563"/>
-                        <a:ext cx="228600" cy="361950"/>
-                      </a:xfrm>
-                      <a:prstGeom prst="rect">
-                        <a:avLst/>
-                      </a:prstGeom>
-                    </p:spPr>
-                  </p:pic>
-                </p:oleObj>
-              </mc:Fallback>
-            </mc:AlternateContent>
-          </a:graphicData>
-        </a:graphic>
-      </p:graphicFrame>
-      <p:sp>
-        <p:nvSpPr>
-          <p:cNvPr id="16" name="円弧 15">
-            <a:extLst>
-              <a:ext uri="{FF2B5EF4-FFF2-40B4-BE49-F238E27FC236}">
-                <a16:creationId xmlns:a16="http://schemas.microsoft.com/office/drawing/2014/main" id="{AF0B673C-E996-48F5-B580-90368EEA941A}"/>
-              </a:ext>
-            </a:extLst>
-          </p:cNvPr>
-          <p:cNvSpPr>
-            <a:spLocks noChangeAspect="1"/>
-          </p:cNvSpPr>
-          <p:nvPr/>
-        </p:nvSpPr>
-        <p:spPr>
-          <a:xfrm>
-            <a:off x="940656" y="5373296"/>
-            <a:ext cx="720000" cy="720000"/>
-          </a:xfrm>
-          <a:prstGeom prst="arc">
-            <a:avLst>
-              <a:gd name="adj1" fmla="val 18723435"/>
-              <a:gd name="adj2" fmla="val 0"/>
-            </a:avLst>
-          </a:prstGeom>
-          <a:ln>
-            <a:solidFill>
-              <a:srgbClr val="FF0000"/>
-            </a:solidFill>
-            <a:headEnd type="none" w="lg" len="lg"/>
-            <a:tailEnd type="triangle" w="lg" len="lg"/>
-          </a:ln>
-        </p:spPr>
-        <p:style>
-          <a:lnRef idx="1">
-            <a:schemeClr val="accent1"/>
-          </a:lnRef>
-          <a:fillRef idx="0">
-            <a:schemeClr val="accent1"/>
-          </a:fillRef>
-          <a:effectRef idx="0">
-            <a:schemeClr val="accent1"/>
-          </a:effectRef>
-          <a:fontRef idx="minor">
-            <a:schemeClr val="tx1"/>
-          </a:fontRef>
-        </p:style>
-        <p:txBody>
-          <a:bodyPr rtlCol="0" anchor="ctr"/>
-          <a:lstStyle/>
-          <a:p>
-            <a:pPr algn="ctr"/>
-            <a:endParaRPr kumimoji="1" lang="ja-JP" altLang="en-US"/>
-          </a:p>
-        </p:txBody>
-      </p:sp>
-      <p:sp>
-        <p:nvSpPr>
-          <p:cNvPr id="17" name="円弧 16">
-            <a:extLst>
-              <a:ext uri="{FF2B5EF4-FFF2-40B4-BE49-F238E27FC236}">
-                <a16:creationId xmlns:a16="http://schemas.microsoft.com/office/drawing/2014/main" id="{6230D43F-B358-4ACA-8BDB-4BB59F0A13BE}"/>
-              </a:ext>
-            </a:extLst>
-          </p:cNvPr>
-          <p:cNvSpPr>
-            <a:spLocks noChangeAspect="1"/>
-          </p:cNvSpPr>
-          <p:nvPr/>
-        </p:nvSpPr>
-        <p:spPr>
-          <a:xfrm>
-            <a:off x="2123728" y="4568153"/>
-            <a:ext cx="720000" cy="720000"/>
-          </a:xfrm>
-          <a:prstGeom prst="arc">
-            <a:avLst>
-              <a:gd name="adj1" fmla="val 17612764"/>
-              <a:gd name="adj2" fmla="val 20360500"/>
-            </a:avLst>
-          </a:prstGeom>
-          <a:ln>
-            <a:solidFill>
-              <a:srgbClr val="FF0000"/>
-            </a:solidFill>
-            <a:headEnd type="none" w="lg" len="lg"/>
-            <a:tailEnd type="triangle" w="lg" len="lg"/>
-          </a:ln>
-        </p:spPr>
-        <p:style>
-          <a:lnRef idx="1">
-            <a:schemeClr val="accent1"/>
-          </a:lnRef>
-          <a:fillRef idx="0">
-            <a:schemeClr val="accent1"/>
-          </a:fillRef>
-          <a:effectRef idx="0">
-            <a:schemeClr val="accent1"/>
-          </a:effectRef>
-          <a:fontRef idx="minor">
-            <a:schemeClr val="tx1"/>
-          </a:fontRef>
-        </p:style>
-        <p:txBody>
-          <a:bodyPr rtlCol="0" anchor="ctr"/>
-          <a:lstStyle/>
-          <a:p>
-            <a:pPr algn="ctr"/>
-            <a:endParaRPr kumimoji="1" lang="ja-JP" altLang="en-US"/>
-          </a:p>
-        </p:txBody>
-      </p:sp>
-      <p:graphicFrame>
-        <p:nvGraphicFramePr>
-          <p:cNvPr id="18" name="オブジェクト 17">
-            <a:extLst>
-              <a:ext uri="{FF2B5EF4-FFF2-40B4-BE49-F238E27FC236}">
-                <a16:creationId xmlns:a16="http://schemas.microsoft.com/office/drawing/2014/main" id="{024B1882-00CB-4647-880B-53954E2FADE8}"/>
-              </a:ext>
-            </a:extLst>
-          </p:cNvPr>
-          <p:cNvGraphicFramePr>
-            <a:graphicFrameLocks noChangeAspect="1"/>
-          </p:cNvGraphicFramePr>
-          <p:nvPr>
-            <p:extLst>
-              <p:ext uri="{D42A27DB-BD31-4B8C-83A1-F6EECF244321}">
-                <p14:modId xmlns:p14="http://schemas.microsoft.com/office/powerpoint/2010/main" val="1290613679"/>
-              </p:ext>
-            </p:extLst>
-          </p:nvPr>
-        </p:nvGraphicFramePr>
-        <p:xfrm>
-          <a:off x="2833688" y="4346575"/>
-          <a:ext cx="247650" cy="361950"/>
-        </p:xfrm>
-        <a:graphic>
-          <a:graphicData uri="http://schemas.openxmlformats.org/presentationml/2006/ole">
-            <mc:AlternateContent xmlns:mc="http://schemas.openxmlformats.org/markup-compatibility/2006">
-              <mc:Choice xmlns:v="urn:schemas-microsoft-com:vml" Requires="v">
-                <p:oleObj name="Equation" r:id="rId4" imgW="164880" imgH="241200" progId="Equation.DSMT4">
-                  <p:embed/>
-                </p:oleObj>
-              </mc:Choice>
-              <mc:Fallback>
-                <p:oleObj name="Equation" r:id="rId4" imgW="164880" imgH="241200" progId="Equation.DSMT4">
-                  <p:embed/>
-                  <p:pic>
-                    <p:nvPicPr>
-                      <p:cNvPr id="18" name="オブジェクト 17">
-                        <a:extLst>
-                          <a:ext uri="{FF2B5EF4-FFF2-40B4-BE49-F238E27FC236}">
-                            <a16:creationId xmlns:a16="http://schemas.microsoft.com/office/drawing/2014/main" id="{0911BA82-0CB2-4D74-B8D8-A677AA024954}"/>
-                          </a:ext>
-                        </a:extLst>
-                      </p:cNvPr>
-                      <p:cNvPicPr/>
-                      <p:nvPr/>
-                    </p:nvPicPr>
-                    <p:blipFill>
-                      <a:blip r:embed="rId5"/>
-                      <a:stretch>
-                        <a:fillRect/>
-                      </a:stretch>
-                    </p:blipFill>
-                    <p:spPr>
-                      <a:xfrm>
-                        <a:off x="2833688" y="4346575"/>
-                        <a:ext cx="247650" cy="361950"/>
-                      </a:xfrm>
-                      <a:prstGeom prst="rect">
-                        <a:avLst/>
-                      </a:prstGeom>
-                    </p:spPr>
-                  </p:pic>
-                </p:oleObj>
-              </mc:Fallback>
-            </mc:AlternateContent>
-          </a:graphicData>
-        </a:graphic>
-      </p:graphicFrame>
-      <p:graphicFrame>
-        <p:nvGraphicFramePr>
-          <p:cNvPr id="19" name="オブジェクト 18">
-            <a:extLst>
-              <a:ext uri="{FF2B5EF4-FFF2-40B4-BE49-F238E27FC236}">
-                <a16:creationId xmlns:a16="http://schemas.microsoft.com/office/drawing/2014/main" id="{E2B5CA62-EE8A-4675-9673-C373CEAFD608}"/>
-              </a:ext>
-            </a:extLst>
-          </p:cNvPr>
-          <p:cNvGraphicFramePr>
-            <a:graphicFrameLocks noChangeAspect="1"/>
-          </p:cNvGraphicFramePr>
-          <p:nvPr>
-            <p:extLst>
-              <p:ext uri="{D42A27DB-BD31-4B8C-83A1-F6EECF244321}">
-                <p14:modId xmlns:p14="http://schemas.microsoft.com/office/powerpoint/2010/main" val="3087595289"/>
-              </p:ext>
-            </p:extLst>
-          </p:nvPr>
-        </p:nvGraphicFramePr>
-        <p:xfrm>
-          <a:off x="3063875" y="2752725"/>
-          <a:ext cx="247650" cy="361950"/>
-        </p:xfrm>
-        <a:graphic>
-          <a:graphicData uri="http://schemas.openxmlformats.org/presentationml/2006/ole">
-            <mc:AlternateContent xmlns:mc="http://schemas.openxmlformats.org/markup-compatibility/2006">
-              <mc:Choice xmlns:v="urn:schemas-microsoft-com:vml" Requires="v">
-                <p:oleObj name="Equation" r:id="rId6" imgW="164880" imgH="241200" progId="Equation.DSMT4">
-                  <p:embed/>
-                </p:oleObj>
-              </mc:Choice>
-              <mc:Fallback>
-                <p:oleObj name="Equation" r:id="rId6" imgW="164880" imgH="241200" progId="Equation.DSMT4">
-                  <p:embed/>
-                  <p:pic>
-                    <p:nvPicPr>
-                      <p:cNvPr id="19" name="オブジェクト 18">
-                        <a:extLst>
-                          <a:ext uri="{FF2B5EF4-FFF2-40B4-BE49-F238E27FC236}">
-                            <a16:creationId xmlns:a16="http://schemas.microsoft.com/office/drawing/2014/main" id="{83C96FCA-4C06-455F-A3B8-641EF19C2FA6}"/>
-                          </a:ext>
-                        </a:extLst>
-                      </p:cNvPr>
-                      <p:cNvPicPr/>
-                      <p:nvPr/>
-                    </p:nvPicPr>
-                    <p:blipFill>
-                      <a:blip r:embed="rId7"/>
-                      <a:stretch>
-                        <a:fillRect/>
-                      </a:stretch>
-                    </p:blipFill>
-                    <p:spPr>
-                      <a:xfrm>
-                        <a:off x="3063875" y="2752725"/>
-                        <a:ext cx="247650" cy="361950"/>
-                      </a:xfrm>
-                      <a:prstGeom prst="rect">
-                        <a:avLst/>
-                      </a:prstGeom>
-                    </p:spPr>
-                  </p:pic>
-                </p:oleObj>
-              </mc:Fallback>
-            </mc:AlternateContent>
-          </a:graphicData>
-        </a:graphic>
-      </p:graphicFrame>
-      <p:sp>
-        <p:nvSpPr>
-          <p:cNvPr id="20" name="円弧 19">
-            <a:extLst>
-              <a:ext uri="{FF2B5EF4-FFF2-40B4-BE49-F238E27FC236}">
-                <a16:creationId xmlns:a16="http://schemas.microsoft.com/office/drawing/2014/main" id="{499D056E-A2DE-41E9-830E-2DA16E0BBEE9}"/>
-              </a:ext>
-            </a:extLst>
-          </p:cNvPr>
-          <p:cNvSpPr>
-            <a:spLocks noChangeAspect="1"/>
-          </p:cNvSpPr>
-          <p:nvPr/>
-        </p:nvSpPr>
-        <p:spPr>
-          <a:xfrm>
-            <a:off x="2804393" y="3110179"/>
-            <a:ext cx="720000" cy="720000"/>
-          </a:xfrm>
-          <a:prstGeom prst="arc">
-            <a:avLst>
-              <a:gd name="adj1" fmla="val 14315737"/>
-              <a:gd name="adj2" fmla="val 17979227"/>
-            </a:avLst>
-          </a:prstGeom>
-          <a:ln>
-            <a:solidFill>
-              <a:srgbClr val="FF0000"/>
-            </a:solidFill>
-            <a:headEnd type="none" w="lg" len="lg"/>
-            <a:tailEnd type="triangle" w="lg" len="lg"/>
-          </a:ln>
-        </p:spPr>
-        <p:style>
-          <a:lnRef idx="1">
-            <a:schemeClr val="accent1"/>
-          </a:lnRef>
-          <a:fillRef idx="0">
-            <a:schemeClr val="accent1"/>
-          </a:fillRef>
-          <a:effectRef idx="0">
-            <a:schemeClr val="accent1"/>
-          </a:effectRef>
-          <a:fontRef idx="minor">
-            <a:schemeClr val="tx1"/>
-          </a:fontRef>
-        </p:style>
-        <p:txBody>
-          <a:bodyPr rtlCol="0" anchor="ctr"/>
-          <a:lstStyle/>
-          <a:p>
-            <a:pPr algn="ctr"/>
-            <a:endParaRPr kumimoji="1" lang="ja-JP" altLang="en-US"/>
-          </a:p>
-        </p:txBody>
-      </p:sp>
-      <p:cxnSp>
-        <p:nvCxnSpPr>
-          <p:cNvPr id="21" name="直線コネクタ 20">
-            <a:extLst>
-              <a:ext uri="{FF2B5EF4-FFF2-40B4-BE49-F238E27FC236}">
-                <a16:creationId xmlns:a16="http://schemas.microsoft.com/office/drawing/2014/main" id="{88ED69BA-06D4-4C66-BC59-D187476C6950}"/>
-              </a:ext>
-            </a:extLst>
-          </p:cNvPr>
-          <p:cNvCxnSpPr>
-            <a:cxnSpLocks/>
-          </p:cNvCxnSpPr>
-          <p:nvPr/>
-        </p:nvCxnSpPr>
-        <p:spPr>
-          <a:xfrm flipH="1">
-            <a:off x="1691680" y="2132840"/>
-            <a:ext cx="1440160" cy="0"/>
-          </a:xfrm>
-          <a:prstGeom prst="line">
-            <a:avLst/>
-          </a:prstGeom>
-          <a:ln w="3175">
-            <a:solidFill>
-              <a:schemeClr val="tx1"/>
-            </a:solidFill>
-          </a:ln>
-        </p:spPr>
-        <p:style>
-          <a:lnRef idx="1">
-            <a:schemeClr val="accent1"/>
-          </a:lnRef>
-          <a:fillRef idx="0">
-            <a:schemeClr val="accent1"/>
-          </a:fillRef>
-          <a:effectRef idx="0">
-            <a:schemeClr val="accent1"/>
-          </a:effectRef>
-          <a:fontRef idx="minor">
-            <a:schemeClr val="tx1"/>
-          </a:fontRef>
-        </p:style>
-      </p:cxnSp>
-      <p:sp>
-        <p:nvSpPr>
-          <p:cNvPr id="22" name="楕円 21">
-            <a:extLst>
-              <a:ext uri="{FF2B5EF4-FFF2-40B4-BE49-F238E27FC236}">
-                <a16:creationId xmlns:a16="http://schemas.microsoft.com/office/drawing/2014/main" id="{7BCAE748-3A40-48AB-972D-3D4D9F448C1A}"/>
-              </a:ext>
-            </a:extLst>
-          </p:cNvPr>
-          <p:cNvSpPr>
-            <a:spLocks noChangeAspect="1"/>
-          </p:cNvSpPr>
-          <p:nvPr/>
-        </p:nvSpPr>
-        <p:spPr>
-          <a:xfrm>
-            <a:off x="2267744" y="1988824"/>
-            <a:ext cx="288000" cy="288000"/>
-          </a:xfrm>
-          <a:prstGeom prst="ellipse">
-            <a:avLst/>
-          </a:prstGeom>
-          <a:solidFill>
-            <a:schemeClr val="bg1"/>
-          </a:solidFill>
-          <a:ln w="9525">
-            <a:solidFill>
-              <a:schemeClr val="tx1"/>
-            </a:solidFill>
-          </a:ln>
-        </p:spPr>
-        <p:style>
-          <a:lnRef idx="2">
-            <a:schemeClr val="accent1">
-              <a:shade val="50000"/>
-            </a:schemeClr>
-          </a:lnRef>
-          <a:fillRef idx="1">
-            <a:schemeClr val="accent1"/>
-          </a:fillRef>
-          <a:effectRef idx="0">
-            <a:schemeClr val="accent1"/>
-          </a:effectRef>
-          <a:fontRef idx="minor">
-            <a:schemeClr val="lt1"/>
-          </a:fontRef>
-        </p:style>
-        <p:txBody>
-          <a:bodyPr rtlCol="0" anchor="t"/>
-          <a:lstStyle/>
-          <a:p>
-            <a:pPr algn="l"/>
-            <a:endParaRPr kumimoji="1" lang="ja-JP" altLang="en-US" dirty="0">
-              <a:solidFill>
-                <a:schemeClr val="tx1"/>
-              </a:solidFill>
-            </a:endParaRPr>
-          </a:p>
-        </p:txBody>
-      </p:sp>
-      <p:graphicFrame>
-        <p:nvGraphicFramePr>
-          <p:cNvPr id="23" name="オブジェクト 22">
-            <a:extLst>
-              <a:ext uri="{FF2B5EF4-FFF2-40B4-BE49-F238E27FC236}">
-                <a16:creationId xmlns:a16="http://schemas.microsoft.com/office/drawing/2014/main" id="{C7C66C22-3B70-4712-9705-DB2C3B0534EA}"/>
-              </a:ext>
-            </a:extLst>
-          </p:cNvPr>
-          <p:cNvGraphicFramePr>
-            <a:graphicFrameLocks noChangeAspect="1"/>
-          </p:cNvGraphicFramePr>
-          <p:nvPr>
-            <p:extLst>
-              <p:ext uri="{D42A27DB-BD31-4B8C-83A1-F6EECF244321}">
-                <p14:modId xmlns:p14="http://schemas.microsoft.com/office/powerpoint/2010/main" val="4142903359"/>
-              </p:ext>
-            </p:extLst>
-          </p:nvPr>
-        </p:nvGraphicFramePr>
-        <p:xfrm>
-          <a:off x="2738438" y="1524000"/>
-          <a:ext cx="190500" cy="304800"/>
-        </p:xfrm>
-        <a:graphic>
-          <a:graphicData uri="http://schemas.openxmlformats.org/presentationml/2006/ole">
-            <mc:AlternateContent xmlns:mc="http://schemas.openxmlformats.org/markup-compatibility/2006">
-              <mc:Choice xmlns:v="urn:schemas-microsoft-com:vml" Requires="v">
-                <p:oleObj name="Equation" r:id="rId8" imgW="126720" imgH="203040" progId="Equation.DSMT4">
-                  <p:embed/>
-                </p:oleObj>
-              </mc:Choice>
-              <mc:Fallback>
-                <p:oleObj name="Equation" r:id="rId8" imgW="126720" imgH="203040" progId="Equation.DSMT4">
-                  <p:embed/>
-                  <p:pic>
-                    <p:nvPicPr>
-                      <p:cNvPr id="23" name="オブジェクト 22">
-                        <a:extLst>
-                          <a:ext uri="{FF2B5EF4-FFF2-40B4-BE49-F238E27FC236}">
-                            <a16:creationId xmlns:a16="http://schemas.microsoft.com/office/drawing/2014/main" id="{BAE35A59-F83B-42E8-81A5-80DB041A4FF2}"/>
-                          </a:ext>
-                        </a:extLst>
-                      </p:cNvPr>
-                      <p:cNvPicPr/>
-                      <p:nvPr/>
-                    </p:nvPicPr>
-                    <p:blipFill>
-                      <a:blip r:embed="rId9"/>
-                      <a:stretch>
-                        <a:fillRect/>
-                      </a:stretch>
-                    </p:blipFill>
-                    <p:spPr>
-                      <a:xfrm>
-                        <a:off x="2738438" y="1524000"/>
-                        <a:ext cx="190500" cy="304800"/>
-                      </a:xfrm>
-                      <a:prstGeom prst="rect">
-                        <a:avLst/>
-                      </a:prstGeom>
-                    </p:spPr>
-                  </p:pic>
-                </p:oleObj>
-              </mc:Fallback>
-            </mc:AlternateContent>
-          </a:graphicData>
-        </a:graphic>
-      </p:graphicFrame>
-      <p:sp>
-        <p:nvSpPr>
-          <p:cNvPr id="24" name="円弧 23">
-            <a:extLst>
-              <a:ext uri="{FF2B5EF4-FFF2-40B4-BE49-F238E27FC236}">
-                <a16:creationId xmlns:a16="http://schemas.microsoft.com/office/drawing/2014/main" id="{582EE0ED-0678-429B-989B-623A3F6F81D1}"/>
-              </a:ext>
-            </a:extLst>
-          </p:cNvPr>
-          <p:cNvSpPr>
-            <a:spLocks noChangeAspect="1"/>
-          </p:cNvSpPr>
-          <p:nvPr/>
-        </p:nvSpPr>
-        <p:spPr>
-          <a:xfrm>
-            <a:off x="2074987" y="1773071"/>
-            <a:ext cx="720000" cy="720000"/>
-          </a:xfrm>
-          <a:prstGeom prst="arc">
-            <a:avLst>
-              <a:gd name="adj1" fmla="val 14431860"/>
-              <a:gd name="adj2" fmla="val 19540950"/>
-            </a:avLst>
-          </a:prstGeom>
-          <a:ln>
-            <a:solidFill>
-              <a:srgbClr val="FF0000"/>
-            </a:solidFill>
-            <a:headEnd type="none" w="lg" len="lg"/>
-            <a:tailEnd type="triangle" w="lg" len="lg"/>
-          </a:ln>
-        </p:spPr>
-        <p:style>
-          <a:lnRef idx="1">
-            <a:schemeClr val="accent1"/>
-          </a:lnRef>
-          <a:fillRef idx="0">
-            <a:schemeClr val="accent1"/>
-          </a:fillRef>
-          <a:effectRef idx="0">
-            <a:schemeClr val="accent1"/>
-          </a:effectRef>
-          <a:fontRef idx="minor">
-            <a:schemeClr val="tx1"/>
-          </a:fontRef>
-        </p:style>
-        <p:txBody>
-          <a:bodyPr rtlCol="0" anchor="ctr"/>
-          <a:lstStyle/>
-          <a:p>
-            <a:pPr algn="ctr"/>
-            <a:endParaRPr kumimoji="1" lang="ja-JP" altLang="en-US"/>
-          </a:p>
-        </p:txBody>
-      </p:sp>
-      <p:graphicFrame>
-        <p:nvGraphicFramePr>
-          <p:cNvPr id="25" name="オブジェクト 24">
-            <a:extLst>
-              <a:ext uri="{FF2B5EF4-FFF2-40B4-BE49-F238E27FC236}">
-                <a16:creationId xmlns:a16="http://schemas.microsoft.com/office/drawing/2014/main" id="{3DF3A1C6-FCB5-43C2-8937-8839A9D0FA23}"/>
-              </a:ext>
-            </a:extLst>
-          </p:cNvPr>
-          <p:cNvGraphicFramePr>
-            <a:graphicFrameLocks noChangeAspect="1"/>
-          </p:cNvGraphicFramePr>
-          <p:nvPr>
-            <p:extLst>
-              <p:ext uri="{D42A27DB-BD31-4B8C-83A1-F6EECF244321}">
-                <p14:modId xmlns:p14="http://schemas.microsoft.com/office/powerpoint/2010/main" val="2169826330"/>
-              </p:ext>
-            </p:extLst>
-          </p:nvPr>
-        </p:nvGraphicFramePr>
-        <p:xfrm>
-          <a:off x="1107180" y="2664703"/>
-          <a:ext cx="1600200" cy="952500"/>
-        </p:xfrm>
-        <a:graphic>
-          <a:graphicData uri="http://schemas.openxmlformats.org/presentationml/2006/ole">
-            <mc:AlternateContent xmlns:mc="http://schemas.openxmlformats.org/markup-compatibility/2006">
-              <mc:Choice xmlns:v="urn:schemas-microsoft-com:vml" Requires="v">
-                <p:oleObj name="Equation" r:id="rId10" imgW="1066680" imgH="634680" progId="Equation.DSMT4">
-                  <p:embed/>
-                </p:oleObj>
-              </mc:Choice>
-              <mc:Fallback>
-                <p:oleObj name="Equation" r:id="rId10" imgW="1066680" imgH="634680" progId="Equation.DSMT4">
-                  <p:embed/>
-                  <p:pic>
-                    <p:nvPicPr>
-                      <p:cNvPr id="25" name="オブジェクト 24">
-                        <a:extLst>
-                          <a:ext uri="{FF2B5EF4-FFF2-40B4-BE49-F238E27FC236}">
-                            <a16:creationId xmlns:a16="http://schemas.microsoft.com/office/drawing/2014/main" id="{66EA3D5D-0188-4D5E-9052-00160AAEF9EA}"/>
-                          </a:ext>
-                        </a:extLst>
-                      </p:cNvPr>
-                      <p:cNvPicPr/>
-                      <p:nvPr/>
-                    </p:nvPicPr>
-                    <p:blipFill>
-                      <a:blip r:embed="rId11"/>
-                      <a:stretch>
-                        <a:fillRect/>
-                      </a:stretch>
-                    </p:blipFill>
-                    <p:spPr>
-                      <a:xfrm>
-                        <a:off x="1107180" y="2664703"/>
-                        <a:ext cx="1600200" cy="952500"/>
-                      </a:xfrm>
-                      <a:prstGeom prst="rect">
-                        <a:avLst/>
-                      </a:prstGeom>
-                    </p:spPr>
-                  </p:pic>
-                </p:oleObj>
-              </mc:Fallback>
-            </mc:AlternateContent>
-          </a:graphicData>
-        </a:graphic>
-      </p:graphicFrame>
-      <p:cxnSp>
-        <p:nvCxnSpPr>
-          <p:cNvPr id="26" name="直線コネクタ 25">
-            <a:extLst>
-              <a:ext uri="{FF2B5EF4-FFF2-40B4-BE49-F238E27FC236}">
-                <a16:creationId xmlns:a16="http://schemas.microsoft.com/office/drawing/2014/main" id="{687A541A-1658-4636-9C6F-71C8D5B14356}"/>
-              </a:ext>
-            </a:extLst>
-          </p:cNvPr>
-          <p:cNvCxnSpPr>
-            <a:cxnSpLocks/>
-          </p:cNvCxnSpPr>
-          <p:nvPr/>
-        </p:nvCxnSpPr>
-        <p:spPr>
-          <a:xfrm flipV="1">
-            <a:off x="971584" y="2132824"/>
-            <a:ext cx="0" cy="3960472"/>
-          </a:xfrm>
-          <a:prstGeom prst="line">
-            <a:avLst/>
-          </a:prstGeom>
-          <a:ln w="3175">
-            <a:solidFill>
-              <a:schemeClr val="tx1"/>
-            </a:solidFill>
-            <a:tailEnd type="triangle" w="lg" len="lg"/>
-          </a:ln>
-        </p:spPr>
-        <p:style>
-          <a:lnRef idx="1">
-            <a:schemeClr val="accent1"/>
-          </a:lnRef>
-          <a:fillRef idx="0">
-            <a:schemeClr val="accent1"/>
-          </a:fillRef>
-          <a:effectRef idx="0">
-            <a:schemeClr val="accent1"/>
-          </a:effectRef>
-          <a:fontRef idx="minor">
-            <a:schemeClr val="tx1"/>
-          </a:fontRef>
-        </p:style>
-      </p:cxnSp>
-      <p:graphicFrame>
-        <p:nvGraphicFramePr>
-          <p:cNvPr id="28" name="オブジェクト 27">
-            <a:extLst>
-              <a:ext uri="{FF2B5EF4-FFF2-40B4-BE49-F238E27FC236}">
-                <a16:creationId xmlns:a16="http://schemas.microsoft.com/office/drawing/2014/main" id="{CA99702F-D56F-49CA-93BD-E1B6F7337AC2}"/>
-              </a:ext>
-            </a:extLst>
-          </p:cNvPr>
-          <p:cNvGraphicFramePr>
-            <a:graphicFrameLocks noChangeAspect="1"/>
-          </p:cNvGraphicFramePr>
-          <p:nvPr>
-            <p:extLst>
-              <p:ext uri="{D42A27DB-BD31-4B8C-83A1-F6EECF244321}">
-                <p14:modId xmlns:p14="http://schemas.microsoft.com/office/powerpoint/2010/main" val="1295869297"/>
-              </p:ext>
-            </p:extLst>
-          </p:nvPr>
-        </p:nvGraphicFramePr>
-        <p:xfrm>
-          <a:off x="4211960" y="5818558"/>
-          <a:ext cx="190080" cy="209520"/>
-        </p:xfrm>
-        <a:graphic>
-          <a:graphicData uri="http://schemas.openxmlformats.org/presentationml/2006/ole">
-            <mc:AlternateContent xmlns:mc="http://schemas.openxmlformats.org/markup-compatibility/2006">
-              <mc:Choice xmlns:v="urn:schemas-microsoft-com:vml" Requires="v">
-                <p:oleObj name="Equation" r:id="rId12" imgW="126720" imgH="139680" progId="Equation.DSMT4">
-                  <p:embed/>
-                </p:oleObj>
-              </mc:Choice>
-              <mc:Fallback>
-                <p:oleObj name="Equation" r:id="rId12" imgW="126720" imgH="139680" progId="Equation.DSMT4">
-                  <p:embed/>
-                  <p:pic>
-                    <p:nvPicPr>
-                      <p:cNvPr id="28" name="オブジェクト 27">
-                        <a:extLst>
-                          <a:ext uri="{FF2B5EF4-FFF2-40B4-BE49-F238E27FC236}">
-                            <a16:creationId xmlns:a16="http://schemas.microsoft.com/office/drawing/2014/main" id="{B9C778BF-360E-49BD-92F0-5BC5BE17D116}"/>
-                          </a:ext>
-                        </a:extLst>
-                      </p:cNvPr>
-                      <p:cNvPicPr/>
-                      <p:nvPr/>
-                    </p:nvPicPr>
-                    <p:blipFill>
-                      <a:blip r:embed="rId13"/>
-                      <a:stretch>
-                        <a:fillRect/>
-                      </a:stretch>
-                    </p:blipFill>
-                    <p:spPr>
-                      <a:xfrm>
-                        <a:off x="4211960" y="5818558"/>
-                        <a:ext cx="190080" cy="209520"/>
-                      </a:xfrm>
-                      <a:prstGeom prst="rect">
-                        <a:avLst/>
-                      </a:prstGeom>
-                    </p:spPr>
-                  </p:pic>
-                </p:oleObj>
-              </mc:Fallback>
-            </mc:AlternateContent>
-          </a:graphicData>
-        </a:graphic>
-      </p:graphicFrame>
-      <p:graphicFrame>
-        <p:nvGraphicFramePr>
-          <p:cNvPr id="29" name="オブジェクト 28">
-            <a:extLst>
-              <a:ext uri="{FF2B5EF4-FFF2-40B4-BE49-F238E27FC236}">
-                <a16:creationId xmlns:a16="http://schemas.microsoft.com/office/drawing/2014/main" id="{68A0FD7D-B394-47B4-B9B3-D72E368989E1}"/>
-              </a:ext>
-            </a:extLst>
-          </p:cNvPr>
-          <p:cNvGraphicFramePr>
-            <a:graphicFrameLocks noChangeAspect="1"/>
-          </p:cNvGraphicFramePr>
-          <p:nvPr>
-            <p:extLst>
-              <p:ext uri="{D42A27DB-BD31-4B8C-83A1-F6EECF244321}">
-                <p14:modId xmlns:p14="http://schemas.microsoft.com/office/powerpoint/2010/main" val="3345958788"/>
-              </p:ext>
-            </p:extLst>
-          </p:nvPr>
-        </p:nvGraphicFramePr>
-        <p:xfrm>
-          <a:off x="733425" y="2336800"/>
-          <a:ext cx="209550" cy="247650"/>
-        </p:xfrm>
-        <a:graphic>
-          <a:graphicData uri="http://schemas.openxmlformats.org/presentationml/2006/ole">
-            <mc:AlternateContent xmlns:mc="http://schemas.openxmlformats.org/markup-compatibility/2006">
-              <mc:Choice xmlns:v="urn:schemas-microsoft-com:vml" Requires="v">
-                <p:oleObj name="Equation" r:id="rId14" imgW="139680" imgH="164880" progId="Equation.DSMT4">
-                  <p:embed/>
-                </p:oleObj>
-              </mc:Choice>
-              <mc:Fallback>
-                <p:oleObj name="Equation" r:id="rId14" imgW="139680" imgH="164880" progId="Equation.DSMT4">
-                  <p:embed/>
-                  <p:pic>
-                    <p:nvPicPr>
-                      <p:cNvPr id="29" name="オブジェクト 28">
-                        <a:extLst>
-                          <a:ext uri="{FF2B5EF4-FFF2-40B4-BE49-F238E27FC236}">
-                            <a16:creationId xmlns:a16="http://schemas.microsoft.com/office/drawing/2014/main" id="{78C73209-BB39-4033-BC58-1B89CBAA69A8}"/>
-                          </a:ext>
-                        </a:extLst>
-                      </p:cNvPr>
-                      <p:cNvPicPr/>
-                      <p:nvPr/>
-                    </p:nvPicPr>
-                    <p:blipFill>
-                      <a:blip r:embed="rId15"/>
-                      <a:stretch>
-                        <a:fillRect/>
-                      </a:stretch>
-                    </p:blipFill>
-                    <p:spPr>
-                      <a:xfrm>
-                        <a:off x="733425" y="2336800"/>
-                        <a:ext cx="209550" cy="247650"/>
-                      </a:xfrm>
-                      <a:prstGeom prst="rect">
-                        <a:avLst/>
-                      </a:prstGeom>
-                    </p:spPr>
-                  </p:pic>
-                </p:oleObj>
-              </mc:Fallback>
-            </mc:AlternateContent>
-          </a:graphicData>
-        </a:graphic>
-      </p:graphicFrame>
-      <p:graphicFrame>
-        <p:nvGraphicFramePr>
-          <p:cNvPr id="30" name="オブジェクト 29">
-            <a:extLst>
-              <a:ext uri="{FF2B5EF4-FFF2-40B4-BE49-F238E27FC236}">
-                <a16:creationId xmlns:a16="http://schemas.microsoft.com/office/drawing/2014/main" id="{BE62F4AB-96F1-4123-B1C6-C7CC3633169E}"/>
-              </a:ext>
-            </a:extLst>
-          </p:cNvPr>
-          <p:cNvGraphicFramePr>
-            <a:graphicFrameLocks noChangeAspect="1"/>
-          </p:cNvGraphicFramePr>
-          <p:nvPr>
-            <p:extLst>
-              <p:ext uri="{D42A27DB-BD31-4B8C-83A1-F6EECF244321}">
-                <p14:modId xmlns:p14="http://schemas.microsoft.com/office/powerpoint/2010/main" val="3934519017"/>
-              </p:ext>
-            </p:extLst>
-          </p:nvPr>
-        </p:nvGraphicFramePr>
-        <p:xfrm>
-          <a:off x="693620" y="5840196"/>
-          <a:ext cx="190500" cy="209550"/>
-        </p:xfrm>
-        <a:graphic>
-          <a:graphicData uri="http://schemas.openxmlformats.org/presentationml/2006/ole">
-            <mc:AlternateContent xmlns:mc="http://schemas.openxmlformats.org/markup-compatibility/2006">
-              <mc:Choice xmlns:v="urn:schemas-microsoft-com:vml" Requires="v">
-                <p:oleObj name="Equation" r:id="rId16" imgW="126720" imgH="139680" progId="Equation.DSMT4">
-                  <p:embed/>
-                </p:oleObj>
-              </mc:Choice>
-              <mc:Fallback>
-                <p:oleObj name="Equation" r:id="rId16" imgW="126720" imgH="139680" progId="Equation.DSMT4">
-                  <p:embed/>
-                  <p:pic>
-                    <p:nvPicPr>
-                      <p:cNvPr id="30" name="オブジェクト 29">
-                        <a:extLst>
-                          <a:ext uri="{FF2B5EF4-FFF2-40B4-BE49-F238E27FC236}">
-                            <a16:creationId xmlns:a16="http://schemas.microsoft.com/office/drawing/2014/main" id="{CC63375A-2603-463E-B029-98F7E48F1D84}"/>
-                          </a:ext>
-                        </a:extLst>
-                      </p:cNvPr>
-                      <p:cNvPicPr/>
-                      <p:nvPr/>
-                    </p:nvPicPr>
-                    <p:blipFill>
-                      <a:blip r:embed="rId17"/>
-                      <a:stretch>
-                        <a:fillRect/>
-                      </a:stretch>
-                    </p:blipFill>
-                    <p:spPr>
-                      <a:xfrm>
-                        <a:off x="693620" y="5840196"/>
-                        <a:ext cx="190500" cy="209550"/>
-                      </a:xfrm>
-                      <a:prstGeom prst="rect">
-                        <a:avLst/>
-                      </a:prstGeom>
-                    </p:spPr>
-                  </p:pic>
-                </p:oleObj>
-              </mc:Fallback>
-            </mc:AlternateContent>
-          </a:graphicData>
-        </a:graphic>
-      </p:graphicFrame>
-      <p:sp>
-        <p:nvSpPr>
-          <p:cNvPr id="31" name="楕円 30">
-            <a:extLst>
-              <a:ext uri="{FF2B5EF4-FFF2-40B4-BE49-F238E27FC236}">
-                <a16:creationId xmlns:a16="http://schemas.microsoft.com/office/drawing/2014/main" id="{B4AEAA7C-5F11-4E1E-99AF-1E3F04F5BF32}"/>
-              </a:ext>
-            </a:extLst>
-          </p:cNvPr>
-          <p:cNvSpPr>
-            <a:spLocks noChangeAspect="1"/>
-          </p:cNvSpPr>
-          <p:nvPr/>
-        </p:nvSpPr>
-        <p:spPr>
-          <a:xfrm>
-            <a:off x="827584" y="5589256"/>
-            <a:ext cx="288000" cy="288000"/>
-          </a:xfrm>
-          <a:prstGeom prst="ellipse">
-            <a:avLst/>
-          </a:prstGeom>
-          <a:solidFill>
-            <a:schemeClr val="bg1"/>
-          </a:solidFill>
-          <a:ln w="9525">
-            <a:solidFill>
-              <a:schemeClr val="tx1"/>
-            </a:solidFill>
-          </a:ln>
-        </p:spPr>
-        <p:style>
-          <a:lnRef idx="2">
-            <a:schemeClr val="accent1">
-              <a:shade val="50000"/>
-            </a:schemeClr>
-          </a:lnRef>
-          <a:fillRef idx="1">
-            <a:schemeClr val="accent1"/>
-          </a:fillRef>
-          <a:effectRef idx="0">
-            <a:schemeClr val="accent1"/>
-          </a:effectRef>
-          <a:fontRef idx="minor">
-            <a:schemeClr val="lt1"/>
-          </a:fontRef>
-        </p:style>
-        <p:txBody>
-          <a:bodyPr rtlCol="0" anchor="t"/>
-          <a:lstStyle/>
-          <a:p>
-            <a:pPr algn="l"/>
-            <a:endParaRPr kumimoji="1" lang="ja-JP" altLang="en-US" dirty="0">
-              <a:solidFill>
-                <a:schemeClr val="tx1"/>
-              </a:solidFill>
-            </a:endParaRPr>
-          </a:p>
-        </p:txBody>
-      </p:sp>
-      <p:sp>
-        <p:nvSpPr>
-          <p:cNvPr id="32" name="テキスト ボックス 31">
-            <a:extLst>
-              <a:ext uri="{FF2B5EF4-FFF2-40B4-BE49-F238E27FC236}">
-                <a16:creationId xmlns:a16="http://schemas.microsoft.com/office/drawing/2014/main" id="{C81F758E-2668-4251-AABB-4EB5E1D36DDB}"/>
-              </a:ext>
-            </a:extLst>
-          </p:cNvPr>
-          <p:cNvSpPr txBox="1"/>
-          <p:nvPr/>
-        </p:nvSpPr>
-        <p:spPr>
-          <a:xfrm>
-            <a:off x="3883119" y="1439442"/>
-            <a:ext cx="4834866" cy="3693319"/>
-          </a:xfrm>
-          <a:prstGeom prst="rect">
-            <a:avLst/>
-          </a:prstGeom>
-          <a:noFill/>
-        </p:spPr>
-        <p:txBody>
-          <a:bodyPr wrap="square" rtlCol="0">
-            <a:spAutoFit/>
-          </a:bodyPr>
-          <a:lstStyle/>
-          <a:p>
-            <a:r>
-              <a:rPr kumimoji="1" lang="ja-JP" altLang="en-US" dirty="0"/>
-              <a:t>繰り返し計算による逆運動学解法</a:t>
-            </a:r>
-            <a:endParaRPr kumimoji="1" lang="en-US" altLang="ja-JP" dirty="0"/>
-          </a:p>
-          <a:p>
-            <a:pPr marL="285750" indent="-285750">
-              <a:buFont typeface="Arial" panose="020B0604020202020204" pitchFamily="34" charset="0"/>
-              <a:buChar char="•"/>
-            </a:pPr>
-            <a:r>
-              <a:rPr lang="ja-JP" altLang="en-US" dirty="0"/>
-              <a:t>手先を動かしたい方向，すなわち手先速度が分かれば，それを実現する関節速度が求められる</a:t>
-            </a:r>
-            <a:endParaRPr lang="en-US" altLang="ja-JP" dirty="0"/>
-          </a:p>
-          <a:p>
-            <a:pPr marL="285750" indent="-285750">
-              <a:buFont typeface="Arial" panose="020B0604020202020204" pitchFamily="34" charset="0"/>
-              <a:buChar char="•"/>
-            </a:pPr>
-            <a:r>
-              <a:rPr kumimoji="1" lang="ja-JP" altLang="en-US" dirty="0"/>
-              <a:t>これの繰り返しにより，手先の目標位置に到達させることができる</a:t>
-            </a:r>
-            <a:endParaRPr kumimoji="1" lang="en-US" altLang="ja-JP" dirty="0"/>
-          </a:p>
-          <a:p>
-            <a:r>
-              <a:rPr kumimoji="1" lang="en-US" altLang="ja-JP" dirty="0"/>
-              <a:t>Inverse kinematics solution by iterative computation</a:t>
-            </a:r>
-          </a:p>
-          <a:p>
-            <a:pPr marL="285750" indent="-285750">
-              <a:buFont typeface="Arial" panose="020B0604020202020204" pitchFamily="34" charset="0"/>
-              <a:buChar char="•"/>
-            </a:pPr>
-            <a:r>
-              <a:rPr kumimoji="1" lang="en-US" altLang="ja-JP" dirty="0"/>
-              <a:t>If we know a </a:t>
-            </a:r>
-            <a:r>
-              <a:rPr lang="en-US" altLang="ja-JP" dirty="0"/>
-              <a:t>hand direction to move, we can interpret it as a hand velocity, and </a:t>
-            </a:r>
-            <a:r>
-              <a:rPr kumimoji="1" lang="en-US" altLang="ja-JP" dirty="0"/>
-              <a:t>can find joint angle velocity</a:t>
-            </a:r>
-          </a:p>
-          <a:p>
-            <a:pPr marL="285750" indent="-285750">
-              <a:buFont typeface="Arial" panose="020B0604020202020204" pitchFamily="34" charset="0"/>
-              <a:buChar char="•"/>
-            </a:pPr>
-            <a:r>
-              <a:rPr kumimoji="1" lang="en-US" altLang="ja-JP" dirty="0"/>
-              <a:t>Iterating it, a hand can be reached a target eventually</a:t>
-            </a:r>
-          </a:p>
-        </p:txBody>
-      </p:sp>
-      <p:cxnSp>
-        <p:nvCxnSpPr>
-          <p:cNvPr id="34" name="直線矢印コネクタ 33">
-            <a:extLst>
-              <a:ext uri="{FF2B5EF4-FFF2-40B4-BE49-F238E27FC236}">
-                <a16:creationId xmlns:a16="http://schemas.microsoft.com/office/drawing/2014/main" id="{517A09B2-9FCA-4598-BC8F-A3EEF137EA48}"/>
-              </a:ext>
-            </a:extLst>
-          </p:cNvPr>
-          <p:cNvCxnSpPr>
-            <a:cxnSpLocks/>
-          </p:cNvCxnSpPr>
-          <p:nvPr/>
-        </p:nvCxnSpPr>
-        <p:spPr>
-          <a:xfrm>
-            <a:off x="2408877" y="2132824"/>
-            <a:ext cx="778798" cy="277465"/>
-          </a:xfrm>
-          <a:prstGeom prst="straightConnector1">
-            <a:avLst/>
-          </a:prstGeom>
-          <a:ln>
-            <a:solidFill>
-              <a:srgbClr val="FF0000"/>
-            </a:solidFill>
-            <a:tailEnd type="triangle" w="lg" len="lg"/>
-          </a:ln>
-        </p:spPr>
-        <p:style>
-          <a:lnRef idx="1">
-            <a:schemeClr val="accent1"/>
-          </a:lnRef>
-          <a:fillRef idx="0">
-            <a:schemeClr val="accent1"/>
-          </a:fillRef>
-          <a:effectRef idx="0">
-            <a:schemeClr val="accent1"/>
-          </a:effectRef>
-          <a:fontRef idx="minor">
-            <a:schemeClr val="tx1"/>
-          </a:fontRef>
-        </p:style>
-      </p:cxnSp>
-      <p:sp>
-        <p:nvSpPr>
-          <p:cNvPr id="41" name="楕円 40">
-            <a:extLst>
-              <a:ext uri="{FF2B5EF4-FFF2-40B4-BE49-F238E27FC236}">
-                <a16:creationId xmlns:a16="http://schemas.microsoft.com/office/drawing/2014/main" id="{831C3DC2-FDA8-45B4-A488-B44CB409CF1A}"/>
-              </a:ext>
-            </a:extLst>
-          </p:cNvPr>
-          <p:cNvSpPr>
-            <a:spLocks noChangeAspect="1"/>
-          </p:cNvSpPr>
-          <p:nvPr/>
-        </p:nvSpPr>
-        <p:spPr>
-          <a:xfrm>
-            <a:off x="3201730" y="2269020"/>
-            <a:ext cx="288000" cy="288000"/>
-          </a:xfrm>
-          <a:prstGeom prst="ellipse">
-            <a:avLst/>
-          </a:prstGeom>
-          <a:solidFill>
-            <a:schemeClr val="bg1"/>
-          </a:solidFill>
-          <a:ln w="9525">
-            <a:solidFill>
-              <a:srgbClr val="0070C0"/>
-            </a:solidFill>
-          </a:ln>
-        </p:spPr>
-        <p:style>
-          <a:lnRef idx="2">
-            <a:schemeClr val="accent1">
-              <a:shade val="50000"/>
-            </a:schemeClr>
-          </a:lnRef>
-          <a:fillRef idx="1">
-            <a:schemeClr val="accent1"/>
-          </a:fillRef>
-          <a:effectRef idx="0">
-            <a:schemeClr val="accent1"/>
-          </a:effectRef>
-          <a:fontRef idx="minor">
-            <a:schemeClr val="lt1"/>
-          </a:fontRef>
-        </p:style>
-        <p:txBody>
-          <a:bodyPr rtlCol="0" anchor="t"/>
-          <a:lstStyle/>
-          <a:p>
-            <a:pPr algn="l"/>
-            <a:endParaRPr kumimoji="1" lang="ja-JP" altLang="en-US" dirty="0">
-              <a:solidFill>
-                <a:schemeClr val="tx1"/>
-              </a:solidFill>
-            </a:endParaRPr>
-          </a:p>
-        </p:txBody>
-      </p:sp>
-      <p:graphicFrame>
-        <p:nvGraphicFramePr>
-          <p:cNvPr id="42" name="オブジェクト 41">
-            <a:extLst>
-              <a:ext uri="{FF2B5EF4-FFF2-40B4-BE49-F238E27FC236}">
-                <a16:creationId xmlns:a16="http://schemas.microsoft.com/office/drawing/2014/main" id="{C85F5B82-7B0A-4B1C-9D01-5A486B5FCC2C}"/>
-              </a:ext>
-            </a:extLst>
-          </p:cNvPr>
-          <p:cNvGraphicFramePr>
-            <a:graphicFrameLocks noChangeAspect="1"/>
-          </p:cNvGraphicFramePr>
-          <p:nvPr>
-            <p:extLst>
-              <p:ext uri="{D42A27DB-BD31-4B8C-83A1-F6EECF244321}">
-                <p14:modId xmlns:p14="http://schemas.microsoft.com/office/powerpoint/2010/main" val="3685700212"/>
-              </p:ext>
-            </p:extLst>
-          </p:nvPr>
-        </p:nvGraphicFramePr>
-        <p:xfrm>
-          <a:off x="3371240" y="2030533"/>
-          <a:ext cx="533400" cy="647700"/>
-        </p:xfrm>
-        <a:graphic>
-          <a:graphicData uri="http://schemas.openxmlformats.org/presentationml/2006/ole">
-            <mc:AlternateContent xmlns:mc="http://schemas.openxmlformats.org/markup-compatibility/2006">
-              <mc:Choice xmlns:v="urn:schemas-microsoft-com:vml" Requires="v">
-                <p:oleObj name="Equation" r:id="rId18" imgW="355320" imgH="431640" progId="Equation.DSMT4">
-                  <p:embed/>
-                </p:oleObj>
-              </mc:Choice>
-              <mc:Fallback>
-                <p:oleObj name="Equation" r:id="rId18" imgW="355320" imgH="431640" progId="Equation.DSMT4">
-                  <p:embed/>
-                  <p:pic>
-                    <p:nvPicPr>
-                      <p:cNvPr id="37" name="オブジェクト 36">
-                        <a:extLst>
-                          <a:ext uri="{FF2B5EF4-FFF2-40B4-BE49-F238E27FC236}">
-                            <a16:creationId xmlns:a16="http://schemas.microsoft.com/office/drawing/2014/main" id="{5EB13CD5-F4A4-44C3-B542-845B82CDC91B}"/>
-                          </a:ext>
-                        </a:extLst>
-                      </p:cNvPr>
-                      <p:cNvPicPr/>
-                      <p:nvPr/>
-                    </p:nvPicPr>
-                    <p:blipFill>
-                      <a:blip r:embed="rId19"/>
-                      <a:stretch>
-                        <a:fillRect/>
-                      </a:stretch>
-                    </p:blipFill>
-                    <p:spPr>
-                      <a:xfrm>
-                        <a:off x="3371240" y="2030533"/>
-                        <a:ext cx="533400" cy="647700"/>
-                      </a:xfrm>
-                      <a:prstGeom prst="rect">
-                        <a:avLst/>
-                      </a:prstGeom>
-                    </p:spPr>
-                  </p:pic>
-                </p:oleObj>
-              </mc:Fallback>
-            </mc:AlternateContent>
-          </a:graphicData>
-        </a:graphic>
-      </p:graphicFrame>
-      <p:cxnSp>
-        <p:nvCxnSpPr>
-          <p:cNvPr id="43" name="直線矢印コネクタ 42">
-            <a:extLst>
-              <a:ext uri="{FF2B5EF4-FFF2-40B4-BE49-F238E27FC236}">
-                <a16:creationId xmlns:a16="http://schemas.microsoft.com/office/drawing/2014/main" id="{EC78A306-F215-4604-8A50-3BE386BD098D}"/>
-              </a:ext>
-            </a:extLst>
-          </p:cNvPr>
-          <p:cNvCxnSpPr>
-            <a:cxnSpLocks/>
-          </p:cNvCxnSpPr>
-          <p:nvPr/>
-        </p:nvCxnSpPr>
-        <p:spPr>
-          <a:xfrm flipH="1" flipV="1">
-            <a:off x="3123671" y="1709581"/>
-            <a:ext cx="222059" cy="679647"/>
-          </a:xfrm>
-          <a:prstGeom prst="straightConnector1">
-            <a:avLst/>
-          </a:prstGeom>
-          <a:ln>
-            <a:solidFill>
-              <a:srgbClr val="0070C0"/>
-            </a:solidFill>
-            <a:tailEnd type="triangle" w="lg" len="lg"/>
-          </a:ln>
-        </p:spPr>
-        <p:style>
-          <a:lnRef idx="1">
-            <a:schemeClr val="accent1"/>
-          </a:lnRef>
-          <a:fillRef idx="0">
-            <a:schemeClr val="accent1"/>
-          </a:fillRef>
-          <a:effectRef idx="0">
-            <a:schemeClr val="accent1"/>
-          </a:effectRef>
-          <a:fontRef idx="minor">
-            <a:schemeClr val="tx1"/>
-          </a:fontRef>
-        </p:style>
-      </p:cxnSp>
-      <p:graphicFrame>
-        <p:nvGraphicFramePr>
-          <p:cNvPr id="44" name="オブジェクト 43">
-            <a:extLst>
-              <a:ext uri="{FF2B5EF4-FFF2-40B4-BE49-F238E27FC236}">
-                <a16:creationId xmlns:a16="http://schemas.microsoft.com/office/drawing/2014/main" id="{DBF6BEE9-F2B7-4908-B978-6C1E04B8EA88}"/>
-              </a:ext>
-            </a:extLst>
-          </p:cNvPr>
-          <p:cNvGraphicFramePr>
-            <a:graphicFrameLocks noChangeAspect="1"/>
-          </p:cNvGraphicFramePr>
-          <p:nvPr>
-            <p:extLst>
-              <p:ext uri="{D42A27DB-BD31-4B8C-83A1-F6EECF244321}">
-                <p14:modId xmlns:p14="http://schemas.microsoft.com/office/powerpoint/2010/main" val="1180418142"/>
-              </p:ext>
-            </p:extLst>
-          </p:nvPr>
-        </p:nvGraphicFramePr>
-        <p:xfrm>
-          <a:off x="3270783" y="1758328"/>
-          <a:ext cx="266700" cy="342900"/>
-        </p:xfrm>
-        <a:graphic>
-          <a:graphicData uri="http://schemas.openxmlformats.org/presentationml/2006/ole">
-            <mc:AlternateContent xmlns:mc="http://schemas.openxmlformats.org/markup-compatibility/2006">
-              <mc:Choice xmlns:v="urn:schemas-microsoft-com:vml" Requires="v">
-                <p:oleObj name="Equation" r:id="rId20" imgW="177480" imgH="228600" progId="Equation.DSMT4">
-                  <p:embed/>
-                </p:oleObj>
-              </mc:Choice>
-              <mc:Fallback>
-                <p:oleObj name="Equation" r:id="rId20" imgW="177480" imgH="228600" progId="Equation.DSMT4">
-                  <p:embed/>
-                  <p:pic>
-                    <p:nvPicPr>
-                      <p:cNvPr id="43" name="オブジェクト 42">
-                        <a:extLst>
-                          <a:ext uri="{FF2B5EF4-FFF2-40B4-BE49-F238E27FC236}">
-                            <a16:creationId xmlns:a16="http://schemas.microsoft.com/office/drawing/2014/main" id="{D4646105-BF55-4A10-A80F-D40F6975E529}"/>
-                          </a:ext>
-                        </a:extLst>
-                      </p:cNvPr>
-                      <p:cNvPicPr/>
-                      <p:nvPr/>
-                    </p:nvPicPr>
-                    <p:blipFill>
-                      <a:blip r:embed="rId21"/>
-                      <a:stretch>
-                        <a:fillRect/>
-                      </a:stretch>
-                    </p:blipFill>
-                    <p:spPr>
-                      <a:xfrm>
-                        <a:off x="3270783" y="1758328"/>
-                        <a:ext cx="266700" cy="342900"/>
-                      </a:xfrm>
-                      <a:prstGeom prst="rect">
-                        <a:avLst/>
-                      </a:prstGeom>
-                    </p:spPr>
-                  </p:pic>
-                </p:oleObj>
-              </mc:Fallback>
-            </mc:AlternateContent>
-          </a:graphicData>
-        </a:graphic>
-      </p:graphicFrame>
-      <p:graphicFrame>
-        <p:nvGraphicFramePr>
-          <p:cNvPr id="45" name="オブジェクト 44">
-            <a:extLst>
-              <a:ext uri="{FF2B5EF4-FFF2-40B4-BE49-F238E27FC236}">
-                <a16:creationId xmlns:a16="http://schemas.microsoft.com/office/drawing/2014/main" id="{C25C75A1-D19B-40E3-BCF4-4936B945C91F}"/>
-              </a:ext>
-            </a:extLst>
-          </p:cNvPr>
-          <p:cNvGraphicFramePr>
-            <a:graphicFrameLocks noChangeAspect="1"/>
-          </p:cNvGraphicFramePr>
-          <p:nvPr>
-            <p:extLst>
-              <p:ext uri="{D42A27DB-BD31-4B8C-83A1-F6EECF244321}">
-                <p14:modId xmlns:p14="http://schemas.microsoft.com/office/powerpoint/2010/main" val="3684613623"/>
-              </p:ext>
-            </p:extLst>
-          </p:nvPr>
-        </p:nvGraphicFramePr>
-        <p:xfrm>
-          <a:off x="6844354" y="5108595"/>
-          <a:ext cx="1409700" cy="1066800"/>
-        </p:xfrm>
-        <a:graphic>
-          <a:graphicData uri="http://schemas.openxmlformats.org/presentationml/2006/ole">
-            <mc:AlternateContent xmlns:mc="http://schemas.openxmlformats.org/markup-compatibility/2006">
-              <mc:Choice xmlns:v="urn:schemas-microsoft-com:vml" Requires="v">
-                <p:oleObj name="Equation" r:id="rId22" imgW="939600" imgH="711000" progId="Equation.DSMT4">
-                  <p:embed/>
-                </p:oleObj>
-              </mc:Choice>
-              <mc:Fallback>
-                <p:oleObj name="Equation" r:id="rId22" imgW="939600" imgH="711000" progId="Equation.DSMT4">
-                  <p:embed/>
-                  <p:pic>
-                    <p:nvPicPr>
-                      <p:cNvPr id="25" name="オブジェクト 24">
-                        <a:extLst>
-                          <a:ext uri="{FF2B5EF4-FFF2-40B4-BE49-F238E27FC236}">
-                            <a16:creationId xmlns:a16="http://schemas.microsoft.com/office/drawing/2014/main" id="{3DF3A1C6-FCB5-43C2-8937-8839A9D0FA23}"/>
-                          </a:ext>
-                        </a:extLst>
-                      </p:cNvPr>
-                      <p:cNvPicPr/>
-                      <p:nvPr/>
-                    </p:nvPicPr>
-                    <p:blipFill>
-                      <a:blip r:embed="rId23"/>
-                      <a:stretch>
-                        <a:fillRect/>
-                      </a:stretch>
-                    </p:blipFill>
-                    <p:spPr>
-                      <a:xfrm>
-                        <a:off x="6844354" y="5108595"/>
-                        <a:ext cx="1409700" cy="1066800"/>
-                      </a:xfrm>
-                      <a:prstGeom prst="rect">
-                        <a:avLst/>
-                      </a:prstGeom>
-                    </p:spPr>
-                  </p:pic>
-                </p:oleObj>
-              </mc:Fallback>
-            </mc:AlternateContent>
-          </a:graphicData>
-        </a:graphic>
-      </p:graphicFrame>
-      <p:graphicFrame>
-        <p:nvGraphicFramePr>
-          <p:cNvPr id="46" name="オブジェクト 45">
-            <a:extLst>
-              <a:ext uri="{FF2B5EF4-FFF2-40B4-BE49-F238E27FC236}">
-                <a16:creationId xmlns:a16="http://schemas.microsoft.com/office/drawing/2014/main" id="{4AE65AF8-848B-4F2A-9505-431A070BA182}"/>
-              </a:ext>
-            </a:extLst>
-          </p:cNvPr>
-          <p:cNvGraphicFramePr>
-            <a:graphicFrameLocks noChangeAspect="1"/>
-          </p:cNvGraphicFramePr>
-          <p:nvPr>
-            <p:extLst>
-              <p:ext uri="{D42A27DB-BD31-4B8C-83A1-F6EECF244321}">
-                <p14:modId xmlns:p14="http://schemas.microsoft.com/office/powerpoint/2010/main" val="2199152090"/>
-              </p:ext>
-            </p:extLst>
-          </p:nvPr>
-        </p:nvGraphicFramePr>
-        <p:xfrm>
-          <a:off x="4893148" y="5108595"/>
-          <a:ext cx="1257300" cy="1066800"/>
-        </p:xfrm>
-        <a:graphic>
-          <a:graphicData uri="http://schemas.openxmlformats.org/presentationml/2006/ole">
-            <mc:AlternateContent xmlns:mc="http://schemas.openxmlformats.org/markup-compatibility/2006">
-              <mc:Choice xmlns:v="urn:schemas-microsoft-com:vml" Requires="v">
-                <p:oleObj name="Equation" r:id="rId24" imgW="838080" imgH="711000" progId="Equation.DSMT4">
-                  <p:embed/>
-                </p:oleObj>
-              </mc:Choice>
-              <mc:Fallback>
-                <p:oleObj name="Equation" r:id="rId24" imgW="838080" imgH="711000" progId="Equation.DSMT4">
-                  <p:embed/>
-                  <p:pic>
-                    <p:nvPicPr>
-                      <p:cNvPr id="8" name="オブジェクト 7">
-                        <a:extLst>
-                          <a:ext uri="{FF2B5EF4-FFF2-40B4-BE49-F238E27FC236}">
-                            <a16:creationId xmlns:a16="http://schemas.microsoft.com/office/drawing/2014/main" id="{39BD2F04-30C1-4093-9ED5-C47BFCF1894B}"/>
-                          </a:ext>
-                        </a:extLst>
-                      </p:cNvPr>
-                      <p:cNvPicPr/>
-                      <p:nvPr/>
-                    </p:nvPicPr>
-                    <p:blipFill>
-                      <a:blip r:embed="rId25"/>
-                      <a:stretch>
-                        <a:fillRect/>
-                      </a:stretch>
-                    </p:blipFill>
-                    <p:spPr>
-                      <a:xfrm>
-                        <a:off x="4893148" y="5108595"/>
-                        <a:ext cx="1257300" cy="1066800"/>
-                      </a:xfrm>
-                      <a:prstGeom prst="rect">
-                        <a:avLst/>
-                      </a:prstGeom>
-                    </p:spPr>
-                  </p:pic>
-                </p:oleObj>
-              </mc:Fallback>
-            </mc:AlternateContent>
-          </a:graphicData>
-        </a:graphic>
-      </p:graphicFrame>
-      <p:cxnSp>
-        <p:nvCxnSpPr>
-          <p:cNvPr id="48" name="直線矢印コネクタ 47">
-            <a:extLst>
-              <a:ext uri="{FF2B5EF4-FFF2-40B4-BE49-F238E27FC236}">
-                <a16:creationId xmlns:a16="http://schemas.microsoft.com/office/drawing/2014/main" id="{A094EDF2-492C-466D-9BAF-9B00ACC819C5}"/>
-              </a:ext>
-            </a:extLst>
-          </p:cNvPr>
-          <p:cNvCxnSpPr>
-            <a:cxnSpLocks/>
-            <a:stCxn id="46" idx="3"/>
-          </p:cNvCxnSpPr>
-          <p:nvPr/>
-        </p:nvCxnSpPr>
-        <p:spPr>
-          <a:xfrm>
-            <a:off x="6150448" y="5641995"/>
-            <a:ext cx="693906" cy="0"/>
-          </a:xfrm>
-          <a:prstGeom prst="straightConnector1">
-            <a:avLst/>
-          </a:prstGeom>
-          <a:ln>
-            <a:solidFill>
-              <a:schemeClr val="tx1"/>
-            </a:solidFill>
-            <a:tailEnd type="triangle" w="lg" len="lg"/>
-          </a:ln>
-        </p:spPr>
-        <p:style>
-          <a:lnRef idx="1">
-            <a:schemeClr val="accent1"/>
-          </a:lnRef>
-          <a:fillRef idx="0">
-            <a:schemeClr val="accent1"/>
-          </a:fillRef>
-          <a:effectRef idx="0">
-            <a:schemeClr val="accent1"/>
-          </a:effectRef>
-          <a:fontRef idx="minor">
-            <a:schemeClr val="tx1"/>
-          </a:fontRef>
-        </p:style>
-      </p:cxnSp>
-    </p:spTree>
-    <p:extLst>
-      <p:ext uri="{BB962C8B-B14F-4D97-AF65-F5344CB8AC3E}">
-        <p14:creationId xmlns:p14="http://schemas.microsoft.com/office/powerpoint/2010/main" val="2532663539"/>
       </p:ext>
     </p:extLst>
   </p:cSld>
@@ -11155,7 +11141,7 @@
         </p:nvCxnSpPr>
         <p:spPr>
           <a:xfrm flipV="1">
-            <a:off x="971600" y="5013160"/>
+            <a:off x="2495600" y="5229184"/>
             <a:ext cx="1440160" cy="720096"/>
           </a:xfrm>
           <a:prstGeom prst="line">
@@ -11198,7 +11184,7 @@
         </p:nvCxnSpPr>
         <p:spPr>
           <a:xfrm>
-            <a:off x="539552" y="5733256"/>
+            <a:off x="2063552" y="5949280"/>
             <a:ext cx="4032448" cy="8570"/>
           </a:xfrm>
           <a:prstGeom prst="line">
@@ -11242,7 +11228,7 @@
         </p:nvCxnSpPr>
         <p:spPr>
           <a:xfrm flipV="1">
-            <a:off x="2411760" y="3573000"/>
+            <a:off x="3935760" y="3789024"/>
             <a:ext cx="720080" cy="1440160"/>
           </a:xfrm>
           <a:prstGeom prst="line">
@@ -11285,7 +11271,7 @@
         </p:nvCxnSpPr>
         <p:spPr>
           <a:xfrm flipH="1" flipV="1">
-            <a:off x="2411760" y="2132840"/>
+            <a:off x="3935760" y="2348864"/>
             <a:ext cx="720080" cy="1440160"/>
           </a:xfrm>
           <a:prstGeom prst="line">
@@ -11328,7 +11314,7 @@
         </p:nvCxnSpPr>
         <p:spPr>
           <a:xfrm flipV="1">
-            <a:off x="971600" y="4653120"/>
+            <a:off x="2495600" y="4869144"/>
             <a:ext cx="2160240" cy="1080136"/>
           </a:xfrm>
           <a:prstGeom prst="line">
@@ -11371,7 +11357,7 @@
         </p:nvCxnSpPr>
         <p:spPr>
           <a:xfrm flipV="1">
-            <a:off x="2411760" y="2564888"/>
+            <a:off x="3935760" y="2780912"/>
             <a:ext cx="1224136" cy="2448274"/>
           </a:xfrm>
           <a:prstGeom prst="line">
@@ -11414,7 +11400,7 @@
         </p:nvCxnSpPr>
         <p:spPr>
           <a:xfrm flipH="1" flipV="1">
-            <a:off x="2123728" y="1556776"/>
+            <a:off x="3647728" y="1772800"/>
             <a:ext cx="1008112" cy="2016224"/>
           </a:xfrm>
           <a:prstGeom prst="line">
@@ -11457,7 +11443,7 @@
         </p:nvSpPr>
         <p:spPr>
           <a:xfrm>
-            <a:off x="2987856" y="3429016"/>
+            <a:off x="4511856" y="3645040"/>
             <a:ext cx="288000" cy="288000"/>
           </a:xfrm>
           <a:prstGeom prst="ellipse">
@@ -11493,7 +11479,7 @@
           <a:lstStyle/>
           <a:p>
             <a:pPr algn="l"/>
-            <a:endParaRPr kumimoji="1" lang="ja-JP" altLang="en-US" dirty="0">
+            <a:endParaRPr lang="ja-JP" altLang="en-US" dirty="0">
               <a:solidFill>
                 <a:schemeClr val="tx1"/>
               </a:solidFill>
@@ -11517,7 +11503,7 @@
         </p:nvSpPr>
         <p:spPr>
           <a:xfrm>
-            <a:off x="2267744" y="4869144"/>
+            <a:off x="3791744" y="5085168"/>
             <a:ext cx="288000" cy="288000"/>
           </a:xfrm>
           <a:prstGeom prst="ellipse">
@@ -11553,7 +11539,7 @@
           <a:lstStyle/>
           <a:p>
             <a:pPr algn="l"/>
-            <a:endParaRPr kumimoji="1" lang="ja-JP" altLang="en-US" dirty="0">
+            <a:endParaRPr lang="ja-JP" altLang="en-US" dirty="0">
               <a:solidFill>
                 <a:schemeClr val="tx1"/>
               </a:solidFill>
@@ -11573,10 +11559,16 @@
           <p:cNvGraphicFramePr>
             <a:graphicFrameLocks noChangeAspect="1"/>
           </p:cNvGraphicFramePr>
-          <p:nvPr/>
+          <p:nvPr>
+            <p:extLst>
+              <p:ext uri="{D42A27DB-BD31-4B8C-83A1-F6EECF244321}">
+                <p14:modId xmlns:p14="http://schemas.microsoft.com/office/powerpoint/2010/main" val="1009420079"/>
+              </p:ext>
+            </p:extLst>
+          </p:nvPr>
         </p:nvGraphicFramePr>
         <p:xfrm>
-          <a:off x="1773728" y="5398926"/>
+          <a:off x="3297728" y="5614950"/>
           <a:ext cx="228420" cy="342900"/>
         </p:xfrm>
         <a:graphic>
@@ -11610,7 +11602,7 @@
                     </p:blipFill>
                     <p:spPr>
                       <a:xfrm>
-                        <a:off x="1773728" y="5398926"/>
+                        <a:off x="3297728" y="5614950"/>
                         <a:ext cx="228420" cy="342900"/>
                       </a:xfrm>
                       <a:prstGeom prst="rect">
@@ -11640,7 +11632,7 @@
         </p:nvSpPr>
         <p:spPr>
           <a:xfrm>
-            <a:off x="940656" y="5373296"/>
+            <a:off x="2464656" y="5589320"/>
             <a:ext cx="720000" cy="720000"/>
           </a:xfrm>
           <a:prstGeom prst="arc">
@@ -11676,7 +11668,7 @@
           <a:lstStyle/>
           <a:p>
             <a:pPr algn="ctr"/>
-            <a:endParaRPr kumimoji="1" lang="ja-JP" altLang="en-US"/>
+            <a:endParaRPr lang="ja-JP" altLang="en-US"/>
           </a:p>
         </p:txBody>
       </p:sp>
@@ -11696,7 +11688,7 @@
         </p:nvSpPr>
         <p:spPr>
           <a:xfrm>
-            <a:off x="2123728" y="4568153"/>
+            <a:off x="3647728" y="4784177"/>
             <a:ext cx="720000" cy="720000"/>
           </a:xfrm>
           <a:prstGeom prst="arc">
@@ -11732,7 +11724,7 @@
           <a:lstStyle/>
           <a:p>
             <a:pPr algn="ctr"/>
-            <a:endParaRPr kumimoji="1" lang="ja-JP" altLang="en-US"/>
+            <a:endParaRPr lang="ja-JP" altLang="en-US"/>
           </a:p>
         </p:txBody>
       </p:sp>
@@ -11748,10 +11740,16 @@
           <p:cNvGraphicFramePr>
             <a:graphicFrameLocks noChangeAspect="1"/>
           </p:cNvGraphicFramePr>
-          <p:nvPr/>
+          <p:nvPr>
+            <p:extLst>
+              <p:ext uri="{D42A27DB-BD31-4B8C-83A1-F6EECF244321}">
+                <p14:modId xmlns:p14="http://schemas.microsoft.com/office/powerpoint/2010/main" val="4040513272"/>
+              </p:ext>
+            </p:extLst>
+          </p:nvPr>
         </p:nvGraphicFramePr>
         <p:xfrm>
-          <a:off x="2833688" y="4356580"/>
+          <a:off x="4357688" y="4572604"/>
           <a:ext cx="247650" cy="342900"/>
         </p:xfrm>
         <a:graphic>
@@ -11785,7 +11783,7 @@
                     </p:blipFill>
                     <p:spPr>
                       <a:xfrm>
-                        <a:off x="2833688" y="4356580"/>
+                        <a:off x="4357688" y="4572604"/>
                         <a:ext cx="247650" cy="342900"/>
                       </a:xfrm>
                       <a:prstGeom prst="rect">
@@ -11811,10 +11809,16 @@
           <p:cNvGraphicFramePr>
             <a:graphicFrameLocks noChangeAspect="1"/>
           </p:cNvGraphicFramePr>
-          <p:nvPr/>
+          <p:nvPr>
+            <p:extLst>
+              <p:ext uri="{D42A27DB-BD31-4B8C-83A1-F6EECF244321}">
+                <p14:modId xmlns:p14="http://schemas.microsoft.com/office/powerpoint/2010/main" val="1769418485"/>
+              </p:ext>
+            </p:extLst>
+          </p:nvPr>
         </p:nvGraphicFramePr>
         <p:xfrm>
-          <a:off x="3063850" y="2761759"/>
+          <a:off x="4587850" y="2977783"/>
           <a:ext cx="247650" cy="342900"/>
         </p:xfrm>
         <a:graphic>
@@ -11848,7 +11852,7 @@
                     </p:blipFill>
                     <p:spPr>
                       <a:xfrm>
-                        <a:off x="3063850" y="2761759"/>
+                        <a:off x="4587850" y="2977783"/>
                         <a:ext cx="247650" cy="342900"/>
                       </a:xfrm>
                       <a:prstGeom prst="rect">
@@ -11878,7 +11882,7 @@
         </p:nvSpPr>
         <p:spPr>
           <a:xfrm>
-            <a:off x="2804393" y="3110179"/>
+            <a:off x="4328393" y="3326203"/>
             <a:ext cx="720000" cy="720000"/>
           </a:xfrm>
           <a:prstGeom prst="arc">
@@ -11914,7 +11918,7 @@
           <a:lstStyle/>
           <a:p>
             <a:pPr algn="ctr"/>
-            <a:endParaRPr kumimoji="1" lang="ja-JP" altLang="en-US"/>
+            <a:endParaRPr lang="ja-JP" altLang="en-US"/>
           </a:p>
         </p:txBody>
       </p:sp>
@@ -11934,7 +11938,7 @@
         </p:nvCxnSpPr>
         <p:spPr>
           <a:xfrm flipH="1">
-            <a:off x="1691680" y="2132840"/>
+            <a:off x="3215680" y="2348864"/>
             <a:ext cx="1440160" cy="0"/>
           </a:xfrm>
           <a:prstGeom prst="line">
@@ -11977,7 +11981,7 @@
         </p:nvSpPr>
         <p:spPr>
           <a:xfrm>
-            <a:off x="2267744" y="1988824"/>
+            <a:off x="3791744" y="2204848"/>
             <a:ext cx="288000" cy="288000"/>
           </a:xfrm>
           <a:prstGeom prst="ellipse">
@@ -12013,7 +12017,7 @@
           <a:lstStyle/>
           <a:p>
             <a:pPr algn="l"/>
-            <a:endParaRPr kumimoji="1" lang="ja-JP" altLang="en-US" dirty="0">
+            <a:endParaRPr lang="ja-JP" altLang="en-US" dirty="0">
               <a:solidFill>
                 <a:schemeClr val="tx1"/>
               </a:solidFill>
@@ -12033,10 +12037,16 @@
           <p:cNvGraphicFramePr>
             <a:graphicFrameLocks noChangeAspect="1"/>
           </p:cNvGraphicFramePr>
-          <p:nvPr/>
+          <p:nvPr>
+            <p:extLst>
+              <p:ext uri="{D42A27DB-BD31-4B8C-83A1-F6EECF244321}">
+                <p14:modId xmlns:p14="http://schemas.microsoft.com/office/powerpoint/2010/main" val="804539873"/>
+              </p:ext>
+            </p:extLst>
+          </p:nvPr>
         </p:nvGraphicFramePr>
         <p:xfrm>
-          <a:off x="2738438" y="1542852"/>
+          <a:off x="4262438" y="1758876"/>
           <a:ext cx="190500" cy="266700"/>
         </p:xfrm>
         <a:graphic>
@@ -12070,7 +12080,7 @@
                     </p:blipFill>
                     <p:spPr>
                       <a:xfrm>
-                        <a:off x="2738438" y="1542852"/>
+                        <a:off x="4262438" y="1758876"/>
                         <a:ext cx="190500" cy="266700"/>
                       </a:xfrm>
                       <a:prstGeom prst="rect">
@@ -12100,7 +12110,7 @@
         </p:nvSpPr>
         <p:spPr>
           <a:xfrm>
-            <a:off x="2074987" y="1773071"/>
+            <a:off x="3598987" y="1989095"/>
             <a:ext cx="720000" cy="720000"/>
           </a:xfrm>
           <a:prstGeom prst="arc">
@@ -12136,7 +12146,7 @@
           <a:lstStyle/>
           <a:p>
             <a:pPr algn="ctr"/>
-            <a:endParaRPr kumimoji="1" lang="ja-JP" altLang="en-US"/>
+            <a:endParaRPr lang="ja-JP" altLang="en-US"/>
           </a:p>
         </p:txBody>
       </p:sp>
@@ -12152,10 +12162,16 @@
           <p:cNvGraphicFramePr>
             <a:graphicFrameLocks noChangeAspect="1"/>
           </p:cNvGraphicFramePr>
-          <p:nvPr/>
+          <p:nvPr>
+            <p:extLst>
+              <p:ext uri="{D42A27DB-BD31-4B8C-83A1-F6EECF244321}">
+                <p14:modId xmlns:p14="http://schemas.microsoft.com/office/powerpoint/2010/main" val="1257712183"/>
+              </p:ext>
+            </p:extLst>
+          </p:nvPr>
         </p:nvGraphicFramePr>
         <p:xfrm>
-          <a:off x="1941036" y="2217808"/>
+          <a:off x="3465036" y="2433832"/>
           <a:ext cx="419100" cy="647700"/>
         </p:xfrm>
         <a:graphic>
@@ -12189,7 +12205,7 @@
                     </p:blipFill>
                     <p:spPr>
                       <a:xfrm>
-                        <a:off x="1941036" y="2217808"/>
+                        <a:off x="3465036" y="2433832"/>
                         <a:ext cx="419100" cy="647700"/>
                       </a:xfrm>
                       <a:prstGeom prst="rect">
@@ -12219,7 +12235,7 @@
         </p:nvCxnSpPr>
         <p:spPr>
           <a:xfrm flipV="1">
-            <a:off x="971584" y="2132824"/>
+            <a:off x="2495584" y="2348848"/>
             <a:ext cx="0" cy="3960472"/>
           </a:xfrm>
           <a:prstGeom prst="line">
@@ -12259,10 +12275,16 @@
           <p:cNvGraphicFramePr>
             <a:graphicFrameLocks noChangeAspect="1"/>
           </p:cNvGraphicFramePr>
-          <p:nvPr/>
+          <p:nvPr>
+            <p:extLst>
+              <p:ext uri="{D42A27DB-BD31-4B8C-83A1-F6EECF244321}">
+                <p14:modId xmlns:p14="http://schemas.microsoft.com/office/powerpoint/2010/main" val="3005443039"/>
+              </p:ext>
+            </p:extLst>
+          </p:nvPr>
         </p:nvGraphicFramePr>
         <p:xfrm>
-          <a:off x="4211960" y="5818558"/>
+          <a:off x="5735960" y="6034582"/>
           <a:ext cx="190080" cy="209520"/>
         </p:xfrm>
         <a:graphic>
@@ -12296,7 +12318,7 @@
                     </p:blipFill>
                     <p:spPr>
                       <a:xfrm>
-                        <a:off x="4211960" y="5818558"/>
+                        <a:off x="5735960" y="6034582"/>
                         <a:ext cx="190080" cy="209520"/>
                       </a:xfrm>
                       <a:prstGeom prst="rect">
@@ -12322,10 +12344,16 @@
           <p:cNvGraphicFramePr>
             <a:graphicFrameLocks noChangeAspect="1"/>
           </p:cNvGraphicFramePr>
-          <p:nvPr/>
+          <p:nvPr>
+            <p:extLst>
+              <p:ext uri="{D42A27DB-BD31-4B8C-83A1-F6EECF244321}">
+                <p14:modId xmlns:p14="http://schemas.microsoft.com/office/powerpoint/2010/main" val="1976114775"/>
+              </p:ext>
+            </p:extLst>
+          </p:nvPr>
         </p:nvGraphicFramePr>
         <p:xfrm>
-          <a:off x="733425" y="2336800"/>
+          <a:off x="2257425" y="2552824"/>
           <a:ext cx="209550" cy="247650"/>
         </p:xfrm>
         <a:graphic>
@@ -12359,7 +12387,7 @@
                     </p:blipFill>
                     <p:spPr>
                       <a:xfrm>
-                        <a:off x="733425" y="2336800"/>
+                        <a:off x="2257425" y="2552824"/>
                         <a:ext cx="209550" cy="247650"/>
                       </a:xfrm>
                       <a:prstGeom prst="rect">
@@ -12385,10 +12413,16 @@
           <p:cNvGraphicFramePr>
             <a:graphicFrameLocks noChangeAspect="1"/>
           </p:cNvGraphicFramePr>
-          <p:nvPr/>
+          <p:nvPr>
+            <p:extLst>
+              <p:ext uri="{D42A27DB-BD31-4B8C-83A1-F6EECF244321}">
+                <p14:modId xmlns:p14="http://schemas.microsoft.com/office/powerpoint/2010/main" val="1783782279"/>
+              </p:ext>
+            </p:extLst>
+          </p:nvPr>
         </p:nvGraphicFramePr>
         <p:xfrm>
-          <a:off x="693620" y="5840196"/>
+          <a:off x="2217620" y="6056220"/>
           <a:ext cx="190500" cy="209550"/>
         </p:xfrm>
         <a:graphic>
@@ -12422,7 +12456,7 @@
                     </p:blipFill>
                     <p:spPr>
                       <a:xfrm>
-                        <a:off x="693620" y="5840196"/>
+                        <a:off x="2217620" y="6056220"/>
                         <a:ext cx="190500" cy="209550"/>
                       </a:xfrm>
                       <a:prstGeom prst="rect">
@@ -12452,7 +12486,7 @@
         </p:nvSpPr>
         <p:spPr>
           <a:xfrm>
-            <a:off x="827584" y="5589256"/>
+            <a:off x="2351584" y="5805280"/>
             <a:ext cx="288000" cy="288000"/>
           </a:xfrm>
           <a:prstGeom prst="ellipse">
@@ -12488,7 +12522,7 @@
           <a:lstStyle/>
           <a:p>
             <a:pPr algn="l"/>
-            <a:endParaRPr kumimoji="1" lang="ja-JP" altLang="en-US" dirty="0">
+            <a:endParaRPr lang="ja-JP" altLang="en-US" dirty="0">
               <a:solidFill>
                 <a:schemeClr val="tx1"/>
               </a:solidFill>
@@ -12508,10 +12542,16 @@
           <p:cNvGraphicFramePr>
             <a:graphicFrameLocks noChangeAspect="1"/>
           </p:cNvGraphicFramePr>
-          <p:nvPr/>
+          <p:nvPr>
+            <p:extLst>
+              <p:ext uri="{D42A27DB-BD31-4B8C-83A1-F6EECF244321}">
+                <p14:modId xmlns:p14="http://schemas.microsoft.com/office/powerpoint/2010/main" val="1293892209"/>
+              </p:ext>
+            </p:extLst>
+          </p:nvPr>
         </p:nvGraphicFramePr>
         <p:xfrm>
-          <a:off x="2420341" y="2638581"/>
+          <a:off x="3944341" y="2854605"/>
           <a:ext cx="266220" cy="342900"/>
         </p:xfrm>
         <a:graphic>
@@ -12545,7 +12585,7 @@
                     </p:blipFill>
                     <p:spPr>
                       <a:xfrm>
-                        <a:off x="2420341" y="2638581"/>
+                        <a:off x="3944341" y="2854605"/>
                         <a:ext cx="266220" cy="342900"/>
                       </a:xfrm>
                       <a:prstGeom prst="rect">
@@ -12571,10 +12611,16 @@
           <p:cNvGraphicFramePr>
             <a:graphicFrameLocks noChangeAspect="1"/>
           </p:cNvGraphicFramePr>
-          <p:nvPr/>
+          <p:nvPr>
+            <p:extLst>
+              <p:ext uri="{D42A27DB-BD31-4B8C-83A1-F6EECF244321}">
+                <p14:modId xmlns:p14="http://schemas.microsoft.com/office/powerpoint/2010/main" val="1382214063"/>
+              </p:ext>
+            </p:extLst>
+          </p:nvPr>
         </p:nvGraphicFramePr>
         <p:xfrm>
-          <a:off x="2527267" y="3816681"/>
+          <a:off x="4051267" y="4032705"/>
           <a:ext cx="266220" cy="342900"/>
         </p:xfrm>
         <a:graphic>
@@ -12608,7 +12654,7 @@
                     </p:blipFill>
                     <p:spPr>
                       <a:xfrm>
-                        <a:off x="2527267" y="3816681"/>
+                        <a:off x="4051267" y="4032705"/>
                         <a:ext cx="266220" cy="342900"/>
                       </a:xfrm>
                       <a:prstGeom prst="rect">
@@ -12634,10 +12680,16 @@
           <p:cNvGraphicFramePr>
             <a:graphicFrameLocks noChangeAspect="1"/>
           </p:cNvGraphicFramePr>
-          <p:nvPr/>
+          <p:nvPr>
+            <p:extLst>
+              <p:ext uri="{D42A27DB-BD31-4B8C-83A1-F6EECF244321}">
+                <p14:modId xmlns:p14="http://schemas.microsoft.com/office/powerpoint/2010/main" val="1533889393"/>
+              </p:ext>
+            </p:extLst>
+          </p:nvPr>
         </p:nvGraphicFramePr>
         <p:xfrm>
-          <a:off x="1509713" y="4978400"/>
+          <a:off x="3033713" y="5194424"/>
           <a:ext cx="247650" cy="342900"/>
         </p:xfrm>
         <a:graphic>
@@ -12671,7 +12723,7 @@
                     </p:blipFill>
                     <p:spPr>
                       <a:xfrm>
-                        <a:off x="1509713" y="4978400"/>
+                        <a:off x="3033713" y="5194424"/>
                         <a:ext cx="247650" cy="342900"/>
                       </a:xfrm>
                       <a:prstGeom prst="rect">
@@ -12697,11 +12749,17 @@
           <p:cNvGraphicFramePr>
             <a:graphicFrameLocks noChangeAspect="1"/>
           </p:cNvGraphicFramePr>
-          <p:nvPr/>
+          <p:nvPr>
+            <p:extLst>
+              <p:ext uri="{D42A27DB-BD31-4B8C-83A1-F6EECF244321}">
+                <p14:modId xmlns:p14="http://schemas.microsoft.com/office/powerpoint/2010/main" val="2628055128"/>
+              </p:ext>
+            </p:extLst>
+          </p:nvPr>
         </p:nvGraphicFramePr>
         <p:xfrm>
-          <a:off x="274750" y="1253039"/>
-          <a:ext cx="8064500" cy="1295400"/>
+          <a:off x="695735" y="1324674"/>
+          <a:ext cx="10080450" cy="1619100"/>
         </p:xfrm>
         <a:graphic>
           <a:graphicData uri="http://schemas.openxmlformats.org/presentationml/2006/ole">
@@ -12734,8 +12792,8 @@
                     </p:blipFill>
                     <p:spPr>
                       <a:xfrm>
-                        <a:off x="274750" y="1253039"/>
-                        <a:ext cx="8064500" cy="1295400"/>
+                        <a:off x="695735" y="1324674"/>
+                        <a:ext cx="10080450" cy="1619100"/>
                       </a:xfrm>
                       <a:prstGeom prst="rect">
                         <a:avLst/>
@@ -12765,7 +12823,7 @@
         </p:nvSpPr>
         <p:spPr>
           <a:xfrm>
-            <a:off x="3751403" y="2191977"/>
+            <a:off x="5275403" y="2471985"/>
             <a:ext cx="5013544" cy="3693319"/>
           </a:xfrm>
           <a:prstGeom prst="rect">
@@ -12791,10 +12849,9 @@
               <a:rPr lang="en-US" altLang="ja-JP" dirty="0"/>
             </a:br>
             <a:r>
-              <a:rPr kumimoji="1" lang="en-US" altLang="ja-JP" dirty="0"/>
+              <a:rPr lang="en-US" altLang="ja-JP" dirty="0"/>
               <a:t>If J is square, we can find an inverse of J</a:t>
             </a:r>
-            <a:endParaRPr lang="en-US" altLang="ja-JP" dirty="0"/>
           </a:p>
           <a:p>
             <a:pPr marL="285750" indent="-285750">
@@ -12826,7 +12883,7 @@
               <a:rPr lang="en-US" altLang="ja-JP" dirty="0"/>
             </a:br>
             <a:r>
-              <a:rPr kumimoji="1" lang="en-US" altLang="ja-JP" dirty="0"/>
+              <a:rPr lang="en-US" altLang="ja-JP" dirty="0"/>
               <a:t>Both can be found symbolically and numerically</a:t>
             </a:r>
           </a:p>
@@ -12837,17 +12894,13 @@
             </a:pPr>
             <a:r>
               <a:rPr lang="ja-JP" altLang="en-US" dirty="0"/>
-              <a:t>応用事例</a:t>
-            </a:r>
-            <a:r>
-              <a:rPr kumimoji="1" lang="ja-JP" altLang="en-US" dirty="0"/>
-              <a:t>では順運動学を用いて数値的に求めることが多い</a:t>
+              <a:t>応用事例では順運動学を用いて数値的に求めることが多い</a:t>
             </a:r>
             <a:br>
-              <a:rPr kumimoji="1" lang="en-US" altLang="ja-JP" dirty="0"/>
+              <a:rPr lang="en-US" altLang="ja-JP" dirty="0"/>
             </a:br>
             <a:r>
-              <a:rPr kumimoji="1" lang="en-US" altLang="ja-JP" dirty="0"/>
+              <a:rPr lang="en-US" altLang="ja-JP" dirty="0"/>
               <a:t>In robotics applications, we frequently find J numerically with forward kinematics function.</a:t>
             </a:r>
           </a:p>
@@ -12906,14 +12959,14 @@
           <a:p>
             <a:r>
               <a:rPr lang="ja-JP" altLang="en-US" dirty="0"/>
-              <a:t>数値的ヤコビアンの例</a:t>
+              <a:t>数値的ヤコビアンの求め方</a:t>
             </a:r>
             <a:br>
               <a:rPr lang="en-US" altLang="ja-JP" dirty="0"/>
             </a:br>
             <a:r>
               <a:rPr lang="en-US" altLang="ja-JP" sz="2400" dirty="0"/>
-              <a:t>Instance of Numerical Jacobian</a:t>
+              <a:t>Method to find Numerical Jacobian</a:t>
             </a:r>
             <a:endParaRPr kumimoji="1" lang="ja-JP" altLang="en-US" dirty="0"/>
           </a:p>
@@ -13021,14 +13074,14 @@
           <p:nvPr>
             <p:extLst>
               <p:ext uri="{D42A27DB-BD31-4B8C-83A1-F6EECF244321}">
-                <p14:modId xmlns:p14="http://schemas.microsoft.com/office/powerpoint/2010/main" val="736355396"/>
+                <p14:modId xmlns:p14="http://schemas.microsoft.com/office/powerpoint/2010/main" val="517315602"/>
               </p:ext>
             </p:extLst>
           </p:nvPr>
         </p:nvGraphicFramePr>
         <p:xfrm>
-          <a:off x="1341495" y="1844824"/>
-          <a:ext cx="6654800" cy="1447800"/>
+          <a:off x="1199456" y="1833724"/>
+          <a:ext cx="9981900" cy="2171340"/>
         </p:xfrm>
         <a:graphic>
           <a:graphicData uri="http://schemas.openxmlformats.org/presentationml/2006/ole">
@@ -13061,8 +13114,8 @@
                     </p:blipFill>
                     <p:spPr>
                       <a:xfrm>
-                        <a:off x="1341495" y="1844824"/>
-                        <a:ext cx="6654800" cy="1447800"/>
+                        <a:off x="1199456" y="1833724"/>
+                        <a:ext cx="9981900" cy="2171340"/>
                       </a:xfrm>
                       <a:prstGeom prst="rect">
                         <a:avLst/>
@@ -13093,25 +13146,25 @@
           <p:nvPr>
             <p:extLst>
               <p:ext uri="{D42A27DB-BD31-4B8C-83A1-F6EECF244321}">
-                <p14:modId xmlns:p14="http://schemas.microsoft.com/office/powerpoint/2010/main" val="2920744648"/>
+                <p14:modId xmlns:p14="http://schemas.microsoft.com/office/powerpoint/2010/main" val="2966551243"/>
               </p:ext>
             </p:extLst>
           </p:nvPr>
         </p:nvGraphicFramePr>
         <p:xfrm>
-          <a:off x="2483768" y="4005064"/>
-          <a:ext cx="4057560" cy="685800"/>
+          <a:off x="4019550" y="4292600"/>
+          <a:ext cx="4152900" cy="685800"/>
         </p:xfrm>
         <a:graphic>
           <a:graphicData uri="http://schemas.openxmlformats.org/presentationml/2006/ole">
             <mc:AlternateContent xmlns:mc="http://schemas.openxmlformats.org/markup-compatibility/2006">
               <mc:Choice xmlns:v="urn:schemas-microsoft-com:vml" Requires="v">
-                <p:oleObj name="Equation" r:id="rId4" imgW="2705040" imgH="457200" progId="Equation.DSMT4">
+                <p:oleObj name="Equation" r:id="rId4" imgW="2768400" imgH="457200" progId="Equation.DSMT4">
                   <p:embed/>
                 </p:oleObj>
               </mc:Choice>
               <mc:Fallback>
-                <p:oleObj name="Equation" r:id="rId4" imgW="2705040" imgH="457200" progId="Equation.DSMT4">
+                <p:oleObj name="Equation" r:id="rId4" imgW="2768400" imgH="457200" progId="Equation.DSMT4">
                   <p:embed/>
                   <p:pic>
                     <p:nvPicPr>
@@ -13127,8 +13180,8 @@
                     </p:blipFill>
                     <p:spPr>
                       <a:xfrm>
-                        <a:off x="2483768" y="4005064"/>
-                        <a:ext cx="4057560" cy="685800"/>
+                        <a:off x="4019550" y="4292600"/>
+                        <a:ext cx="4152900" cy="685800"/>
                       </a:xfrm>
                       <a:prstGeom prst="rect">
                         <a:avLst/>
@@ -13312,7 +13365,7 @@
         </p:nvCxnSpPr>
         <p:spPr>
           <a:xfrm flipV="1">
-            <a:off x="971600" y="5013160"/>
+            <a:off x="2495600" y="5013160"/>
             <a:ext cx="1440160" cy="720096"/>
           </a:xfrm>
           <a:prstGeom prst="line">
@@ -13355,7 +13408,7 @@
         </p:nvCxnSpPr>
         <p:spPr>
           <a:xfrm>
-            <a:off x="539552" y="5733256"/>
+            <a:off x="2063552" y="5733256"/>
             <a:ext cx="4032448" cy="8570"/>
           </a:xfrm>
           <a:prstGeom prst="line">
@@ -13399,7 +13452,7 @@
         </p:nvCxnSpPr>
         <p:spPr>
           <a:xfrm flipV="1">
-            <a:off x="2411760" y="3573000"/>
+            <a:off x="3935760" y="3573000"/>
             <a:ext cx="720080" cy="1440160"/>
           </a:xfrm>
           <a:prstGeom prst="line">
@@ -13442,7 +13495,7 @@
         </p:nvCxnSpPr>
         <p:spPr>
           <a:xfrm flipH="1" flipV="1">
-            <a:off x="2411760" y="2132840"/>
+            <a:off x="3935760" y="2132840"/>
             <a:ext cx="720080" cy="1440160"/>
           </a:xfrm>
           <a:prstGeom prst="line">
@@ -13485,7 +13538,7 @@
         </p:nvCxnSpPr>
         <p:spPr>
           <a:xfrm flipV="1">
-            <a:off x="971600" y="4653120"/>
+            <a:off x="2495600" y="4653120"/>
             <a:ext cx="2160240" cy="1080136"/>
           </a:xfrm>
           <a:prstGeom prst="line">
@@ -13528,7 +13581,7 @@
         </p:nvCxnSpPr>
         <p:spPr>
           <a:xfrm flipV="1">
-            <a:off x="2411760" y="2564888"/>
+            <a:off x="3935760" y="2564888"/>
             <a:ext cx="1224136" cy="2448274"/>
           </a:xfrm>
           <a:prstGeom prst="line">
@@ -13571,7 +13624,7 @@
         </p:nvCxnSpPr>
         <p:spPr>
           <a:xfrm flipH="1" flipV="1">
-            <a:off x="2123728" y="1556776"/>
+            <a:off x="3647728" y="1556776"/>
             <a:ext cx="1008112" cy="2016224"/>
           </a:xfrm>
           <a:prstGeom prst="line">
@@ -13614,7 +13667,7 @@
         </p:nvSpPr>
         <p:spPr>
           <a:xfrm>
-            <a:off x="2987856" y="3429016"/>
+            <a:off x="4511856" y="3429016"/>
             <a:ext cx="288000" cy="288000"/>
           </a:xfrm>
           <a:prstGeom prst="ellipse">
@@ -13650,7 +13703,7 @@
           <a:lstStyle/>
           <a:p>
             <a:pPr algn="l"/>
-            <a:endParaRPr kumimoji="1" lang="ja-JP" altLang="en-US" dirty="0">
+            <a:endParaRPr lang="ja-JP" altLang="en-US" dirty="0">
               <a:solidFill>
                 <a:schemeClr val="tx1"/>
               </a:solidFill>
@@ -13674,7 +13727,7 @@
         </p:nvSpPr>
         <p:spPr>
           <a:xfrm>
-            <a:off x="2267744" y="4869144"/>
+            <a:off x="3791744" y="4869144"/>
             <a:ext cx="288000" cy="288000"/>
           </a:xfrm>
           <a:prstGeom prst="ellipse">
@@ -13710,7 +13763,7 @@
           <a:lstStyle/>
           <a:p>
             <a:pPr algn="l"/>
-            <a:endParaRPr kumimoji="1" lang="ja-JP" altLang="en-US" dirty="0">
+            <a:endParaRPr lang="ja-JP" altLang="en-US" dirty="0">
               <a:solidFill>
                 <a:schemeClr val="tx1"/>
               </a:solidFill>
@@ -13739,7 +13792,7 @@
           </p:nvPr>
         </p:nvGraphicFramePr>
         <p:xfrm>
-          <a:off x="1773728" y="5398926"/>
+          <a:off x="3297728" y="5398926"/>
           <a:ext cx="228420" cy="342900"/>
         </p:xfrm>
         <a:graphic>
@@ -13773,7 +13826,7 @@
                     </p:blipFill>
                     <p:spPr>
                       <a:xfrm>
-                        <a:off x="1773728" y="5398926"/>
+                        <a:off x="3297728" y="5398926"/>
                         <a:ext cx="228420" cy="342900"/>
                       </a:xfrm>
                       <a:prstGeom prst="rect">
@@ -13803,7 +13856,7 @@
         </p:nvSpPr>
         <p:spPr>
           <a:xfrm>
-            <a:off x="940656" y="5373296"/>
+            <a:off x="2464656" y="5373296"/>
             <a:ext cx="720000" cy="720000"/>
           </a:xfrm>
           <a:prstGeom prst="arc">
@@ -13839,7 +13892,7 @@
           <a:lstStyle/>
           <a:p>
             <a:pPr algn="ctr"/>
-            <a:endParaRPr kumimoji="1" lang="ja-JP" altLang="en-US"/>
+            <a:endParaRPr lang="ja-JP" altLang="en-US"/>
           </a:p>
         </p:txBody>
       </p:sp>
@@ -13859,7 +13912,7 @@
         </p:nvSpPr>
         <p:spPr>
           <a:xfrm>
-            <a:off x="2123728" y="4568153"/>
+            <a:off x="3647728" y="4568153"/>
             <a:ext cx="720000" cy="720000"/>
           </a:xfrm>
           <a:prstGeom prst="arc">
@@ -13895,7 +13948,7 @@
           <a:lstStyle/>
           <a:p>
             <a:pPr algn="ctr"/>
-            <a:endParaRPr kumimoji="1" lang="ja-JP" altLang="en-US"/>
+            <a:endParaRPr lang="ja-JP" altLang="en-US"/>
           </a:p>
         </p:txBody>
       </p:sp>
@@ -13920,7 +13973,7 @@
           </p:nvPr>
         </p:nvGraphicFramePr>
         <p:xfrm>
-          <a:off x="2833688" y="4356580"/>
+          <a:off x="4357688" y="4356580"/>
           <a:ext cx="247650" cy="342900"/>
         </p:xfrm>
         <a:graphic>
@@ -13954,7 +14007,7 @@
                     </p:blipFill>
                     <p:spPr>
                       <a:xfrm>
-                        <a:off x="2833688" y="4356580"/>
+                        <a:off x="4357688" y="4356580"/>
                         <a:ext cx="247650" cy="342900"/>
                       </a:xfrm>
                       <a:prstGeom prst="rect">
@@ -13989,7 +14042,7 @@
           </p:nvPr>
         </p:nvGraphicFramePr>
         <p:xfrm>
-          <a:off x="3063850" y="2761759"/>
+          <a:off x="4587850" y="2761759"/>
           <a:ext cx="247650" cy="342900"/>
         </p:xfrm>
         <a:graphic>
@@ -14023,7 +14076,7 @@
                     </p:blipFill>
                     <p:spPr>
                       <a:xfrm>
-                        <a:off x="3063850" y="2761759"/>
+                        <a:off x="4587850" y="2761759"/>
                         <a:ext cx="247650" cy="342900"/>
                       </a:xfrm>
                       <a:prstGeom prst="rect">
@@ -14053,7 +14106,7 @@
         </p:nvSpPr>
         <p:spPr>
           <a:xfrm>
-            <a:off x="2804393" y="3110179"/>
+            <a:off x="4328393" y="3110179"/>
             <a:ext cx="720000" cy="720000"/>
           </a:xfrm>
           <a:prstGeom prst="arc">
@@ -14089,7 +14142,7 @@
           <a:lstStyle/>
           <a:p>
             <a:pPr algn="ctr"/>
-            <a:endParaRPr kumimoji="1" lang="ja-JP" altLang="en-US"/>
+            <a:endParaRPr lang="ja-JP" altLang="en-US"/>
           </a:p>
         </p:txBody>
       </p:sp>
@@ -14109,7 +14162,7 @@
         </p:nvCxnSpPr>
         <p:spPr>
           <a:xfrm flipH="1">
-            <a:off x="1691680" y="2132840"/>
+            <a:off x="3215680" y="2132840"/>
             <a:ext cx="1440160" cy="0"/>
           </a:xfrm>
           <a:prstGeom prst="line">
@@ -14152,7 +14205,7 @@
         </p:nvSpPr>
         <p:spPr>
           <a:xfrm>
-            <a:off x="2267744" y="1988824"/>
+            <a:off x="3791744" y="1988824"/>
             <a:ext cx="288000" cy="288000"/>
           </a:xfrm>
           <a:prstGeom prst="ellipse">
@@ -14188,7 +14241,7 @@
           <a:lstStyle/>
           <a:p>
             <a:pPr algn="l"/>
-            <a:endParaRPr kumimoji="1" lang="ja-JP" altLang="en-US" dirty="0">
+            <a:endParaRPr lang="ja-JP" altLang="en-US" dirty="0">
               <a:solidFill>
                 <a:schemeClr val="tx1"/>
               </a:solidFill>
@@ -14217,7 +14270,7 @@
           </p:nvPr>
         </p:nvGraphicFramePr>
         <p:xfrm>
-          <a:off x="2738438" y="1542852"/>
+          <a:off x="4262438" y="1542852"/>
           <a:ext cx="190500" cy="266700"/>
         </p:xfrm>
         <a:graphic>
@@ -14251,7 +14304,7 @@
                     </p:blipFill>
                     <p:spPr>
                       <a:xfrm>
-                        <a:off x="2738438" y="1542852"/>
+                        <a:off x="4262438" y="1542852"/>
                         <a:ext cx="190500" cy="266700"/>
                       </a:xfrm>
                       <a:prstGeom prst="rect">
@@ -14281,7 +14334,7 @@
         </p:nvSpPr>
         <p:spPr>
           <a:xfrm>
-            <a:off x="2074987" y="1773071"/>
+            <a:off x="3598987" y="1773071"/>
             <a:ext cx="720000" cy="720000"/>
           </a:xfrm>
           <a:prstGeom prst="arc">
@@ -14317,7 +14370,7 @@
           <a:lstStyle/>
           <a:p>
             <a:pPr algn="ctr"/>
-            <a:endParaRPr kumimoji="1" lang="ja-JP" altLang="en-US"/>
+            <a:endParaRPr lang="ja-JP" altLang="en-US"/>
           </a:p>
         </p:txBody>
       </p:sp>
@@ -14342,7 +14395,7 @@
           </p:nvPr>
         </p:nvGraphicFramePr>
         <p:xfrm>
-          <a:off x="1941036" y="2217808"/>
+          <a:off x="3465036" y="2217808"/>
           <a:ext cx="419100" cy="647700"/>
         </p:xfrm>
         <a:graphic>
@@ -14376,7 +14429,7 @@
                     </p:blipFill>
                     <p:spPr>
                       <a:xfrm>
-                        <a:off x="1941036" y="2217808"/>
+                        <a:off x="3465036" y="2217808"/>
                         <a:ext cx="419100" cy="647700"/>
                       </a:xfrm>
                       <a:prstGeom prst="rect">
@@ -14406,7 +14459,7 @@
         </p:nvCxnSpPr>
         <p:spPr>
           <a:xfrm flipV="1">
-            <a:off x="971584" y="2132824"/>
+            <a:off x="2495584" y="2132824"/>
             <a:ext cx="0" cy="3960472"/>
           </a:xfrm>
           <a:prstGeom prst="line">
@@ -14455,7 +14508,7 @@
           </p:nvPr>
         </p:nvGraphicFramePr>
         <p:xfrm>
-          <a:off x="4211960" y="5818558"/>
+          <a:off x="5735960" y="5818558"/>
           <a:ext cx="190080" cy="209520"/>
         </p:xfrm>
         <a:graphic>
@@ -14489,7 +14542,7 @@
                     </p:blipFill>
                     <p:spPr>
                       <a:xfrm>
-                        <a:off x="4211960" y="5818558"/>
+                        <a:off x="5735960" y="5818558"/>
                         <a:ext cx="190080" cy="209520"/>
                       </a:xfrm>
                       <a:prstGeom prst="rect">
@@ -14524,7 +14577,7 @@
           </p:nvPr>
         </p:nvGraphicFramePr>
         <p:xfrm>
-          <a:off x="733425" y="2336800"/>
+          <a:off x="2257425" y="2336800"/>
           <a:ext cx="209550" cy="247650"/>
         </p:xfrm>
         <a:graphic>
@@ -14558,7 +14611,7 @@
                     </p:blipFill>
                     <p:spPr>
                       <a:xfrm>
-                        <a:off x="733425" y="2336800"/>
+                        <a:off x="2257425" y="2336800"/>
                         <a:ext cx="209550" cy="247650"/>
                       </a:xfrm>
                       <a:prstGeom prst="rect">
@@ -14593,7 +14646,7 @@
           </p:nvPr>
         </p:nvGraphicFramePr>
         <p:xfrm>
-          <a:off x="693620" y="5840196"/>
+          <a:off x="2217620" y="5840196"/>
           <a:ext cx="190500" cy="209550"/>
         </p:xfrm>
         <a:graphic>
@@ -14627,7 +14680,7 @@
                     </p:blipFill>
                     <p:spPr>
                       <a:xfrm>
-                        <a:off x="693620" y="5840196"/>
+                        <a:off x="2217620" y="5840196"/>
                         <a:ext cx="190500" cy="209550"/>
                       </a:xfrm>
                       <a:prstGeom prst="rect">
@@ -14657,7 +14710,7 @@
         </p:nvSpPr>
         <p:spPr>
           <a:xfrm>
-            <a:off x="827584" y="5589256"/>
+            <a:off x="2351584" y="5589256"/>
             <a:ext cx="288000" cy="288000"/>
           </a:xfrm>
           <a:prstGeom prst="ellipse">
@@ -14693,7 +14746,7 @@
           <a:lstStyle/>
           <a:p>
             <a:pPr algn="l"/>
-            <a:endParaRPr kumimoji="1" lang="ja-JP" altLang="en-US" dirty="0">
+            <a:endParaRPr lang="ja-JP" altLang="en-US" dirty="0">
               <a:solidFill>
                 <a:schemeClr val="tx1"/>
               </a:solidFill>
@@ -14722,7 +14775,7 @@
           </p:nvPr>
         </p:nvGraphicFramePr>
         <p:xfrm>
-          <a:off x="2420341" y="2638581"/>
+          <a:off x="3944341" y="2638581"/>
           <a:ext cx="266220" cy="342900"/>
         </p:xfrm>
         <a:graphic>
@@ -14756,7 +14809,7 @@
                     </p:blipFill>
                     <p:spPr>
                       <a:xfrm>
-                        <a:off x="2420341" y="2638581"/>
+                        <a:off x="3944341" y="2638581"/>
                         <a:ext cx="266220" cy="342900"/>
                       </a:xfrm>
                       <a:prstGeom prst="rect">
@@ -14791,7 +14844,7 @@
           </p:nvPr>
         </p:nvGraphicFramePr>
         <p:xfrm>
-          <a:off x="2527267" y="3816681"/>
+          <a:off x="4051267" y="3816681"/>
           <a:ext cx="266220" cy="342900"/>
         </p:xfrm>
         <a:graphic>
@@ -14825,7 +14878,7 @@
                     </p:blipFill>
                     <p:spPr>
                       <a:xfrm>
-                        <a:off x="2527267" y="3816681"/>
+                        <a:off x="4051267" y="3816681"/>
                         <a:ext cx="266220" cy="342900"/>
                       </a:xfrm>
                       <a:prstGeom prst="rect">
@@ -14860,7 +14913,7 @@
           </p:nvPr>
         </p:nvGraphicFramePr>
         <p:xfrm>
-          <a:off x="1509713" y="4978400"/>
+          <a:off x="3033713" y="4978400"/>
           <a:ext cx="247650" cy="342900"/>
         </p:xfrm>
         <a:graphic>
@@ -14894,7 +14947,7 @@
                     </p:blipFill>
                     <p:spPr>
                       <a:xfrm>
-                        <a:off x="1509713" y="4978400"/>
+                        <a:off x="3033713" y="4978400"/>
                         <a:ext cx="247650" cy="342900"/>
                       </a:xfrm>
                       <a:prstGeom prst="rect">
@@ -14922,7 +14975,7 @@
         </p:nvSpPr>
         <p:spPr>
           <a:xfrm>
-            <a:off x="3391297" y="2546530"/>
+            <a:off x="4915297" y="2546531"/>
             <a:ext cx="5429174" cy="3139321"/>
           </a:xfrm>
           <a:prstGeom prst="rect">
@@ -14941,14 +14994,14 @@
               <a:buChar char="•"/>
             </a:pPr>
             <a:r>
-              <a:rPr kumimoji="1" lang="ja-JP" altLang="en-US" dirty="0"/>
+              <a:rPr lang="ja-JP" altLang="en-US" dirty="0"/>
               <a:t>Ｊが特異行列のときは逆行列は求められないため，逆運動学解は存在するにも関わらず求めることができない</a:t>
             </a:r>
             <a:br>
-              <a:rPr kumimoji="1" lang="en-US" altLang="ja-JP" dirty="0"/>
+              <a:rPr lang="en-US" altLang="ja-JP" dirty="0"/>
             </a:br>
             <a:r>
-              <a:rPr kumimoji="1" lang="en-US" altLang="ja-JP" dirty="0"/>
+              <a:rPr lang="en-US" altLang="ja-JP" dirty="0"/>
               <a:t>If J is singular, an inverse does not exist, which means we cannot solve inverse kinematics numerically even if a solution exists</a:t>
             </a:r>
           </a:p>
@@ -14958,47 +15011,31 @@
               <a:buChar char="•"/>
             </a:pPr>
             <a:r>
-              <a:rPr kumimoji="1" lang="ja-JP" altLang="en-US" dirty="0"/>
+              <a:rPr lang="ja-JP" altLang="en-US" dirty="0"/>
               <a:t>同様に</a:t>
             </a:r>
             <a:r>
-              <a:rPr kumimoji="1" lang="en-US" altLang="ja-JP" dirty="0"/>
+              <a:rPr lang="en-US" altLang="ja-JP" dirty="0"/>
               <a:t>J</a:t>
             </a:r>
             <a:r>
-              <a:rPr kumimoji="1" lang="ja-JP" altLang="en-US" dirty="0"/>
+              <a:rPr lang="ja-JP" altLang="en-US" dirty="0"/>
               <a:t>の固有値が非常に小さいときは</a:t>
             </a:r>
             <a:r>
-              <a:rPr kumimoji="1" lang="en-US" altLang="ja-JP" dirty="0"/>
+              <a:rPr lang="en-US" altLang="ja-JP" dirty="0"/>
               <a:t>J</a:t>
             </a:r>
             <a:r>
-              <a:rPr kumimoji="1" lang="ja-JP" altLang="en-US" dirty="0"/>
+              <a:rPr lang="ja-JP" altLang="en-US" dirty="0"/>
               <a:t>の逆行列の値が極端に大きくなり，数値計算が不安定になる</a:t>
             </a:r>
             <a:br>
-              <a:rPr kumimoji="1" lang="en-US" altLang="ja-JP" dirty="0"/>
+              <a:rPr lang="en-US" altLang="ja-JP" dirty="0"/>
             </a:br>
             <a:r>
-              <a:rPr kumimoji="1" lang="en-US" altLang="ja-JP" dirty="0"/>
-              <a:t>Similarly, if an eigenvalue of J is very small, a value of J inverse </a:t>
-            </a:r>
-            <a:r>
               <a:rPr lang="en-US" altLang="ja-JP" dirty="0"/>
-              <a:t>becomes </a:t>
-            </a:r>
-            <a:r>
-              <a:rPr kumimoji="1" lang="en-US" altLang="ja-JP" dirty="0"/>
-              <a:t>significantly large, and we find </a:t>
-            </a:r>
-            <a:r>
-              <a:rPr lang="en-US" altLang="ja-JP" dirty="0"/>
-              <a:t>unstable </a:t>
-            </a:r>
-            <a:r>
-              <a:rPr kumimoji="1" lang="en-US" altLang="ja-JP" dirty="0"/>
-              <a:t>numerical solution</a:t>
+              <a:t>Similarly, if an eigenvalue of J is very small, a value of J inverse becomes significantly large, and we find unstable numerical solution</a:t>
             </a:r>
           </a:p>
         </p:txBody>
@@ -15024,7 +15061,7 @@
           </p:nvPr>
         </p:nvGraphicFramePr>
         <p:xfrm>
-          <a:off x="4307000" y="1517650"/>
+          <a:off x="5831000" y="1517650"/>
           <a:ext cx="1409700" cy="1066800"/>
         </p:xfrm>
         <a:graphic>
@@ -15058,7 +15095,7 @@
                     </p:blipFill>
                     <p:spPr>
                       <a:xfrm>
-                        <a:off x="4307000" y="1517650"/>
+                        <a:off x="5831000" y="1517650"/>
                         <a:ext cx="1409700" cy="1066800"/>
                       </a:xfrm>
                       <a:prstGeom prst="rect">
